--- a/permit/doc/逻辑关系.pptx
+++ b/permit/doc/逻辑关系.pptx
@@ -5,7 +5,8 @@
     <p:sldMasterId id="2147483648" r:id="rId1"/>
   </p:sldMasterIdLst>
   <p:sldIdLst>
-    <p:sldId id="257" r:id="rId2"/>
+    <p:sldId id="258" r:id="rId2"/>
+    <p:sldId id="259" r:id="rId3"/>
   </p:sldIdLst>
   <p:sldSz cx="9144000" cy="6858000" type="screen4x3"/>
   <p:notesSz cx="6858000" cy="9144000"/>
@@ -288,7 +289,7 @@
           <a:p>
             <a:fld id="{CCCBB0F3-F4A1-4A2B-B02E-B1B55494255D}" type="datetimeFigureOut">
               <a:rPr lang="zh-CN" altLang="en-US" smtClean="0"/>
-              <a:t>2016/5/24</a:t>
+              <a:t>2016/5/25</a:t>
             </a:fld>
             <a:endParaRPr lang="zh-CN" altLang="en-US"/>
           </a:p>
@@ -458,7 +459,7 @@
           <a:p>
             <a:fld id="{CCCBB0F3-F4A1-4A2B-B02E-B1B55494255D}" type="datetimeFigureOut">
               <a:rPr lang="zh-CN" altLang="en-US" smtClean="0"/>
-              <a:t>2016/5/24</a:t>
+              <a:t>2016/5/25</a:t>
             </a:fld>
             <a:endParaRPr lang="zh-CN" altLang="en-US"/>
           </a:p>
@@ -638,7 +639,7 @@
           <a:p>
             <a:fld id="{CCCBB0F3-F4A1-4A2B-B02E-B1B55494255D}" type="datetimeFigureOut">
               <a:rPr lang="zh-CN" altLang="en-US" smtClean="0"/>
-              <a:t>2016/5/24</a:t>
+              <a:t>2016/5/25</a:t>
             </a:fld>
             <a:endParaRPr lang="zh-CN" altLang="en-US"/>
           </a:p>
@@ -808,7 +809,7 @@
           <a:p>
             <a:fld id="{CCCBB0F3-F4A1-4A2B-B02E-B1B55494255D}" type="datetimeFigureOut">
               <a:rPr lang="zh-CN" altLang="en-US" smtClean="0"/>
-              <a:t>2016/5/24</a:t>
+              <a:t>2016/5/25</a:t>
             </a:fld>
             <a:endParaRPr lang="zh-CN" altLang="en-US"/>
           </a:p>
@@ -1054,7 +1055,7 @@
           <a:p>
             <a:fld id="{CCCBB0F3-F4A1-4A2B-B02E-B1B55494255D}" type="datetimeFigureOut">
               <a:rPr lang="zh-CN" altLang="en-US" smtClean="0"/>
-              <a:t>2016/5/24</a:t>
+              <a:t>2016/5/25</a:t>
             </a:fld>
             <a:endParaRPr lang="zh-CN" altLang="en-US"/>
           </a:p>
@@ -1342,7 +1343,7 @@
           <a:p>
             <a:fld id="{CCCBB0F3-F4A1-4A2B-B02E-B1B55494255D}" type="datetimeFigureOut">
               <a:rPr lang="zh-CN" altLang="en-US" smtClean="0"/>
-              <a:t>2016/5/24</a:t>
+              <a:t>2016/5/25</a:t>
             </a:fld>
             <a:endParaRPr lang="zh-CN" altLang="en-US"/>
           </a:p>
@@ -1764,7 +1765,7 @@
           <a:p>
             <a:fld id="{CCCBB0F3-F4A1-4A2B-B02E-B1B55494255D}" type="datetimeFigureOut">
               <a:rPr lang="zh-CN" altLang="en-US" smtClean="0"/>
-              <a:t>2016/5/24</a:t>
+              <a:t>2016/5/25</a:t>
             </a:fld>
             <a:endParaRPr lang="zh-CN" altLang="en-US"/>
           </a:p>
@@ -1882,7 +1883,7 @@
           <a:p>
             <a:fld id="{CCCBB0F3-F4A1-4A2B-B02E-B1B55494255D}" type="datetimeFigureOut">
               <a:rPr lang="zh-CN" altLang="en-US" smtClean="0"/>
-              <a:t>2016/5/24</a:t>
+              <a:t>2016/5/25</a:t>
             </a:fld>
             <a:endParaRPr lang="zh-CN" altLang="en-US"/>
           </a:p>
@@ -1977,7 +1978,7 @@
           <a:p>
             <a:fld id="{CCCBB0F3-F4A1-4A2B-B02E-B1B55494255D}" type="datetimeFigureOut">
               <a:rPr lang="zh-CN" altLang="en-US" smtClean="0"/>
-              <a:t>2016/5/24</a:t>
+              <a:t>2016/5/25</a:t>
             </a:fld>
             <a:endParaRPr lang="zh-CN" altLang="en-US"/>
           </a:p>
@@ -2254,7 +2255,7 @@
           <a:p>
             <a:fld id="{CCCBB0F3-F4A1-4A2B-B02E-B1B55494255D}" type="datetimeFigureOut">
               <a:rPr lang="zh-CN" altLang="en-US" smtClean="0"/>
-              <a:t>2016/5/24</a:t>
+              <a:t>2016/5/25</a:t>
             </a:fld>
             <a:endParaRPr lang="zh-CN" altLang="en-US"/>
           </a:p>
@@ -2507,7 +2508,7 @@
           <a:p>
             <a:fld id="{CCCBB0F3-F4A1-4A2B-B02E-B1B55494255D}" type="datetimeFigureOut">
               <a:rPr lang="zh-CN" altLang="en-US" smtClean="0"/>
-              <a:t>2016/5/24</a:t>
+              <a:t>2016/5/25</a:t>
             </a:fld>
             <a:endParaRPr lang="zh-CN" altLang="en-US"/>
           </a:p>
@@ -2720,7 +2721,7 @@
           <a:p>
             <a:fld id="{CCCBB0F3-F4A1-4A2B-B02E-B1B55494255D}" type="datetimeFigureOut">
               <a:rPr lang="zh-CN" altLang="en-US" smtClean="0"/>
-              <a:t>2016/5/24</a:t>
+              <a:t>2016/5/25</a:t>
             </a:fld>
             <a:endParaRPr lang="zh-CN" altLang="en-US"/>
           </a:p>
@@ -3097,18 +3098,24 @@
       </p:grpSpPr>
       <p:sp>
         <p:nvSpPr>
-          <p:cNvPr id="4" name="椭圆 3"/>
+          <p:cNvPr id="6" name="圆角矩形 5"/>
           <p:cNvSpPr/>
           <p:nvPr/>
         </p:nvSpPr>
         <p:spPr>
           <a:xfrm>
-            <a:off x="3511112" y="116632"/>
-            <a:ext cx="1334609" cy="792088"/>
-          </a:xfrm>
-          <a:prstGeom prst="ellipse">
-            <a:avLst/>
-          </a:prstGeom>
+            <a:off x="1977571" y="476672"/>
+            <a:ext cx="1368152" cy="432048"/>
+          </a:xfrm>
+          <a:prstGeom prst="roundRect">
+            <a:avLst/>
+          </a:prstGeom>
+          <a:solidFill>
+            <a:schemeClr val="accent4"/>
+          </a:solidFill>
+          <a:ln w="3175">
+            <a:noFill/>
+          </a:ln>
         </p:spPr>
         <p:style>
           <a:lnRef idx="2">
@@ -3132,42 +3139,53 @@
           <a:p>
             <a:pPr algn="ctr"/>
             <a:r>
-              <a:rPr lang="zh-CN" altLang="en-US" sz="1400" dirty="0" smtClean="0"/>
-              <a:t>土地出让</a:t>
-            </a:r>
-            <a:r>
-              <a:rPr lang="zh-CN" altLang="en-US" sz="1400" dirty="0"/>
-              <a:t>记录</a:t>
-            </a:r>
-          </a:p>
-        </p:txBody>
-      </p:sp>
-      <p:sp>
-        <p:nvSpPr>
-          <p:cNvPr id="28" name="椭圆 27"/>
+              <a:rPr lang="zh-CN" altLang="en-US" sz="1100" dirty="0" smtClean="0">
+                <a:latin typeface="微软雅黑" panose="020B0503020204020204" pitchFamily="34" charset="-122"/>
+                <a:ea typeface="微软雅黑" panose="020B0503020204020204" pitchFamily="34" charset="-122"/>
+              </a:rPr>
+              <a:t>土地出让记录</a:t>
+            </a:r>
+            <a:endParaRPr lang="zh-CN" altLang="en-US" sz="1100" dirty="0">
+              <a:latin typeface="微软雅黑" panose="020B0503020204020204" pitchFamily="34" charset="-122"/>
+              <a:ea typeface="微软雅黑" panose="020B0503020204020204" pitchFamily="34" charset="-122"/>
+            </a:endParaRPr>
+          </a:p>
+        </p:txBody>
+      </p:sp>
+      <p:sp>
+        <p:nvSpPr>
+          <p:cNvPr id="24" name="圆角矩形 23"/>
           <p:cNvSpPr/>
           <p:nvPr/>
         </p:nvSpPr>
         <p:spPr>
           <a:xfrm>
-            <a:off x="3527352" y="1352599"/>
-            <a:ext cx="1334609" cy="792088"/>
-          </a:xfrm>
-          <a:prstGeom prst="ellipse">
-            <a:avLst/>
-          </a:prstGeom>
+            <a:off x="1977571" y="1406304"/>
+            <a:ext cx="1368152" cy="432048"/>
+          </a:xfrm>
+          <a:prstGeom prst="roundRect">
+            <a:avLst/>
+          </a:prstGeom>
+          <a:solidFill>
+            <a:schemeClr val="accent1">
+              <a:lumMod val="75000"/>
+            </a:schemeClr>
+          </a:solidFill>
+          <a:ln w="3175">
+            <a:noFill/>
+          </a:ln>
         </p:spPr>
         <p:style>
           <a:lnRef idx="2">
-            <a:schemeClr val="accent2">
+            <a:schemeClr val="accent3">
               <a:shade val="50000"/>
             </a:schemeClr>
           </a:lnRef>
           <a:fillRef idx="1">
-            <a:schemeClr val="accent2"/>
+            <a:schemeClr val="accent3"/>
           </a:fillRef>
           <a:effectRef idx="0">
-            <a:schemeClr val="accent2"/>
+            <a:schemeClr val="accent3"/>
           </a:effectRef>
           <a:fontRef idx="minor">
             <a:schemeClr val="lt1"/>
@@ -3179,42 +3197,90 @@
           <a:p>
             <a:pPr algn="ctr"/>
             <a:r>
-              <a:rPr lang="zh-CN" altLang="en-US" sz="1400" dirty="0" smtClean="0"/>
-              <a:t>规划</a:t>
-            </a:r>
-            <a:r>
-              <a:rPr lang="zh-CN" altLang="en-US" sz="1400" dirty="0"/>
-              <a:t>记录</a:t>
-            </a:r>
-          </a:p>
-        </p:txBody>
-      </p:sp>
-      <p:sp>
-        <p:nvSpPr>
-          <p:cNvPr id="29" name="椭圆 28"/>
+              <a:rPr lang="zh-CN" altLang="en-US" sz="1100" b="1" dirty="0" smtClean="0">
+                <a:latin typeface="微软雅黑" panose="020B0503020204020204" pitchFamily="34" charset="-122"/>
+                <a:ea typeface="微软雅黑" panose="020B0503020204020204" pitchFamily="34" charset="-122"/>
+              </a:rPr>
+              <a:t>规划记录</a:t>
+            </a:r>
+            <a:endParaRPr lang="zh-CN" altLang="en-US" sz="1100" b="1" dirty="0">
+              <a:latin typeface="微软雅黑" panose="020B0503020204020204" pitchFamily="34" charset="-122"/>
+              <a:ea typeface="微软雅黑" panose="020B0503020204020204" pitchFamily="34" charset="-122"/>
+            </a:endParaRPr>
+          </a:p>
+        </p:txBody>
+      </p:sp>
+      <p:cxnSp>
+        <p:nvCxnSpPr>
+          <p:cNvPr id="9" name="直接箭头连接符 8"/>
+          <p:cNvCxnSpPr>
+            <a:stCxn id="24" idx="0"/>
+            <a:endCxn id="6" idx="2"/>
+          </p:cNvCxnSpPr>
+          <p:nvPr/>
+        </p:nvCxnSpPr>
+        <p:spPr>
+          <a:xfrm flipV="1">
+            <a:off x="2661647" y="908720"/>
+            <a:ext cx="0" cy="497584"/>
+          </a:xfrm>
+          <a:prstGeom prst="straightConnector1">
+            <a:avLst/>
+          </a:prstGeom>
+          <a:ln>
+            <a:tailEnd type="arrow"/>
+          </a:ln>
+        </p:spPr>
+        <p:style>
+          <a:lnRef idx="1">
+            <a:schemeClr val="accent1"/>
+          </a:lnRef>
+          <a:fillRef idx="0">
+            <a:schemeClr val="accent1"/>
+          </a:fillRef>
+          <a:effectRef idx="0">
+            <a:schemeClr val="accent1"/>
+          </a:effectRef>
+          <a:fontRef idx="minor">
+            <a:schemeClr val="tx1"/>
+          </a:fontRef>
+        </p:style>
+      </p:cxnSp>
+      <p:sp>
+        <p:nvSpPr>
+          <p:cNvPr id="33" name="圆角矩形 32"/>
           <p:cNvSpPr/>
           <p:nvPr/>
         </p:nvSpPr>
         <p:spPr>
           <a:xfrm>
-            <a:off x="1619672" y="2703943"/>
-            <a:ext cx="1440160" cy="792088"/>
-          </a:xfrm>
-          <a:prstGeom prst="ellipse">
-            <a:avLst/>
-          </a:prstGeom>
+            <a:off x="899592" y="2420888"/>
+            <a:ext cx="1080120" cy="432048"/>
+          </a:xfrm>
+          <a:prstGeom prst="roundRect">
+            <a:avLst/>
+          </a:prstGeom>
+          <a:solidFill>
+            <a:schemeClr val="tx2">
+              <a:lumMod val="60000"/>
+              <a:lumOff val="40000"/>
+            </a:schemeClr>
+          </a:solidFill>
+          <a:ln w="3175">
+            <a:noFill/>
+          </a:ln>
         </p:spPr>
         <p:style>
           <a:lnRef idx="2">
-            <a:schemeClr val="accent1">
+            <a:schemeClr val="accent3">
               <a:shade val="50000"/>
             </a:schemeClr>
           </a:lnRef>
           <a:fillRef idx="1">
-            <a:schemeClr val="accent1"/>
+            <a:schemeClr val="accent3"/>
           </a:fillRef>
           <a:effectRef idx="0">
-            <a:schemeClr val="accent1"/>
+            <a:schemeClr val="accent3"/>
           </a:effectRef>
           <a:fontRef idx="minor">
             <a:schemeClr val="lt1"/>
@@ -3226,39 +3292,54 @@
           <a:p>
             <a:pPr algn="ctr"/>
             <a:r>
-              <a:rPr lang="zh-CN" altLang="en-US" sz="1200" dirty="0" smtClean="0"/>
-              <a:t>规划许可证记录</a:t>
-            </a:r>
-            <a:endParaRPr lang="zh-CN" altLang="en-US" sz="1200" dirty="0"/>
-          </a:p>
-        </p:txBody>
-      </p:sp>
-      <p:sp>
-        <p:nvSpPr>
-          <p:cNvPr id="30" name="椭圆 29"/>
+              <a:rPr lang="zh-CN" altLang="en-US" sz="1100" dirty="0" smtClean="0">
+                <a:latin typeface="微软雅黑" panose="020B0503020204020204" pitchFamily="34" charset="-122"/>
+                <a:ea typeface="微软雅黑" panose="020B0503020204020204" pitchFamily="34" charset="-122"/>
+              </a:rPr>
+              <a:t>规划许可证</a:t>
+            </a:r>
+            <a:endParaRPr lang="zh-CN" altLang="en-US" sz="1100" dirty="0">
+              <a:latin typeface="微软雅黑" panose="020B0503020204020204" pitchFamily="34" charset="-122"/>
+              <a:ea typeface="微软雅黑" panose="020B0503020204020204" pitchFamily="34" charset="-122"/>
+            </a:endParaRPr>
+          </a:p>
+        </p:txBody>
+      </p:sp>
+      <p:sp>
+        <p:nvSpPr>
+          <p:cNvPr id="37" name="圆角矩形 36"/>
           <p:cNvSpPr/>
           <p:nvPr/>
         </p:nvSpPr>
         <p:spPr>
           <a:xfrm>
-            <a:off x="3555632" y="2703943"/>
-            <a:ext cx="1440160" cy="792088"/>
-          </a:xfrm>
-          <a:prstGeom prst="ellipse">
-            <a:avLst/>
-          </a:prstGeom>
+            <a:off x="2121587" y="2420888"/>
+            <a:ext cx="1080120" cy="432048"/>
+          </a:xfrm>
+          <a:prstGeom prst="roundRect">
+            <a:avLst/>
+          </a:prstGeom>
+          <a:solidFill>
+            <a:schemeClr val="tx2">
+              <a:lumMod val="60000"/>
+              <a:lumOff val="40000"/>
+            </a:schemeClr>
+          </a:solidFill>
+          <a:ln w="3175">
+            <a:noFill/>
+          </a:ln>
         </p:spPr>
         <p:style>
           <a:lnRef idx="2">
-            <a:schemeClr val="accent1">
+            <a:schemeClr val="accent3">
               <a:shade val="50000"/>
             </a:schemeClr>
           </a:lnRef>
           <a:fillRef idx="1">
-            <a:schemeClr val="accent1"/>
+            <a:schemeClr val="accent3"/>
           </a:fillRef>
           <a:effectRef idx="0">
-            <a:schemeClr val="accent1"/>
+            <a:schemeClr val="accent3"/>
           </a:effectRef>
           <a:fontRef idx="minor">
             <a:schemeClr val="lt1"/>
@@ -3270,39 +3351,54 @@
           <a:p>
             <a:pPr algn="ctr"/>
             <a:r>
-              <a:rPr lang="zh-CN" altLang="en-US" sz="1200" dirty="0" smtClean="0"/>
-              <a:t>规划许可证记录</a:t>
-            </a:r>
-            <a:endParaRPr lang="zh-CN" altLang="en-US" sz="1200" dirty="0"/>
-          </a:p>
-        </p:txBody>
-      </p:sp>
-      <p:sp>
-        <p:nvSpPr>
-          <p:cNvPr id="31" name="椭圆 30"/>
+              <a:rPr lang="zh-CN" altLang="en-US" sz="1100" dirty="0" smtClean="0">
+                <a:latin typeface="微软雅黑" panose="020B0503020204020204" pitchFamily="34" charset="-122"/>
+                <a:ea typeface="微软雅黑" panose="020B0503020204020204" pitchFamily="34" charset="-122"/>
+              </a:rPr>
+              <a:t>规划许可证</a:t>
+            </a:r>
+            <a:endParaRPr lang="zh-CN" altLang="en-US" sz="1100" dirty="0">
+              <a:latin typeface="微软雅黑" panose="020B0503020204020204" pitchFamily="34" charset="-122"/>
+              <a:ea typeface="微软雅黑" panose="020B0503020204020204" pitchFamily="34" charset="-122"/>
+            </a:endParaRPr>
+          </a:p>
+        </p:txBody>
+      </p:sp>
+      <p:sp>
+        <p:nvSpPr>
+          <p:cNvPr id="38" name="圆角矩形 37"/>
           <p:cNvSpPr/>
           <p:nvPr/>
         </p:nvSpPr>
         <p:spPr>
           <a:xfrm>
-            <a:off x="5732443" y="2587944"/>
-            <a:ext cx="1368152" cy="792088"/>
-          </a:xfrm>
-          <a:prstGeom prst="ellipse">
-            <a:avLst/>
-          </a:prstGeom>
+            <a:off x="3957791" y="2420888"/>
+            <a:ext cx="1404156" cy="432048"/>
+          </a:xfrm>
+          <a:prstGeom prst="roundRect">
+            <a:avLst/>
+          </a:prstGeom>
+          <a:solidFill>
+            <a:schemeClr val="tx2">
+              <a:lumMod val="60000"/>
+              <a:lumOff val="40000"/>
+            </a:schemeClr>
+          </a:solidFill>
+          <a:ln w="3175">
+            <a:noFill/>
+          </a:ln>
         </p:spPr>
         <p:style>
           <a:lnRef idx="2">
-            <a:schemeClr val="accent1">
+            <a:schemeClr val="accent3">
               <a:shade val="50000"/>
             </a:schemeClr>
           </a:lnRef>
           <a:fillRef idx="1">
-            <a:schemeClr val="accent1"/>
+            <a:schemeClr val="accent3"/>
           </a:fillRef>
           <a:effectRef idx="0">
-            <a:schemeClr val="accent1"/>
+            <a:schemeClr val="accent3"/>
           </a:effectRef>
           <a:fontRef idx="minor">
             <a:schemeClr val="lt1"/>
@@ -3314,201 +3410,32 @@
           <a:p>
             <a:pPr algn="ctr"/>
             <a:r>
-              <a:rPr lang="zh-CN" altLang="en-US" sz="1200" dirty="0" smtClean="0"/>
-              <a:t>规划许可证记录</a:t>
-            </a:r>
-            <a:endParaRPr lang="zh-CN" altLang="en-US" sz="1200" dirty="0"/>
-          </a:p>
-        </p:txBody>
-      </p:sp>
-      <p:sp>
-        <p:nvSpPr>
-          <p:cNvPr id="32" name="椭圆 31"/>
-          <p:cNvSpPr/>
-          <p:nvPr/>
-        </p:nvSpPr>
-        <p:spPr>
-          <a:xfrm>
-            <a:off x="391976" y="4293096"/>
-            <a:ext cx="1440160" cy="792088"/>
-          </a:xfrm>
-          <a:prstGeom prst="ellipse">
-            <a:avLst/>
-          </a:prstGeom>
-        </p:spPr>
-        <p:style>
-          <a:lnRef idx="2">
-            <a:schemeClr val="accent6">
-              <a:shade val="50000"/>
-            </a:schemeClr>
-          </a:lnRef>
-          <a:fillRef idx="1">
-            <a:schemeClr val="accent6"/>
-          </a:fillRef>
-          <a:effectRef idx="0">
-            <a:schemeClr val="accent6"/>
-          </a:effectRef>
-          <a:fontRef idx="minor">
-            <a:schemeClr val="lt1"/>
-          </a:fontRef>
-        </p:style>
-        <p:txBody>
-          <a:bodyPr rtlCol="0" anchor="ctr"/>
-          <a:lstStyle/>
-          <a:p>
-            <a:pPr algn="ctr"/>
-            <a:r>
-              <a:rPr lang="zh-CN" altLang="en-US" sz="1200" dirty="0" smtClean="0"/>
-              <a:t>施工许可证记录</a:t>
-            </a:r>
-            <a:endParaRPr lang="zh-CN" altLang="en-US" sz="1200" dirty="0"/>
-          </a:p>
-        </p:txBody>
-      </p:sp>
-      <p:sp>
-        <p:nvSpPr>
-          <p:cNvPr id="34" name="椭圆 33"/>
-          <p:cNvSpPr/>
-          <p:nvPr/>
-        </p:nvSpPr>
-        <p:spPr>
-          <a:xfrm>
-            <a:off x="2378335" y="4293096"/>
-            <a:ext cx="1440160" cy="792088"/>
-          </a:xfrm>
-          <a:prstGeom prst="ellipse">
-            <a:avLst/>
-          </a:prstGeom>
-        </p:spPr>
-        <p:style>
-          <a:lnRef idx="2">
-            <a:schemeClr val="accent6">
-              <a:shade val="50000"/>
-            </a:schemeClr>
-          </a:lnRef>
-          <a:fillRef idx="1">
-            <a:schemeClr val="accent6"/>
-          </a:fillRef>
-          <a:effectRef idx="0">
-            <a:schemeClr val="accent6"/>
-          </a:effectRef>
-          <a:fontRef idx="minor">
-            <a:schemeClr val="lt1"/>
-          </a:fontRef>
-        </p:style>
-        <p:txBody>
-          <a:bodyPr rtlCol="0" anchor="ctr"/>
-          <a:lstStyle/>
-          <a:p>
-            <a:pPr algn="ctr"/>
-            <a:r>
-              <a:rPr lang="zh-CN" altLang="en-US" sz="1200" dirty="0" smtClean="0"/>
-              <a:t>施工许可证记录</a:t>
-            </a:r>
-            <a:endParaRPr lang="zh-CN" altLang="en-US" sz="1200" dirty="0"/>
-          </a:p>
-        </p:txBody>
-      </p:sp>
-      <p:sp>
-        <p:nvSpPr>
-          <p:cNvPr id="35" name="椭圆 34"/>
-          <p:cNvSpPr/>
-          <p:nvPr/>
-        </p:nvSpPr>
-        <p:spPr>
-          <a:xfrm>
-            <a:off x="4961905" y="4221088"/>
-            <a:ext cx="1440160" cy="792088"/>
-          </a:xfrm>
-          <a:prstGeom prst="ellipse">
-            <a:avLst/>
-          </a:prstGeom>
-        </p:spPr>
-        <p:style>
-          <a:lnRef idx="2">
-            <a:schemeClr val="accent4">
-              <a:shade val="50000"/>
-            </a:schemeClr>
-          </a:lnRef>
-          <a:fillRef idx="1">
-            <a:schemeClr val="accent4"/>
-          </a:fillRef>
-          <a:effectRef idx="0">
-            <a:schemeClr val="accent4"/>
-          </a:effectRef>
-          <a:fontRef idx="minor">
-            <a:schemeClr val="lt1"/>
-          </a:fontRef>
-        </p:style>
-        <p:txBody>
-          <a:bodyPr rtlCol="0" anchor="ctr"/>
-          <a:lstStyle/>
-          <a:p>
-            <a:pPr algn="ctr"/>
-            <a:r>
-              <a:rPr lang="zh-CN" altLang="en-US" sz="1200" dirty="0" smtClean="0"/>
-              <a:t>预售许可证记录</a:t>
-            </a:r>
-            <a:endParaRPr lang="zh-CN" altLang="en-US" sz="1200" dirty="0"/>
-          </a:p>
-        </p:txBody>
-      </p:sp>
-      <p:sp>
-        <p:nvSpPr>
-          <p:cNvPr id="36" name="椭圆 35"/>
-          <p:cNvSpPr/>
-          <p:nvPr/>
-        </p:nvSpPr>
-        <p:spPr>
-          <a:xfrm>
-            <a:off x="6948264" y="4221088"/>
-            <a:ext cx="1440160" cy="792088"/>
-          </a:xfrm>
-          <a:prstGeom prst="ellipse">
-            <a:avLst/>
-          </a:prstGeom>
-        </p:spPr>
-        <p:style>
-          <a:lnRef idx="2">
-            <a:schemeClr val="accent4">
-              <a:shade val="50000"/>
-            </a:schemeClr>
-          </a:lnRef>
-          <a:fillRef idx="1">
-            <a:schemeClr val="accent4"/>
-          </a:fillRef>
-          <a:effectRef idx="0">
-            <a:schemeClr val="accent4"/>
-          </a:effectRef>
-          <a:fontRef idx="minor">
-            <a:schemeClr val="lt1"/>
-          </a:fontRef>
-        </p:style>
-        <p:txBody>
-          <a:bodyPr rtlCol="0" anchor="ctr"/>
-          <a:lstStyle/>
-          <a:p>
-            <a:pPr algn="ctr"/>
-            <a:r>
-              <a:rPr lang="zh-CN" altLang="en-US" sz="1200" dirty="0" smtClean="0"/>
-              <a:t>预售许可证记录</a:t>
-            </a:r>
-            <a:endParaRPr lang="zh-CN" altLang="en-US" sz="1200" dirty="0"/>
+              <a:rPr lang="zh-CN" altLang="en-US" sz="1100" dirty="0" smtClean="0">
+                <a:latin typeface="微软雅黑" panose="020B0503020204020204" pitchFamily="34" charset="-122"/>
+                <a:ea typeface="微软雅黑" panose="020B0503020204020204" pitchFamily="34" charset="-122"/>
+              </a:rPr>
+              <a:t>规划许可证</a:t>
+            </a:r>
+            <a:endParaRPr lang="zh-CN" altLang="en-US" sz="1100" dirty="0">
+              <a:latin typeface="微软雅黑" panose="020B0503020204020204" pitchFamily="34" charset="-122"/>
+              <a:ea typeface="微软雅黑" panose="020B0503020204020204" pitchFamily="34" charset="-122"/>
+            </a:endParaRPr>
           </a:p>
         </p:txBody>
       </p:sp>
       <p:cxnSp>
         <p:nvCxnSpPr>
-          <p:cNvPr id="41" name="直接箭头连接符 40"/>
+          <p:cNvPr id="39" name="直接箭头连接符 38"/>
           <p:cNvCxnSpPr>
-            <a:stCxn id="28" idx="0"/>
+            <a:stCxn id="33" idx="0"/>
+            <a:endCxn id="24" idx="2"/>
           </p:cNvCxnSpPr>
           <p:nvPr/>
         </p:nvCxnSpPr>
         <p:spPr>
-          <a:xfrm flipH="1" flipV="1">
-            <a:off x="4178416" y="908720"/>
-            <a:ext cx="16241" cy="443879"/>
+          <a:xfrm flipV="1">
+            <a:off x="1439652" y="1838352"/>
+            <a:ext cx="1221995" cy="582536"/>
           </a:xfrm>
           <a:prstGeom prst="straightConnector1">
             <a:avLst/>
@@ -3534,17 +3461,17 @@
       </p:cxnSp>
       <p:cxnSp>
         <p:nvCxnSpPr>
-          <p:cNvPr id="42" name="直接箭头连接符 41"/>
+          <p:cNvPr id="40" name="直接箭头连接符 39"/>
           <p:cNvCxnSpPr>
-            <a:stCxn id="29" idx="0"/>
-            <a:endCxn id="28" idx="3"/>
+            <a:stCxn id="37" idx="0"/>
+            <a:endCxn id="24" idx="2"/>
           </p:cNvCxnSpPr>
           <p:nvPr/>
         </p:nvCxnSpPr>
         <p:spPr>
           <a:xfrm flipV="1">
-            <a:off x="2339752" y="2028688"/>
-            <a:ext cx="1383049" cy="675255"/>
+            <a:off x="2661647" y="1838352"/>
+            <a:ext cx="0" cy="582536"/>
           </a:xfrm>
           <a:prstGeom prst="straightConnector1">
             <a:avLst/>
@@ -3570,17 +3497,1254 @@
       </p:cxnSp>
       <p:cxnSp>
         <p:nvCxnSpPr>
-          <p:cNvPr id="45" name="直接箭头连接符 44"/>
+          <p:cNvPr id="46" name="直接箭头连接符 45"/>
           <p:cNvCxnSpPr>
-            <a:stCxn id="30" idx="0"/>
-            <a:endCxn id="28" idx="4"/>
+            <a:stCxn id="38" idx="0"/>
+            <a:endCxn id="24" idx="2"/>
           </p:cNvCxnSpPr>
           <p:nvPr/>
         </p:nvCxnSpPr>
         <p:spPr>
           <a:xfrm flipH="1" flipV="1">
-            <a:off x="4194657" y="2144687"/>
-            <a:ext cx="81055" cy="559256"/>
+            <a:off x="2661647" y="1838352"/>
+            <a:ext cx="1998222" cy="582536"/>
+          </a:xfrm>
+          <a:prstGeom prst="straightConnector1">
+            <a:avLst/>
+          </a:prstGeom>
+          <a:ln>
+            <a:tailEnd type="arrow"/>
+          </a:ln>
+        </p:spPr>
+        <p:style>
+          <a:lnRef idx="1">
+            <a:schemeClr val="accent1"/>
+          </a:lnRef>
+          <a:fillRef idx="0">
+            <a:schemeClr val="accent1"/>
+          </a:fillRef>
+          <a:effectRef idx="0">
+            <a:schemeClr val="accent1"/>
+          </a:effectRef>
+          <a:fontRef idx="minor">
+            <a:schemeClr val="tx1"/>
+          </a:fontRef>
+        </p:style>
+      </p:cxnSp>
+      <p:sp>
+        <p:nvSpPr>
+          <p:cNvPr id="49" name="圆角矩形 48"/>
+          <p:cNvSpPr/>
+          <p:nvPr/>
+        </p:nvSpPr>
+        <p:spPr>
+          <a:xfrm>
+            <a:off x="899592" y="3501008"/>
+            <a:ext cx="1080120" cy="432048"/>
+          </a:xfrm>
+          <a:prstGeom prst="roundRect">
+            <a:avLst/>
+          </a:prstGeom>
+          <a:solidFill>
+            <a:schemeClr val="accent6">
+              <a:lumMod val="75000"/>
+            </a:schemeClr>
+          </a:solidFill>
+          <a:ln w="3175">
+            <a:noFill/>
+          </a:ln>
+        </p:spPr>
+        <p:style>
+          <a:lnRef idx="2">
+            <a:schemeClr val="accent3">
+              <a:shade val="50000"/>
+            </a:schemeClr>
+          </a:lnRef>
+          <a:fillRef idx="1">
+            <a:schemeClr val="accent3"/>
+          </a:fillRef>
+          <a:effectRef idx="0">
+            <a:schemeClr val="accent3"/>
+          </a:effectRef>
+          <a:fontRef idx="minor">
+            <a:schemeClr val="lt1"/>
+          </a:fontRef>
+        </p:style>
+        <p:txBody>
+          <a:bodyPr rtlCol="0" anchor="ctr"/>
+          <a:lstStyle/>
+          <a:p>
+            <a:pPr algn="ctr"/>
+            <a:r>
+              <a:rPr lang="zh-CN" altLang="en-US" sz="1100" dirty="0" smtClean="0">
+                <a:latin typeface="微软雅黑" panose="020B0503020204020204" pitchFamily="34" charset="-122"/>
+                <a:ea typeface="微软雅黑" panose="020B0503020204020204" pitchFamily="34" charset="-122"/>
+              </a:rPr>
+              <a:t>施工许可证</a:t>
+            </a:r>
+            <a:endParaRPr lang="zh-CN" altLang="en-US" sz="1100" dirty="0">
+              <a:latin typeface="微软雅黑" panose="020B0503020204020204" pitchFamily="34" charset="-122"/>
+              <a:ea typeface="微软雅黑" panose="020B0503020204020204" pitchFamily="34" charset="-122"/>
+            </a:endParaRPr>
+          </a:p>
+        </p:txBody>
+      </p:sp>
+      <p:cxnSp>
+        <p:nvCxnSpPr>
+          <p:cNvPr id="50" name="直接箭头连接符 49"/>
+          <p:cNvCxnSpPr>
+            <a:stCxn id="49" idx="0"/>
+            <a:endCxn id="33" idx="2"/>
+          </p:cNvCxnSpPr>
+          <p:nvPr/>
+        </p:nvCxnSpPr>
+        <p:spPr>
+          <a:xfrm flipV="1">
+            <a:off x="1439652" y="2852936"/>
+            <a:ext cx="0" cy="648072"/>
+          </a:xfrm>
+          <a:prstGeom prst="straightConnector1">
+            <a:avLst/>
+          </a:prstGeom>
+          <a:ln>
+            <a:tailEnd type="arrow"/>
+          </a:ln>
+        </p:spPr>
+        <p:style>
+          <a:lnRef idx="1">
+            <a:schemeClr val="accent1"/>
+          </a:lnRef>
+          <a:fillRef idx="0">
+            <a:schemeClr val="accent1"/>
+          </a:fillRef>
+          <a:effectRef idx="0">
+            <a:schemeClr val="accent1"/>
+          </a:effectRef>
+          <a:fontRef idx="minor">
+            <a:schemeClr val="tx1"/>
+          </a:fontRef>
+        </p:style>
+      </p:cxnSp>
+      <p:sp>
+        <p:nvSpPr>
+          <p:cNvPr id="53" name="圆角矩形 52"/>
+          <p:cNvSpPr/>
+          <p:nvPr/>
+        </p:nvSpPr>
+        <p:spPr>
+          <a:xfrm>
+            <a:off x="3425892" y="3501008"/>
+            <a:ext cx="1080120" cy="432048"/>
+          </a:xfrm>
+          <a:prstGeom prst="roundRect">
+            <a:avLst/>
+          </a:prstGeom>
+          <a:solidFill>
+            <a:schemeClr val="accent6">
+              <a:lumMod val="75000"/>
+            </a:schemeClr>
+          </a:solidFill>
+          <a:ln w="3175">
+            <a:noFill/>
+          </a:ln>
+        </p:spPr>
+        <p:style>
+          <a:lnRef idx="2">
+            <a:schemeClr val="accent3">
+              <a:shade val="50000"/>
+            </a:schemeClr>
+          </a:lnRef>
+          <a:fillRef idx="1">
+            <a:schemeClr val="accent3"/>
+          </a:fillRef>
+          <a:effectRef idx="0">
+            <a:schemeClr val="accent3"/>
+          </a:effectRef>
+          <a:fontRef idx="minor">
+            <a:schemeClr val="lt1"/>
+          </a:fontRef>
+        </p:style>
+        <p:txBody>
+          <a:bodyPr rtlCol="0" anchor="ctr"/>
+          <a:lstStyle/>
+          <a:p>
+            <a:pPr algn="ctr"/>
+            <a:r>
+              <a:rPr lang="zh-CN" altLang="en-US" sz="1100" dirty="0" smtClean="0">
+                <a:latin typeface="微软雅黑" panose="020B0503020204020204" pitchFamily="34" charset="-122"/>
+                <a:ea typeface="微软雅黑" panose="020B0503020204020204" pitchFamily="34" charset="-122"/>
+              </a:rPr>
+              <a:t>施工许可证</a:t>
+            </a:r>
+            <a:endParaRPr lang="zh-CN" altLang="en-US" sz="1100" dirty="0">
+              <a:latin typeface="微软雅黑" panose="020B0503020204020204" pitchFamily="34" charset="-122"/>
+              <a:ea typeface="微软雅黑" panose="020B0503020204020204" pitchFamily="34" charset="-122"/>
+            </a:endParaRPr>
+          </a:p>
+        </p:txBody>
+      </p:sp>
+      <p:cxnSp>
+        <p:nvCxnSpPr>
+          <p:cNvPr id="54" name="直接箭头连接符 53"/>
+          <p:cNvCxnSpPr>
+            <a:stCxn id="53" idx="0"/>
+            <a:endCxn id="38" idx="2"/>
+          </p:cNvCxnSpPr>
+          <p:nvPr/>
+        </p:nvCxnSpPr>
+        <p:spPr>
+          <a:xfrm flipV="1">
+            <a:off x="3965952" y="2852936"/>
+            <a:ext cx="693917" cy="648072"/>
+          </a:xfrm>
+          <a:prstGeom prst="straightConnector1">
+            <a:avLst/>
+          </a:prstGeom>
+          <a:ln>
+            <a:tailEnd type="arrow"/>
+          </a:ln>
+        </p:spPr>
+        <p:style>
+          <a:lnRef idx="1">
+            <a:schemeClr val="accent1"/>
+          </a:lnRef>
+          <a:fillRef idx="0">
+            <a:schemeClr val="accent1"/>
+          </a:fillRef>
+          <a:effectRef idx="0">
+            <a:schemeClr val="accent1"/>
+          </a:effectRef>
+          <a:fontRef idx="minor">
+            <a:schemeClr val="tx1"/>
+          </a:fontRef>
+        </p:style>
+      </p:cxnSp>
+      <p:sp>
+        <p:nvSpPr>
+          <p:cNvPr id="59" name="圆角矩形 58"/>
+          <p:cNvSpPr/>
+          <p:nvPr/>
+        </p:nvSpPr>
+        <p:spPr>
+          <a:xfrm>
+            <a:off x="2121587" y="3501008"/>
+            <a:ext cx="1080120" cy="432048"/>
+          </a:xfrm>
+          <a:prstGeom prst="roundRect">
+            <a:avLst/>
+          </a:prstGeom>
+          <a:solidFill>
+            <a:schemeClr val="accent6">
+              <a:lumMod val="75000"/>
+            </a:schemeClr>
+          </a:solidFill>
+          <a:ln w="3175">
+            <a:noFill/>
+          </a:ln>
+        </p:spPr>
+        <p:style>
+          <a:lnRef idx="2">
+            <a:schemeClr val="accent3">
+              <a:shade val="50000"/>
+            </a:schemeClr>
+          </a:lnRef>
+          <a:fillRef idx="1">
+            <a:schemeClr val="accent3"/>
+          </a:fillRef>
+          <a:effectRef idx="0">
+            <a:schemeClr val="accent3"/>
+          </a:effectRef>
+          <a:fontRef idx="minor">
+            <a:schemeClr val="lt1"/>
+          </a:fontRef>
+        </p:style>
+        <p:txBody>
+          <a:bodyPr rtlCol="0" anchor="ctr"/>
+          <a:lstStyle/>
+          <a:p>
+            <a:pPr algn="ctr"/>
+            <a:r>
+              <a:rPr lang="zh-CN" altLang="en-US" sz="1100" dirty="0" smtClean="0">
+                <a:latin typeface="微软雅黑" panose="020B0503020204020204" pitchFamily="34" charset="-122"/>
+                <a:ea typeface="微软雅黑" panose="020B0503020204020204" pitchFamily="34" charset="-122"/>
+              </a:rPr>
+              <a:t>施工许可证</a:t>
+            </a:r>
+            <a:endParaRPr lang="zh-CN" altLang="en-US" sz="1100" dirty="0">
+              <a:latin typeface="微软雅黑" panose="020B0503020204020204" pitchFamily="34" charset="-122"/>
+              <a:ea typeface="微软雅黑" panose="020B0503020204020204" pitchFamily="34" charset="-122"/>
+            </a:endParaRPr>
+          </a:p>
+        </p:txBody>
+      </p:sp>
+      <p:cxnSp>
+        <p:nvCxnSpPr>
+          <p:cNvPr id="60" name="直接箭头连接符 59"/>
+          <p:cNvCxnSpPr>
+            <a:stCxn id="59" idx="0"/>
+            <a:endCxn id="37" idx="2"/>
+          </p:cNvCxnSpPr>
+          <p:nvPr/>
+        </p:nvCxnSpPr>
+        <p:spPr>
+          <a:xfrm flipV="1">
+            <a:off x="2661647" y="2852936"/>
+            <a:ext cx="0" cy="648072"/>
+          </a:xfrm>
+          <a:prstGeom prst="straightConnector1">
+            <a:avLst/>
+          </a:prstGeom>
+          <a:ln>
+            <a:tailEnd type="arrow"/>
+          </a:ln>
+        </p:spPr>
+        <p:style>
+          <a:lnRef idx="1">
+            <a:schemeClr val="accent1"/>
+          </a:lnRef>
+          <a:fillRef idx="0">
+            <a:schemeClr val="accent1"/>
+          </a:fillRef>
+          <a:effectRef idx="0">
+            <a:schemeClr val="accent1"/>
+          </a:effectRef>
+          <a:fontRef idx="minor">
+            <a:schemeClr val="tx1"/>
+          </a:fontRef>
+        </p:style>
+      </p:cxnSp>
+      <p:sp>
+        <p:nvSpPr>
+          <p:cNvPr id="75" name="圆角矩形 74"/>
+          <p:cNvSpPr/>
+          <p:nvPr/>
+        </p:nvSpPr>
+        <p:spPr>
+          <a:xfrm>
+            <a:off x="5174344" y="3501008"/>
+            <a:ext cx="1368152" cy="432048"/>
+          </a:xfrm>
+          <a:prstGeom prst="roundRect">
+            <a:avLst/>
+          </a:prstGeom>
+          <a:solidFill>
+            <a:srgbClr val="00B050"/>
+          </a:solidFill>
+          <a:ln w="3175">
+            <a:noFill/>
+          </a:ln>
+        </p:spPr>
+        <p:style>
+          <a:lnRef idx="2">
+            <a:schemeClr val="accent3">
+              <a:shade val="50000"/>
+            </a:schemeClr>
+          </a:lnRef>
+          <a:fillRef idx="1">
+            <a:schemeClr val="accent3"/>
+          </a:fillRef>
+          <a:effectRef idx="0">
+            <a:schemeClr val="accent3"/>
+          </a:effectRef>
+          <a:fontRef idx="minor">
+            <a:schemeClr val="lt1"/>
+          </a:fontRef>
+        </p:style>
+        <p:txBody>
+          <a:bodyPr rtlCol="0" anchor="ctr"/>
+          <a:lstStyle/>
+          <a:p>
+            <a:pPr algn="ctr"/>
+            <a:r>
+              <a:rPr lang="zh-CN" altLang="en-US" sz="1100" b="1" dirty="0" smtClean="0">
+                <a:latin typeface="微软雅黑" panose="020B0503020204020204" pitchFamily="34" charset="-122"/>
+                <a:ea typeface="微软雅黑" panose="020B0503020204020204" pitchFamily="34" charset="-122"/>
+              </a:rPr>
+              <a:t>销售记录</a:t>
+            </a:r>
+            <a:endParaRPr lang="zh-CN" altLang="en-US" sz="1100" b="1" dirty="0">
+              <a:latin typeface="微软雅黑" panose="020B0503020204020204" pitchFamily="34" charset="-122"/>
+              <a:ea typeface="微软雅黑" panose="020B0503020204020204" pitchFamily="34" charset="-122"/>
+            </a:endParaRPr>
+          </a:p>
+        </p:txBody>
+      </p:sp>
+      <p:cxnSp>
+        <p:nvCxnSpPr>
+          <p:cNvPr id="76" name="直接箭头连接符 75"/>
+          <p:cNvCxnSpPr>
+            <a:stCxn id="75" idx="0"/>
+            <a:endCxn id="38" idx="2"/>
+          </p:cNvCxnSpPr>
+          <p:nvPr/>
+        </p:nvCxnSpPr>
+        <p:spPr>
+          <a:xfrm flipH="1" flipV="1">
+            <a:off x="4659869" y="2852936"/>
+            <a:ext cx="1198551" cy="648072"/>
+          </a:xfrm>
+          <a:prstGeom prst="straightConnector1">
+            <a:avLst/>
+          </a:prstGeom>
+          <a:ln>
+            <a:tailEnd type="arrow"/>
+          </a:ln>
+        </p:spPr>
+        <p:style>
+          <a:lnRef idx="1">
+            <a:schemeClr val="accent1"/>
+          </a:lnRef>
+          <a:fillRef idx="0">
+            <a:schemeClr val="accent1"/>
+          </a:fillRef>
+          <a:effectRef idx="0">
+            <a:schemeClr val="accent1"/>
+          </a:effectRef>
+          <a:fontRef idx="minor">
+            <a:schemeClr val="tx1"/>
+          </a:fontRef>
+        </p:style>
+      </p:cxnSp>
+      <p:sp>
+        <p:nvSpPr>
+          <p:cNvPr id="81" name="圆角矩形 80"/>
+          <p:cNvSpPr/>
+          <p:nvPr/>
+        </p:nvSpPr>
+        <p:spPr>
+          <a:xfrm>
+            <a:off x="3148836" y="4581128"/>
+            <a:ext cx="1080120" cy="432048"/>
+          </a:xfrm>
+          <a:prstGeom prst="roundRect">
+            <a:avLst/>
+          </a:prstGeom>
+          <a:solidFill>
+            <a:schemeClr val="accent3">
+              <a:lumMod val="75000"/>
+            </a:schemeClr>
+          </a:solidFill>
+          <a:ln w="3175">
+            <a:noFill/>
+          </a:ln>
+        </p:spPr>
+        <p:style>
+          <a:lnRef idx="2">
+            <a:schemeClr val="accent3">
+              <a:shade val="50000"/>
+            </a:schemeClr>
+          </a:lnRef>
+          <a:fillRef idx="1">
+            <a:schemeClr val="accent3"/>
+          </a:fillRef>
+          <a:effectRef idx="0">
+            <a:schemeClr val="accent3"/>
+          </a:effectRef>
+          <a:fontRef idx="minor">
+            <a:schemeClr val="lt1"/>
+          </a:fontRef>
+        </p:style>
+        <p:txBody>
+          <a:bodyPr rtlCol="0" anchor="ctr"/>
+          <a:lstStyle/>
+          <a:p>
+            <a:pPr algn="ctr"/>
+            <a:r>
+              <a:rPr lang="zh-CN" altLang="en-US" sz="1100" dirty="0" smtClean="0">
+                <a:latin typeface="微软雅黑" panose="020B0503020204020204" pitchFamily="34" charset="-122"/>
+                <a:ea typeface="微软雅黑" panose="020B0503020204020204" pitchFamily="34" charset="-122"/>
+              </a:rPr>
+              <a:t>预售许可证</a:t>
+            </a:r>
+            <a:endParaRPr lang="zh-CN" altLang="en-US" sz="1100" dirty="0">
+              <a:latin typeface="微软雅黑" panose="020B0503020204020204" pitchFamily="34" charset="-122"/>
+              <a:ea typeface="微软雅黑" panose="020B0503020204020204" pitchFamily="34" charset="-122"/>
+            </a:endParaRPr>
+          </a:p>
+        </p:txBody>
+      </p:sp>
+      <p:cxnSp>
+        <p:nvCxnSpPr>
+          <p:cNvPr id="86" name="直接箭头连接符 85"/>
+          <p:cNvCxnSpPr>
+            <a:stCxn id="81" idx="0"/>
+            <a:endCxn id="75" idx="2"/>
+          </p:cNvCxnSpPr>
+          <p:nvPr/>
+        </p:nvCxnSpPr>
+        <p:spPr>
+          <a:xfrm flipV="1">
+            <a:off x="3688896" y="3933056"/>
+            <a:ext cx="2169524" cy="648072"/>
+          </a:xfrm>
+          <a:prstGeom prst="straightConnector1">
+            <a:avLst/>
+          </a:prstGeom>
+          <a:ln>
+            <a:tailEnd type="arrow"/>
+          </a:ln>
+        </p:spPr>
+        <p:style>
+          <a:lnRef idx="1">
+            <a:schemeClr val="accent1"/>
+          </a:lnRef>
+          <a:fillRef idx="0">
+            <a:schemeClr val="accent1"/>
+          </a:fillRef>
+          <a:effectRef idx="0">
+            <a:schemeClr val="accent1"/>
+          </a:effectRef>
+          <a:fontRef idx="minor">
+            <a:schemeClr val="tx1"/>
+          </a:fontRef>
+        </p:style>
+      </p:cxnSp>
+      <p:sp>
+        <p:nvSpPr>
+          <p:cNvPr id="91" name="圆角矩形 90"/>
+          <p:cNvSpPr/>
+          <p:nvPr/>
+        </p:nvSpPr>
+        <p:spPr>
+          <a:xfrm>
+            <a:off x="4516988" y="4581128"/>
+            <a:ext cx="1080120" cy="432048"/>
+          </a:xfrm>
+          <a:prstGeom prst="roundRect">
+            <a:avLst/>
+          </a:prstGeom>
+          <a:solidFill>
+            <a:schemeClr val="accent3">
+              <a:lumMod val="75000"/>
+            </a:schemeClr>
+          </a:solidFill>
+          <a:ln w="3175">
+            <a:noFill/>
+          </a:ln>
+        </p:spPr>
+        <p:style>
+          <a:lnRef idx="2">
+            <a:schemeClr val="accent3">
+              <a:shade val="50000"/>
+            </a:schemeClr>
+          </a:lnRef>
+          <a:fillRef idx="1">
+            <a:schemeClr val="accent3"/>
+          </a:fillRef>
+          <a:effectRef idx="0">
+            <a:schemeClr val="accent3"/>
+          </a:effectRef>
+          <a:fontRef idx="minor">
+            <a:schemeClr val="lt1"/>
+          </a:fontRef>
+        </p:style>
+        <p:txBody>
+          <a:bodyPr rtlCol="0" anchor="ctr"/>
+          <a:lstStyle/>
+          <a:p>
+            <a:pPr algn="ctr"/>
+            <a:r>
+              <a:rPr lang="zh-CN" altLang="en-US" sz="1100" dirty="0" smtClean="0">
+                <a:latin typeface="微软雅黑" panose="020B0503020204020204" pitchFamily="34" charset="-122"/>
+                <a:ea typeface="微软雅黑" panose="020B0503020204020204" pitchFamily="34" charset="-122"/>
+              </a:rPr>
+              <a:t>预售许可证</a:t>
+            </a:r>
+            <a:endParaRPr lang="zh-CN" altLang="en-US" sz="1100" dirty="0">
+              <a:latin typeface="微软雅黑" panose="020B0503020204020204" pitchFamily="34" charset="-122"/>
+              <a:ea typeface="微软雅黑" panose="020B0503020204020204" pitchFamily="34" charset="-122"/>
+            </a:endParaRPr>
+          </a:p>
+        </p:txBody>
+      </p:sp>
+      <p:cxnSp>
+        <p:nvCxnSpPr>
+          <p:cNvPr id="92" name="直接箭头连接符 91"/>
+          <p:cNvCxnSpPr>
+            <a:stCxn id="91" idx="0"/>
+            <a:endCxn id="75" idx="2"/>
+          </p:cNvCxnSpPr>
+          <p:nvPr/>
+        </p:nvCxnSpPr>
+        <p:spPr>
+          <a:xfrm flipV="1">
+            <a:off x="5057048" y="3933056"/>
+            <a:ext cx="801372" cy="648072"/>
+          </a:xfrm>
+          <a:prstGeom prst="straightConnector1">
+            <a:avLst/>
+          </a:prstGeom>
+          <a:ln>
+            <a:tailEnd type="arrow"/>
+          </a:ln>
+        </p:spPr>
+        <p:style>
+          <a:lnRef idx="1">
+            <a:schemeClr val="accent1"/>
+          </a:lnRef>
+          <a:fillRef idx="0">
+            <a:schemeClr val="accent1"/>
+          </a:fillRef>
+          <a:effectRef idx="0">
+            <a:schemeClr val="accent1"/>
+          </a:effectRef>
+          <a:fontRef idx="minor">
+            <a:schemeClr val="tx1"/>
+          </a:fontRef>
+        </p:style>
+      </p:cxnSp>
+      <p:sp>
+        <p:nvSpPr>
+          <p:cNvPr id="95" name="圆角矩形 94"/>
+          <p:cNvSpPr/>
+          <p:nvPr/>
+        </p:nvSpPr>
+        <p:spPr>
+          <a:xfrm>
+            <a:off x="6029156" y="4581128"/>
+            <a:ext cx="1080120" cy="432048"/>
+          </a:xfrm>
+          <a:prstGeom prst="roundRect">
+            <a:avLst/>
+          </a:prstGeom>
+          <a:solidFill>
+            <a:schemeClr val="accent2">
+              <a:lumMod val="75000"/>
+            </a:schemeClr>
+          </a:solidFill>
+          <a:ln w="3175">
+            <a:noFill/>
+          </a:ln>
+        </p:spPr>
+        <p:style>
+          <a:lnRef idx="2">
+            <a:schemeClr val="accent3">
+              <a:shade val="50000"/>
+            </a:schemeClr>
+          </a:lnRef>
+          <a:fillRef idx="1">
+            <a:schemeClr val="accent3"/>
+          </a:fillRef>
+          <a:effectRef idx="0">
+            <a:schemeClr val="accent3"/>
+          </a:effectRef>
+          <a:fontRef idx="minor">
+            <a:schemeClr val="lt1"/>
+          </a:fontRef>
+        </p:style>
+        <p:txBody>
+          <a:bodyPr rtlCol="0" anchor="ctr"/>
+          <a:lstStyle/>
+          <a:p>
+            <a:pPr algn="ctr"/>
+            <a:r>
+              <a:rPr lang="zh-CN" altLang="en-US" sz="1100" dirty="0" smtClean="0">
+                <a:latin typeface="微软雅黑" panose="020B0503020204020204" pitchFamily="34" charset="-122"/>
+                <a:ea typeface="微软雅黑" panose="020B0503020204020204" pitchFamily="34" charset="-122"/>
+              </a:rPr>
+              <a:t>现售备案</a:t>
+            </a:r>
+            <a:endParaRPr lang="zh-CN" altLang="en-US" sz="1100" dirty="0">
+              <a:latin typeface="微软雅黑" panose="020B0503020204020204" pitchFamily="34" charset="-122"/>
+              <a:ea typeface="微软雅黑" panose="020B0503020204020204" pitchFamily="34" charset="-122"/>
+            </a:endParaRPr>
+          </a:p>
+        </p:txBody>
+      </p:sp>
+      <p:cxnSp>
+        <p:nvCxnSpPr>
+          <p:cNvPr id="96" name="直接箭头连接符 95"/>
+          <p:cNvCxnSpPr>
+            <a:stCxn id="95" idx="0"/>
+            <a:endCxn id="75" idx="2"/>
+          </p:cNvCxnSpPr>
+          <p:nvPr/>
+        </p:nvCxnSpPr>
+        <p:spPr>
+          <a:xfrm flipH="1" flipV="1">
+            <a:off x="5858420" y="3933056"/>
+            <a:ext cx="710796" cy="648072"/>
+          </a:xfrm>
+          <a:prstGeom prst="straightConnector1">
+            <a:avLst/>
+          </a:prstGeom>
+          <a:ln>
+            <a:tailEnd type="arrow"/>
+          </a:ln>
+        </p:spPr>
+        <p:style>
+          <a:lnRef idx="1">
+            <a:schemeClr val="accent1"/>
+          </a:lnRef>
+          <a:fillRef idx="0">
+            <a:schemeClr val="accent1"/>
+          </a:fillRef>
+          <a:effectRef idx="0">
+            <a:schemeClr val="accent1"/>
+          </a:effectRef>
+          <a:fontRef idx="minor">
+            <a:schemeClr val="tx1"/>
+          </a:fontRef>
+        </p:style>
+      </p:cxnSp>
+      <p:sp>
+        <p:nvSpPr>
+          <p:cNvPr id="99" name="圆角矩形 98"/>
+          <p:cNvSpPr/>
+          <p:nvPr/>
+        </p:nvSpPr>
+        <p:spPr>
+          <a:xfrm>
+            <a:off x="7397308" y="4581128"/>
+            <a:ext cx="1080120" cy="432048"/>
+          </a:xfrm>
+          <a:prstGeom prst="roundRect">
+            <a:avLst/>
+          </a:prstGeom>
+          <a:solidFill>
+            <a:schemeClr val="accent2">
+              <a:lumMod val="75000"/>
+            </a:schemeClr>
+          </a:solidFill>
+          <a:ln w="3175">
+            <a:noFill/>
+          </a:ln>
+        </p:spPr>
+        <p:style>
+          <a:lnRef idx="2">
+            <a:schemeClr val="accent3">
+              <a:shade val="50000"/>
+            </a:schemeClr>
+          </a:lnRef>
+          <a:fillRef idx="1">
+            <a:schemeClr val="accent3"/>
+          </a:fillRef>
+          <a:effectRef idx="0">
+            <a:schemeClr val="accent3"/>
+          </a:effectRef>
+          <a:fontRef idx="minor">
+            <a:schemeClr val="lt1"/>
+          </a:fontRef>
+        </p:style>
+        <p:txBody>
+          <a:bodyPr rtlCol="0" anchor="ctr"/>
+          <a:lstStyle/>
+          <a:p>
+            <a:pPr algn="ctr"/>
+            <a:r>
+              <a:rPr lang="zh-CN" altLang="en-US" sz="1100" dirty="0" smtClean="0">
+                <a:latin typeface="微软雅黑" panose="020B0503020204020204" pitchFamily="34" charset="-122"/>
+                <a:ea typeface="微软雅黑" panose="020B0503020204020204" pitchFamily="34" charset="-122"/>
+              </a:rPr>
+              <a:t>现售备案</a:t>
+            </a:r>
+            <a:endParaRPr lang="zh-CN" altLang="en-US" sz="1100" dirty="0">
+              <a:latin typeface="微软雅黑" panose="020B0503020204020204" pitchFamily="34" charset="-122"/>
+              <a:ea typeface="微软雅黑" panose="020B0503020204020204" pitchFamily="34" charset="-122"/>
+            </a:endParaRPr>
+          </a:p>
+        </p:txBody>
+      </p:sp>
+      <p:cxnSp>
+        <p:nvCxnSpPr>
+          <p:cNvPr id="100" name="直接箭头连接符 99"/>
+          <p:cNvCxnSpPr>
+            <a:stCxn id="99" idx="0"/>
+            <a:endCxn id="75" idx="2"/>
+          </p:cNvCxnSpPr>
+          <p:nvPr/>
+        </p:nvCxnSpPr>
+        <p:spPr>
+          <a:xfrm flipH="1" flipV="1">
+            <a:off x="5858420" y="3933056"/>
+            <a:ext cx="2078948" cy="648072"/>
+          </a:xfrm>
+          <a:prstGeom prst="straightConnector1">
+            <a:avLst/>
+          </a:prstGeom>
+          <a:ln>
+            <a:tailEnd type="arrow"/>
+          </a:ln>
+        </p:spPr>
+        <p:style>
+          <a:lnRef idx="1">
+            <a:schemeClr val="accent1"/>
+          </a:lnRef>
+          <a:fillRef idx="0">
+            <a:schemeClr val="accent1"/>
+          </a:fillRef>
+          <a:effectRef idx="0">
+            <a:schemeClr val="accent1"/>
+          </a:effectRef>
+          <a:fontRef idx="minor">
+            <a:schemeClr val="tx1"/>
+          </a:fontRef>
+        </p:style>
+      </p:cxnSp>
+      <p:sp>
+        <p:nvSpPr>
+          <p:cNvPr id="158" name="矩形 157"/>
+          <p:cNvSpPr/>
+          <p:nvPr/>
+        </p:nvSpPr>
+        <p:spPr>
+          <a:xfrm>
+            <a:off x="3367959" y="2413531"/>
+            <a:ext cx="343364" cy="369332"/>
+          </a:xfrm>
+          <a:prstGeom prst="rect">
+            <a:avLst/>
+          </a:prstGeom>
+        </p:spPr>
+        <p:txBody>
+          <a:bodyPr wrap="none">
+            <a:spAutoFit/>
+          </a:bodyPr>
+          <a:lstStyle/>
+          <a:p>
+            <a:r>
+              <a:rPr lang="en-US" altLang="zh-CN" dirty="0"/>
+              <a:t>…</a:t>
+            </a:r>
+            <a:endParaRPr lang="zh-CN" altLang="en-US" dirty="0"/>
+          </a:p>
+        </p:txBody>
+      </p:sp>
+      <p:sp>
+        <p:nvSpPr>
+          <p:cNvPr id="159" name="矩形 158"/>
+          <p:cNvSpPr/>
+          <p:nvPr/>
+        </p:nvSpPr>
+        <p:spPr>
+          <a:xfrm>
+            <a:off x="4196111" y="4571836"/>
+            <a:ext cx="343364" cy="369332"/>
+          </a:xfrm>
+          <a:prstGeom prst="rect">
+            <a:avLst/>
+          </a:prstGeom>
+        </p:spPr>
+        <p:txBody>
+          <a:bodyPr wrap="none">
+            <a:spAutoFit/>
+          </a:bodyPr>
+          <a:lstStyle/>
+          <a:p>
+            <a:r>
+              <a:rPr lang="en-US" altLang="zh-CN" dirty="0"/>
+              <a:t>…</a:t>
+            </a:r>
+            <a:endParaRPr lang="zh-CN" altLang="en-US" dirty="0"/>
+          </a:p>
+        </p:txBody>
+      </p:sp>
+      <p:sp>
+        <p:nvSpPr>
+          <p:cNvPr id="160" name="矩形 159"/>
+          <p:cNvSpPr/>
+          <p:nvPr/>
+        </p:nvSpPr>
+        <p:spPr>
+          <a:xfrm>
+            <a:off x="7053944" y="4571836"/>
+            <a:ext cx="343364" cy="369332"/>
+          </a:xfrm>
+          <a:prstGeom prst="rect">
+            <a:avLst/>
+          </a:prstGeom>
+        </p:spPr>
+        <p:txBody>
+          <a:bodyPr wrap="none">
+            <a:spAutoFit/>
+          </a:bodyPr>
+          <a:lstStyle/>
+          <a:p>
+            <a:r>
+              <a:rPr lang="en-US" altLang="zh-CN" dirty="0"/>
+              <a:t>…</a:t>
+            </a:r>
+            <a:endParaRPr lang="zh-CN" altLang="en-US" dirty="0"/>
+          </a:p>
+        </p:txBody>
+      </p:sp>
+    </p:spTree>
+    <p:extLst>
+      <p:ext uri="{BB962C8B-B14F-4D97-AF65-F5344CB8AC3E}">
+        <p14:creationId xmlns:p14="http://schemas.microsoft.com/office/powerpoint/2010/main" val="401378056"/>
+      </p:ext>
+    </p:extLst>
+  </p:cSld>
+  <p:clrMapOvr>
+    <a:masterClrMapping/>
+  </p:clrMapOvr>
+  <p:timing>
+    <p:tnLst>
+      <p:par>
+        <p:cTn id="1" dur="indefinite" restart="never" nodeType="tmRoot"/>
+      </p:par>
+    </p:tnLst>
+  </p:timing>
+</p:sld>
+</file>
+
+<file path=ppt/slides/slide2.xml><?xml version="1.0" encoding="utf-8"?>
+<p:sld xmlns:a="http://schemas.openxmlformats.org/drawingml/2006/main" xmlns:r="http://schemas.openxmlformats.org/officeDocument/2006/relationships" xmlns:p="http://schemas.openxmlformats.org/presentationml/2006/main">
+  <p:cSld>
+    <p:spTree>
+      <p:nvGrpSpPr>
+        <p:cNvPr id="1" name=""/>
+        <p:cNvGrpSpPr/>
+        <p:nvPr/>
+      </p:nvGrpSpPr>
+      <p:grpSpPr>
+        <a:xfrm>
+          <a:off x="0" y="0"/>
+          <a:ext cx="0" cy="0"/>
+          <a:chOff x="0" y="0"/>
+          <a:chExt cx="0" cy="0"/>
+        </a:xfrm>
+      </p:grpSpPr>
+      <p:sp>
+        <p:nvSpPr>
+          <p:cNvPr id="6" name="圆角矩形 5"/>
+          <p:cNvSpPr/>
+          <p:nvPr/>
+        </p:nvSpPr>
+        <p:spPr>
+          <a:xfrm>
+            <a:off x="2555776" y="425443"/>
+            <a:ext cx="1368152" cy="432048"/>
+          </a:xfrm>
+          <a:prstGeom prst="roundRect">
+            <a:avLst/>
+          </a:prstGeom>
+          <a:solidFill>
+            <a:schemeClr val="accent4"/>
+          </a:solidFill>
+          <a:ln w="3175">
+            <a:noFill/>
+          </a:ln>
+        </p:spPr>
+        <p:style>
+          <a:lnRef idx="2">
+            <a:schemeClr val="accent3">
+              <a:shade val="50000"/>
+            </a:schemeClr>
+          </a:lnRef>
+          <a:fillRef idx="1">
+            <a:schemeClr val="accent3"/>
+          </a:fillRef>
+          <a:effectRef idx="0">
+            <a:schemeClr val="accent3"/>
+          </a:effectRef>
+          <a:fontRef idx="minor">
+            <a:schemeClr val="lt1"/>
+          </a:fontRef>
+        </p:style>
+        <p:txBody>
+          <a:bodyPr rtlCol="0" anchor="ctr"/>
+          <a:lstStyle/>
+          <a:p>
+            <a:pPr algn="ctr"/>
+            <a:r>
+              <a:rPr lang="zh-CN" altLang="en-US" sz="1100" dirty="0" smtClean="0">
+                <a:latin typeface="微软雅黑" panose="020B0503020204020204" pitchFamily="34" charset="-122"/>
+                <a:ea typeface="微软雅黑" panose="020B0503020204020204" pitchFamily="34" charset="-122"/>
+              </a:rPr>
+              <a:t>土地出让记录</a:t>
+            </a:r>
+            <a:endParaRPr lang="zh-CN" altLang="en-US" sz="1100" dirty="0">
+              <a:latin typeface="微软雅黑" panose="020B0503020204020204" pitchFamily="34" charset="-122"/>
+              <a:ea typeface="微软雅黑" panose="020B0503020204020204" pitchFamily="34" charset="-122"/>
+            </a:endParaRPr>
+          </a:p>
+        </p:txBody>
+      </p:sp>
+      <p:sp>
+        <p:nvSpPr>
+          <p:cNvPr id="24" name="圆角矩形 23"/>
+          <p:cNvSpPr/>
+          <p:nvPr/>
+        </p:nvSpPr>
+        <p:spPr>
+          <a:xfrm>
+            <a:off x="2555776" y="1406304"/>
+            <a:ext cx="1368152" cy="432048"/>
+          </a:xfrm>
+          <a:prstGeom prst="roundRect">
+            <a:avLst/>
+          </a:prstGeom>
+          <a:solidFill>
+            <a:schemeClr val="accent1">
+              <a:lumMod val="75000"/>
+            </a:schemeClr>
+          </a:solidFill>
+          <a:ln w="3175">
+            <a:noFill/>
+          </a:ln>
+        </p:spPr>
+        <p:style>
+          <a:lnRef idx="2">
+            <a:schemeClr val="accent3">
+              <a:shade val="50000"/>
+            </a:schemeClr>
+          </a:lnRef>
+          <a:fillRef idx="1">
+            <a:schemeClr val="accent3"/>
+          </a:fillRef>
+          <a:effectRef idx="0">
+            <a:schemeClr val="accent3"/>
+          </a:effectRef>
+          <a:fontRef idx="minor">
+            <a:schemeClr val="lt1"/>
+          </a:fontRef>
+        </p:style>
+        <p:txBody>
+          <a:bodyPr rtlCol="0" anchor="ctr"/>
+          <a:lstStyle/>
+          <a:p>
+            <a:pPr algn="ctr"/>
+            <a:r>
+              <a:rPr lang="zh-CN" altLang="en-US" sz="1100" b="1" dirty="0" smtClean="0">
+                <a:latin typeface="微软雅黑" panose="020B0503020204020204" pitchFamily="34" charset="-122"/>
+                <a:ea typeface="微软雅黑" panose="020B0503020204020204" pitchFamily="34" charset="-122"/>
+              </a:rPr>
+              <a:t>规划记录</a:t>
+            </a:r>
+            <a:endParaRPr lang="zh-CN" altLang="en-US" sz="1100" b="1" dirty="0">
+              <a:latin typeface="微软雅黑" panose="020B0503020204020204" pitchFamily="34" charset="-122"/>
+              <a:ea typeface="微软雅黑" panose="020B0503020204020204" pitchFamily="34" charset="-122"/>
+            </a:endParaRPr>
+          </a:p>
+        </p:txBody>
+      </p:sp>
+      <p:cxnSp>
+        <p:nvCxnSpPr>
+          <p:cNvPr id="9" name="直接箭头连接符 8"/>
+          <p:cNvCxnSpPr>
+            <a:stCxn id="24" idx="0"/>
+            <a:endCxn id="6" idx="2"/>
+          </p:cNvCxnSpPr>
+          <p:nvPr/>
+        </p:nvCxnSpPr>
+        <p:spPr>
+          <a:xfrm flipV="1">
+            <a:off x="3239852" y="857491"/>
+            <a:ext cx="0" cy="548813"/>
+          </a:xfrm>
+          <a:prstGeom prst="straightConnector1">
+            <a:avLst/>
+          </a:prstGeom>
+          <a:ln>
+            <a:tailEnd type="arrow"/>
+          </a:ln>
+        </p:spPr>
+        <p:style>
+          <a:lnRef idx="1">
+            <a:schemeClr val="accent1"/>
+          </a:lnRef>
+          <a:fillRef idx="0">
+            <a:schemeClr val="accent1"/>
+          </a:fillRef>
+          <a:effectRef idx="0">
+            <a:schemeClr val="accent1"/>
+          </a:effectRef>
+          <a:fontRef idx="minor">
+            <a:schemeClr val="tx1"/>
+          </a:fontRef>
+        </p:style>
+      </p:cxnSp>
+      <p:sp>
+        <p:nvSpPr>
+          <p:cNvPr id="33" name="圆角矩形 32"/>
+          <p:cNvSpPr/>
+          <p:nvPr/>
+        </p:nvSpPr>
+        <p:spPr>
+          <a:xfrm>
+            <a:off x="179512" y="2420888"/>
+            <a:ext cx="936104" cy="432048"/>
+          </a:xfrm>
+          <a:prstGeom prst="roundRect">
+            <a:avLst/>
+          </a:prstGeom>
+          <a:solidFill>
+            <a:schemeClr val="tx2">
+              <a:lumMod val="60000"/>
+              <a:lumOff val="40000"/>
+            </a:schemeClr>
+          </a:solidFill>
+          <a:ln w="3175">
+            <a:noFill/>
+          </a:ln>
+        </p:spPr>
+        <p:style>
+          <a:lnRef idx="2">
+            <a:schemeClr val="accent3">
+              <a:shade val="50000"/>
+            </a:schemeClr>
+          </a:lnRef>
+          <a:fillRef idx="1">
+            <a:schemeClr val="accent3"/>
+          </a:fillRef>
+          <a:effectRef idx="0">
+            <a:schemeClr val="accent3"/>
+          </a:effectRef>
+          <a:fontRef idx="minor">
+            <a:schemeClr val="lt1"/>
+          </a:fontRef>
+        </p:style>
+        <p:txBody>
+          <a:bodyPr rtlCol="0" anchor="ctr"/>
+          <a:lstStyle/>
+          <a:p>
+            <a:pPr algn="ctr"/>
+            <a:r>
+              <a:rPr lang="zh-CN" altLang="en-US" sz="1100" dirty="0" smtClean="0">
+                <a:latin typeface="微软雅黑" panose="020B0503020204020204" pitchFamily="34" charset="-122"/>
+                <a:ea typeface="微软雅黑" panose="020B0503020204020204" pitchFamily="34" charset="-122"/>
+              </a:rPr>
+              <a:t>规划许可证</a:t>
+            </a:r>
+            <a:endParaRPr lang="zh-CN" altLang="en-US" sz="1100" dirty="0">
+              <a:latin typeface="微软雅黑" panose="020B0503020204020204" pitchFamily="34" charset="-122"/>
+              <a:ea typeface="微软雅黑" panose="020B0503020204020204" pitchFamily="34" charset="-122"/>
+            </a:endParaRPr>
+          </a:p>
+        </p:txBody>
+      </p:sp>
+      <p:sp>
+        <p:nvSpPr>
+          <p:cNvPr id="37" name="圆角矩形 36"/>
+          <p:cNvSpPr/>
+          <p:nvPr/>
+        </p:nvSpPr>
+        <p:spPr>
+          <a:xfrm>
+            <a:off x="1401506" y="2420888"/>
+            <a:ext cx="1010253" cy="432048"/>
+          </a:xfrm>
+          <a:prstGeom prst="roundRect">
+            <a:avLst/>
+          </a:prstGeom>
+          <a:solidFill>
+            <a:schemeClr val="tx2">
+              <a:lumMod val="60000"/>
+              <a:lumOff val="40000"/>
+            </a:schemeClr>
+          </a:solidFill>
+          <a:ln w="3175">
+            <a:noFill/>
+          </a:ln>
+        </p:spPr>
+        <p:style>
+          <a:lnRef idx="2">
+            <a:schemeClr val="accent3">
+              <a:shade val="50000"/>
+            </a:schemeClr>
+          </a:lnRef>
+          <a:fillRef idx="1">
+            <a:schemeClr val="accent3"/>
+          </a:fillRef>
+          <a:effectRef idx="0">
+            <a:schemeClr val="accent3"/>
+          </a:effectRef>
+          <a:fontRef idx="minor">
+            <a:schemeClr val="lt1"/>
+          </a:fontRef>
+        </p:style>
+        <p:txBody>
+          <a:bodyPr rtlCol="0" anchor="ctr"/>
+          <a:lstStyle/>
+          <a:p>
+            <a:pPr algn="ctr"/>
+            <a:r>
+              <a:rPr lang="zh-CN" altLang="en-US" sz="1100" dirty="0" smtClean="0">
+                <a:latin typeface="微软雅黑" panose="020B0503020204020204" pitchFamily="34" charset="-122"/>
+                <a:ea typeface="微软雅黑" panose="020B0503020204020204" pitchFamily="34" charset="-122"/>
+              </a:rPr>
+              <a:t>规划许可证</a:t>
+            </a:r>
+            <a:endParaRPr lang="zh-CN" altLang="en-US" sz="1100" dirty="0">
+              <a:latin typeface="微软雅黑" panose="020B0503020204020204" pitchFamily="34" charset="-122"/>
+              <a:ea typeface="微软雅黑" panose="020B0503020204020204" pitchFamily="34" charset="-122"/>
+            </a:endParaRPr>
+          </a:p>
+        </p:txBody>
+      </p:sp>
+      <p:sp>
+        <p:nvSpPr>
+          <p:cNvPr id="38" name="圆角矩形 37"/>
+          <p:cNvSpPr/>
+          <p:nvPr/>
+        </p:nvSpPr>
+        <p:spPr>
+          <a:xfrm>
+            <a:off x="2771800" y="2420888"/>
+            <a:ext cx="936104" cy="432048"/>
+          </a:xfrm>
+          <a:prstGeom prst="roundRect">
+            <a:avLst/>
+          </a:prstGeom>
+          <a:solidFill>
+            <a:schemeClr val="tx2">
+              <a:lumMod val="60000"/>
+              <a:lumOff val="40000"/>
+            </a:schemeClr>
+          </a:solidFill>
+          <a:ln w="3175">
+            <a:noFill/>
+          </a:ln>
+        </p:spPr>
+        <p:style>
+          <a:lnRef idx="2">
+            <a:schemeClr val="accent3">
+              <a:shade val="50000"/>
+            </a:schemeClr>
+          </a:lnRef>
+          <a:fillRef idx="1">
+            <a:schemeClr val="accent3"/>
+          </a:fillRef>
+          <a:effectRef idx="0">
+            <a:schemeClr val="accent3"/>
+          </a:effectRef>
+          <a:fontRef idx="minor">
+            <a:schemeClr val="lt1"/>
+          </a:fontRef>
+        </p:style>
+        <p:txBody>
+          <a:bodyPr rtlCol="0" anchor="ctr"/>
+          <a:lstStyle/>
+          <a:p>
+            <a:pPr algn="ctr"/>
+            <a:r>
+              <a:rPr lang="zh-CN" altLang="en-US" sz="1100" dirty="0" smtClean="0">
+                <a:latin typeface="微软雅黑" panose="020B0503020204020204" pitchFamily="34" charset="-122"/>
+                <a:ea typeface="微软雅黑" panose="020B0503020204020204" pitchFamily="34" charset="-122"/>
+              </a:rPr>
+              <a:t>规划许可证</a:t>
+            </a:r>
+            <a:endParaRPr lang="zh-CN" altLang="en-US" sz="1100" dirty="0">
+              <a:latin typeface="微软雅黑" panose="020B0503020204020204" pitchFamily="34" charset="-122"/>
+              <a:ea typeface="微软雅黑" panose="020B0503020204020204" pitchFamily="34" charset="-122"/>
+            </a:endParaRPr>
+          </a:p>
+        </p:txBody>
+      </p:sp>
+      <p:cxnSp>
+        <p:nvCxnSpPr>
+          <p:cNvPr id="39" name="直接箭头连接符 38"/>
+          <p:cNvCxnSpPr>
+            <a:stCxn id="33" idx="0"/>
+            <a:endCxn id="24" idx="2"/>
+          </p:cNvCxnSpPr>
+          <p:nvPr/>
+        </p:nvCxnSpPr>
+        <p:spPr>
+          <a:xfrm flipV="1">
+            <a:off x="647564" y="1838352"/>
+            <a:ext cx="2592288" cy="582536"/>
           </a:xfrm>
           <a:prstGeom prst="straightConnector1">
             <a:avLst/>
@@ -3606,17 +4770,17 @@
       </p:cxnSp>
       <p:cxnSp>
         <p:nvCxnSpPr>
-          <p:cNvPr id="47" name="直接箭头连接符 46"/>
+          <p:cNvPr id="40" name="直接箭头连接符 39"/>
           <p:cNvCxnSpPr>
-            <a:stCxn id="31" idx="0"/>
-            <a:endCxn id="28" idx="5"/>
+            <a:stCxn id="37" idx="0"/>
+            <a:endCxn id="24" idx="2"/>
           </p:cNvCxnSpPr>
           <p:nvPr/>
         </p:nvCxnSpPr>
         <p:spPr>
-          <a:xfrm flipH="1" flipV="1">
-            <a:off x="4666512" y="2028688"/>
-            <a:ext cx="1750007" cy="559256"/>
+          <a:xfrm flipV="1">
+            <a:off x="1906633" y="1838352"/>
+            <a:ext cx="1333219" cy="582536"/>
           </a:xfrm>
           <a:prstGeom prst="straightConnector1">
             <a:avLst/>
@@ -3642,17 +4806,17 @@
       </p:cxnSp>
       <p:cxnSp>
         <p:nvCxnSpPr>
-          <p:cNvPr id="52" name="直接箭头连接符 51"/>
+          <p:cNvPr id="46" name="直接箭头连接符 45"/>
           <p:cNvCxnSpPr>
-            <a:stCxn id="32" idx="0"/>
-            <a:endCxn id="29" idx="3"/>
+            <a:stCxn id="38" idx="0"/>
+            <a:endCxn id="24" idx="2"/>
           </p:cNvCxnSpPr>
           <p:nvPr/>
         </p:nvCxnSpPr>
         <p:spPr>
           <a:xfrm flipV="1">
-            <a:off x="1112056" y="3380032"/>
-            <a:ext cx="718523" cy="913064"/>
+            <a:off x="3239852" y="1838352"/>
+            <a:ext cx="0" cy="582536"/>
           </a:xfrm>
           <a:prstGeom prst="straightConnector1">
             <a:avLst/>
@@ -3676,19 +4840,77 @@
           </a:fontRef>
         </p:style>
       </p:cxnSp>
+      <p:sp>
+        <p:nvSpPr>
+          <p:cNvPr id="49" name="圆角矩形 48"/>
+          <p:cNvSpPr/>
+          <p:nvPr/>
+        </p:nvSpPr>
+        <p:spPr>
+          <a:xfrm>
+            <a:off x="179512" y="3501008"/>
+            <a:ext cx="936104" cy="432048"/>
+          </a:xfrm>
+          <a:prstGeom prst="roundRect">
+            <a:avLst/>
+          </a:prstGeom>
+          <a:solidFill>
+            <a:schemeClr val="accent6">
+              <a:lumMod val="75000"/>
+            </a:schemeClr>
+          </a:solidFill>
+          <a:ln w="3175">
+            <a:noFill/>
+          </a:ln>
+        </p:spPr>
+        <p:style>
+          <a:lnRef idx="2">
+            <a:schemeClr val="accent3">
+              <a:shade val="50000"/>
+            </a:schemeClr>
+          </a:lnRef>
+          <a:fillRef idx="1">
+            <a:schemeClr val="accent3"/>
+          </a:fillRef>
+          <a:effectRef idx="0">
+            <a:schemeClr val="accent3"/>
+          </a:effectRef>
+          <a:fontRef idx="minor">
+            <a:schemeClr val="lt1"/>
+          </a:fontRef>
+        </p:style>
+        <p:txBody>
+          <a:bodyPr rtlCol="0" anchor="ctr"/>
+          <a:lstStyle/>
+          <a:p>
+            <a:pPr algn="ctr"/>
+            <a:r>
+              <a:rPr lang="zh-CN" altLang="en-US" sz="1100" dirty="0" smtClean="0">
+                <a:latin typeface="微软雅黑" panose="020B0503020204020204" pitchFamily="34" charset="-122"/>
+                <a:ea typeface="微软雅黑" panose="020B0503020204020204" pitchFamily="34" charset="-122"/>
+              </a:rPr>
+              <a:t>施工许可证</a:t>
+            </a:r>
+            <a:endParaRPr lang="zh-CN" altLang="en-US" sz="1100" dirty="0">
+              <a:latin typeface="微软雅黑" panose="020B0503020204020204" pitchFamily="34" charset="-122"/>
+              <a:ea typeface="微软雅黑" panose="020B0503020204020204" pitchFamily="34" charset="-122"/>
+            </a:endParaRPr>
+          </a:p>
+        </p:txBody>
+      </p:sp>
       <p:cxnSp>
         <p:nvCxnSpPr>
-          <p:cNvPr id="55" name="直接箭头连接符 54"/>
+          <p:cNvPr id="50" name="直接箭头连接符 49"/>
           <p:cNvCxnSpPr>
-            <a:stCxn id="34" idx="0"/>
-            <a:endCxn id="29" idx="5"/>
+            <a:stCxn id="49" idx="0"/>
+            <a:endCxn id="33" idx="2"/>
           </p:cNvCxnSpPr>
           <p:nvPr/>
         </p:nvCxnSpPr>
         <p:spPr>
-          <a:xfrm flipH="1" flipV="1">
-            <a:off x="2848925" y="3380032"/>
-            <a:ext cx="249490" cy="913064"/>
+          <a:xfrm flipV="1">
+            <a:off x="647564" y="2852936"/>
+            <a:ext cx="0" cy="648072"/>
           </a:xfrm>
           <a:prstGeom prst="straightConnector1">
             <a:avLst/>
@@ -3712,19 +4934,77 @@
           </a:fontRef>
         </p:style>
       </p:cxnSp>
+      <p:sp>
+        <p:nvSpPr>
+          <p:cNvPr id="53" name="圆角矩形 52"/>
+          <p:cNvSpPr/>
+          <p:nvPr/>
+        </p:nvSpPr>
+        <p:spPr>
+          <a:xfrm>
+            <a:off x="2755303" y="3493145"/>
+            <a:ext cx="969098" cy="432048"/>
+          </a:xfrm>
+          <a:prstGeom prst="roundRect">
+            <a:avLst/>
+          </a:prstGeom>
+          <a:solidFill>
+            <a:schemeClr val="accent6">
+              <a:lumMod val="75000"/>
+            </a:schemeClr>
+          </a:solidFill>
+          <a:ln w="3175">
+            <a:noFill/>
+          </a:ln>
+        </p:spPr>
+        <p:style>
+          <a:lnRef idx="2">
+            <a:schemeClr val="accent3">
+              <a:shade val="50000"/>
+            </a:schemeClr>
+          </a:lnRef>
+          <a:fillRef idx="1">
+            <a:schemeClr val="accent3"/>
+          </a:fillRef>
+          <a:effectRef idx="0">
+            <a:schemeClr val="accent3"/>
+          </a:effectRef>
+          <a:fontRef idx="minor">
+            <a:schemeClr val="lt1"/>
+          </a:fontRef>
+        </p:style>
+        <p:txBody>
+          <a:bodyPr rtlCol="0" anchor="ctr"/>
+          <a:lstStyle/>
+          <a:p>
+            <a:pPr algn="ctr"/>
+            <a:r>
+              <a:rPr lang="zh-CN" altLang="en-US" sz="1100" dirty="0" smtClean="0">
+                <a:latin typeface="微软雅黑" panose="020B0503020204020204" pitchFamily="34" charset="-122"/>
+                <a:ea typeface="微软雅黑" panose="020B0503020204020204" pitchFamily="34" charset="-122"/>
+              </a:rPr>
+              <a:t>施工许可证</a:t>
+            </a:r>
+            <a:endParaRPr lang="zh-CN" altLang="en-US" sz="1100" dirty="0">
+              <a:latin typeface="微软雅黑" panose="020B0503020204020204" pitchFamily="34" charset="-122"/>
+              <a:ea typeface="微软雅黑" panose="020B0503020204020204" pitchFamily="34" charset="-122"/>
+            </a:endParaRPr>
+          </a:p>
+        </p:txBody>
+      </p:sp>
       <p:cxnSp>
         <p:nvCxnSpPr>
-          <p:cNvPr id="58" name="直接箭头连接符 57"/>
+          <p:cNvPr id="54" name="直接箭头连接符 53"/>
           <p:cNvCxnSpPr>
-            <a:stCxn id="35" idx="0"/>
-            <a:endCxn id="31" idx="3"/>
+            <a:stCxn id="53" idx="0"/>
+            <a:endCxn id="38" idx="2"/>
           </p:cNvCxnSpPr>
           <p:nvPr/>
         </p:nvCxnSpPr>
         <p:spPr>
           <a:xfrm flipV="1">
-            <a:off x="5681985" y="3264033"/>
-            <a:ext cx="250819" cy="957055"/>
+            <a:off x="3239852" y="2852936"/>
+            <a:ext cx="0" cy="640209"/>
           </a:xfrm>
           <a:prstGeom prst="straightConnector1">
             <a:avLst/>
@@ -3748,19 +5028,77 @@
           </a:fontRef>
         </p:style>
       </p:cxnSp>
+      <p:sp>
+        <p:nvSpPr>
+          <p:cNvPr id="59" name="圆角矩形 58"/>
+          <p:cNvSpPr/>
+          <p:nvPr/>
+        </p:nvSpPr>
+        <p:spPr>
+          <a:xfrm>
+            <a:off x="1401507" y="3501008"/>
+            <a:ext cx="1010252" cy="432048"/>
+          </a:xfrm>
+          <a:prstGeom prst="roundRect">
+            <a:avLst/>
+          </a:prstGeom>
+          <a:solidFill>
+            <a:schemeClr val="accent6">
+              <a:lumMod val="75000"/>
+            </a:schemeClr>
+          </a:solidFill>
+          <a:ln w="3175">
+            <a:noFill/>
+          </a:ln>
+        </p:spPr>
+        <p:style>
+          <a:lnRef idx="2">
+            <a:schemeClr val="accent3">
+              <a:shade val="50000"/>
+            </a:schemeClr>
+          </a:lnRef>
+          <a:fillRef idx="1">
+            <a:schemeClr val="accent3"/>
+          </a:fillRef>
+          <a:effectRef idx="0">
+            <a:schemeClr val="accent3"/>
+          </a:effectRef>
+          <a:fontRef idx="minor">
+            <a:schemeClr val="lt1"/>
+          </a:fontRef>
+        </p:style>
+        <p:txBody>
+          <a:bodyPr rtlCol="0" anchor="ctr"/>
+          <a:lstStyle/>
+          <a:p>
+            <a:pPr algn="ctr"/>
+            <a:r>
+              <a:rPr lang="zh-CN" altLang="en-US" sz="1100" dirty="0" smtClean="0">
+                <a:latin typeface="微软雅黑" panose="020B0503020204020204" pitchFamily="34" charset="-122"/>
+                <a:ea typeface="微软雅黑" panose="020B0503020204020204" pitchFamily="34" charset="-122"/>
+              </a:rPr>
+              <a:t>施工许可证</a:t>
+            </a:r>
+            <a:endParaRPr lang="zh-CN" altLang="en-US" sz="1100" dirty="0">
+              <a:latin typeface="微软雅黑" panose="020B0503020204020204" pitchFamily="34" charset="-122"/>
+              <a:ea typeface="微软雅黑" panose="020B0503020204020204" pitchFamily="34" charset="-122"/>
+            </a:endParaRPr>
+          </a:p>
+        </p:txBody>
+      </p:sp>
       <p:cxnSp>
         <p:nvCxnSpPr>
-          <p:cNvPr id="62" name="直接箭头连接符 61"/>
+          <p:cNvPr id="60" name="直接箭头连接符 59"/>
           <p:cNvCxnSpPr>
-            <a:stCxn id="36" idx="0"/>
-            <a:endCxn id="31" idx="5"/>
+            <a:stCxn id="59" idx="0"/>
+            <a:endCxn id="37" idx="2"/>
           </p:cNvCxnSpPr>
           <p:nvPr/>
         </p:nvCxnSpPr>
         <p:spPr>
-          <a:xfrm flipH="1" flipV="1">
-            <a:off x="6900234" y="3264033"/>
-            <a:ext cx="768110" cy="957055"/>
+          <a:xfrm flipV="1">
+            <a:off x="1906633" y="2852936"/>
+            <a:ext cx="0" cy="648072"/>
           </a:xfrm>
           <a:prstGeom prst="straightConnector1">
             <a:avLst/>
@@ -3784,16 +5122,578 @@
           </a:fontRef>
         </p:style>
       </p:cxnSp>
+      <p:sp>
+        <p:nvSpPr>
+          <p:cNvPr id="75" name="圆角矩形 74"/>
+          <p:cNvSpPr/>
+          <p:nvPr/>
+        </p:nvSpPr>
+        <p:spPr>
+          <a:xfrm>
+            <a:off x="5616116" y="2420888"/>
+            <a:ext cx="1368152" cy="432048"/>
+          </a:xfrm>
+          <a:prstGeom prst="roundRect">
+            <a:avLst/>
+          </a:prstGeom>
+          <a:solidFill>
+            <a:srgbClr val="00B050"/>
+          </a:solidFill>
+          <a:ln w="3175">
+            <a:noFill/>
+          </a:ln>
+        </p:spPr>
+        <p:style>
+          <a:lnRef idx="2">
+            <a:schemeClr val="accent3">
+              <a:shade val="50000"/>
+            </a:schemeClr>
+          </a:lnRef>
+          <a:fillRef idx="1">
+            <a:schemeClr val="accent3"/>
+          </a:fillRef>
+          <a:effectRef idx="0">
+            <a:schemeClr val="accent3"/>
+          </a:effectRef>
+          <a:fontRef idx="minor">
+            <a:schemeClr val="lt1"/>
+          </a:fontRef>
+        </p:style>
+        <p:txBody>
+          <a:bodyPr rtlCol="0" anchor="ctr"/>
+          <a:lstStyle/>
+          <a:p>
+            <a:pPr algn="ctr"/>
+            <a:r>
+              <a:rPr lang="zh-CN" altLang="en-US" sz="1100" b="1" dirty="0" smtClean="0">
+                <a:latin typeface="微软雅黑" panose="020B0503020204020204" pitchFamily="34" charset="-122"/>
+                <a:ea typeface="微软雅黑" panose="020B0503020204020204" pitchFamily="34" charset="-122"/>
+              </a:rPr>
+              <a:t>销售记录</a:t>
+            </a:r>
+            <a:endParaRPr lang="zh-CN" altLang="en-US" sz="1100" b="1" dirty="0">
+              <a:latin typeface="微软雅黑" panose="020B0503020204020204" pitchFamily="34" charset="-122"/>
+              <a:ea typeface="微软雅黑" panose="020B0503020204020204" pitchFamily="34" charset="-122"/>
+            </a:endParaRPr>
+          </a:p>
+        </p:txBody>
+      </p:sp>
+      <p:cxnSp>
+        <p:nvCxnSpPr>
+          <p:cNvPr id="76" name="直接箭头连接符 75"/>
+          <p:cNvCxnSpPr>
+            <a:stCxn id="75" idx="0"/>
+            <a:endCxn id="24" idx="2"/>
+          </p:cNvCxnSpPr>
+          <p:nvPr/>
+        </p:nvCxnSpPr>
+        <p:spPr>
+          <a:xfrm flipH="1" flipV="1">
+            <a:off x="3239852" y="1838352"/>
+            <a:ext cx="3060340" cy="582536"/>
+          </a:xfrm>
+          <a:prstGeom prst="straightConnector1">
+            <a:avLst/>
+          </a:prstGeom>
+          <a:ln>
+            <a:tailEnd type="arrow"/>
+          </a:ln>
+        </p:spPr>
+        <p:style>
+          <a:lnRef idx="1">
+            <a:schemeClr val="accent1"/>
+          </a:lnRef>
+          <a:fillRef idx="0">
+            <a:schemeClr val="accent1"/>
+          </a:fillRef>
+          <a:effectRef idx="0">
+            <a:schemeClr val="accent1"/>
+          </a:effectRef>
+          <a:fontRef idx="minor">
+            <a:schemeClr val="tx1"/>
+          </a:fontRef>
+        </p:style>
+      </p:cxnSp>
+      <p:sp>
+        <p:nvSpPr>
+          <p:cNvPr id="81" name="圆角矩形 80"/>
+          <p:cNvSpPr/>
+          <p:nvPr/>
+        </p:nvSpPr>
+        <p:spPr>
+          <a:xfrm>
+            <a:off x="4139952" y="3501008"/>
+            <a:ext cx="936104" cy="432048"/>
+          </a:xfrm>
+          <a:prstGeom prst="roundRect">
+            <a:avLst/>
+          </a:prstGeom>
+          <a:solidFill>
+            <a:schemeClr val="accent3">
+              <a:lumMod val="75000"/>
+            </a:schemeClr>
+          </a:solidFill>
+          <a:ln w="3175">
+            <a:noFill/>
+          </a:ln>
+        </p:spPr>
+        <p:style>
+          <a:lnRef idx="2">
+            <a:schemeClr val="accent3">
+              <a:shade val="50000"/>
+            </a:schemeClr>
+          </a:lnRef>
+          <a:fillRef idx="1">
+            <a:schemeClr val="accent3"/>
+          </a:fillRef>
+          <a:effectRef idx="0">
+            <a:schemeClr val="accent3"/>
+          </a:effectRef>
+          <a:fontRef idx="minor">
+            <a:schemeClr val="lt1"/>
+          </a:fontRef>
+        </p:style>
+        <p:txBody>
+          <a:bodyPr rtlCol="0" anchor="ctr"/>
+          <a:lstStyle/>
+          <a:p>
+            <a:pPr algn="ctr"/>
+            <a:r>
+              <a:rPr lang="zh-CN" altLang="en-US" sz="1100" dirty="0" smtClean="0">
+                <a:latin typeface="微软雅黑" panose="020B0503020204020204" pitchFamily="34" charset="-122"/>
+                <a:ea typeface="微软雅黑" panose="020B0503020204020204" pitchFamily="34" charset="-122"/>
+              </a:rPr>
+              <a:t>预售许可证</a:t>
+            </a:r>
+            <a:endParaRPr lang="zh-CN" altLang="en-US" sz="1100" dirty="0">
+              <a:latin typeface="微软雅黑" panose="020B0503020204020204" pitchFamily="34" charset="-122"/>
+              <a:ea typeface="微软雅黑" panose="020B0503020204020204" pitchFamily="34" charset="-122"/>
+            </a:endParaRPr>
+          </a:p>
+        </p:txBody>
+      </p:sp>
+      <p:cxnSp>
+        <p:nvCxnSpPr>
+          <p:cNvPr id="86" name="直接箭头连接符 85"/>
+          <p:cNvCxnSpPr>
+            <a:stCxn id="81" idx="0"/>
+            <a:endCxn id="75" idx="2"/>
+          </p:cNvCxnSpPr>
+          <p:nvPr/>
+        </p:nvCxnSpPr>
+        <p:spPr>
+          <a:xfrm flipV="1">
+            <a:off x="4608004" y="2852936"/>
+            <a:ext cx="1692188" cy="648072"/>
+          </a:xfrm>
+          <a:prstGeom prst="straightConnector1">
+            <a:avLst/>
+          </a:prstGeom>
+          <a:ln>
+            <a:tailEnd type="arrow"/>
+          </a:ln>
+        </p:spPr>
+        <p:style>
+          <a:lnRef idx="1">
+            <a:schemeClr val="accent1"/>
+          </a:lnRef>
+          <a:fillRef idx="0">
+            <a:schemeClr val="accent1"/>
+          </a:fillRef>
+          <a:effectRef idx="0">
+            <a:schemeClr val="accent1"/>
+          </a:effectRef>
+          <a:fontRef idx="minor">
+            <a:schemeClr val="tx1"/>
+          </a:fontRef>
+        </p:style>
+      </p:cxnSp>
+      <p:sp>
+        <p:nvSpPr>
+          <p:cNvPr id="91" name="圆角矩形 90"/>
+          <p:cNvSpPr/>
+          <p:nvPr/>
+        </p:nvSpPr>
+        <p:spPr>
+          <a:xfrm>
+            <a:off x="5364088" y="3501008"/>
+            <a:ext cx="936104" cy="432048"/>
+          </a:xfrm>
+          <a:prstGeom prst="roundRect">
+            <a:avLst/>
+          </a:prstGeom>
+          <a:solidFill>
+            <a:schemeClr val="accent3">
+              <a:lumMod val="75000"/>
+            </a:schemeClr>
+          </a:solidFill>
+          <a:ln w="3175">
+            <a:noFill/>
+          </a:ln>
+        </p:spPr>
+        <p:style>
+          <a:lnRef idx="2">
+            <a:schemeClr val="accent3">
+              <a:shade val="50000"/>
+            </a:schemeClr>
+          </a:lnRef>
+          <a:fillRef idx="1">
+            <a:schemeClr val="accent3"/>
+          </a:fillRef>
+          <a:effectRef idx="0">
+            <a:schemeClr val="accent3"/>
+          </a:effectRef>
+          <a:fontRef idx="minor">
+            <a:schemeClr val="lt1"/>
+          </a:fontRef>
+        </p:style>
+        <p:txBody>
+          <a:bodyPr rtlCol="0" anchor="ctr"/>
+          <a:lstStyle/>
+          <a:p>
+            <a:pPr algn="ctr"/>
+            <a:r>
+              <a:rPr lang="zh-CN" altLang="en-US" sz="1100" dirty="0" smtClean="0">
+                <a:latin typeface="微软雅黑" panose="020B0503020204020204" pitchFamily="34" charset="-122"/>
+                <a:ea typeface="微软雅黑" panose="020B0503020204020204" pitchFamily="34" charset="-122"/>
+              </a:rPr>
+              <a:t>预售许可证</a:t>
+            </a:r>
+            <a:endParaRPr lang="zh-CN" altLang="en-US" sz="1100" dirty="0">
+              <a:latin typeface="微软雅黑" panose="020B0503020204020204" pitchFamily="34" charset="-122"/>
+              <a:ea typeface="微软雅黑" panose="020B0503020204020204" pitchFamily="34" charset="-122"/>
+            </a:endParaRPr>
+          </a:p>
+        </p:txBody>
+      </p:sp>
+      <p:cxnSp>
+        <p:nvCxnSpPr>
+          <p:cNvPr id="92" name="直接箭头连接符 91"/>
+          <p:cNvCxnSpPr>
+            <a:stCxn id="91" idx="0"/>
+            <a:endCxn id="75" idx="2"/>
+          </p:cNvCxnSpPr>
+          <p:nvPr/>
+        </p:nvCxnSpPr>
+        <p:spPr>
+          <a:xfrm flipV="1">
+            <a:off x="5832140" y="2852936"/>
+            <a:ext cx="468052" cy="648072"/>
+          </a:xfrm>
+          <a:prstGeom prst="straightConnector1">
+            <a:avLst/>
+          </a:prstGeom>
+          <a:ln>
+            <a:tailEnd type="arrow"/>
+          </a:ln>
+        </p:spPr>
+        <p:style>
+          <a:lnRef idx="1">
+            <a:schemeClr val="accent1"/>
+          </a:lnRef>
+          <a:fillRef idx="0">
+            <a:schemeClr val="accent1"/>
+          </a:fillRef>
+          <a:effectRef idx="0">
+            <a:schemeClr val="accent1"/>
+          </a:effectRef>
+          <a:fontRef idx="minor">
+            <a:schemeClr val="tx1"/>
+          </a:fontRef>
+        </p:style>
+      </p:cxnSp>
+      <p:sp>
+        <p:nvSpPr>
+          <p:cNvPr id="95" name="圆角矩形 94"/>
+          <p:cNvSpPr/>
+          <p:nvPr/>
+        </p:nvSpPr>
+        <p:spPr>
+          <a:xfrm>
+            <a:off x="6660232" y="3501008"/>
+            <a:ext cx="792088" cy="432048"/>
+          </a:xfrm>
+          <a:prstGeom prst="roundRect">
+            <a:avLst/>
+          </a:prstGeom>
+          <a:solidFill>
+            <a:schemeClr val="accent2">
+              <a:lumMod val="75000"/>
+            </a:schemeClr>
+          </a:solidFill>
+          <a:ln w="3175">
+            <a:noFill/>
+          </a:ln>
+        </p:spPr>
+        <p:style>
+          <a:lnRef idx="2">
+            <a:schemeClr val="accent3">
+              <a:shade val="50000"/>
+            </a:schemeClr>
+          </a:lnRef>
+          <a:fillRef idx="1">
+            <a:schemeClr val="accent3"/>
+          </a:fillRef>
+          <a:effectRef idx="0">
+            <a:schemeClr val="accent3"/>
+          </a:effectRef>
+          <a:fontRef idx="minor">
+            <a:schemeClr val="lt1"/>
+          </a:fontRef>
+        </p:style>
+        <p:txBody>
+          <a:bodyPr rtlCol="0" anchor="ctr"/>
+          <a:lstStyle/>
+          <a:p>
+            <a:pPr algn="ctr"/>
+            <a:r>
+              <a:rPr lang="zh-CN" altLang="en-US" sz="1100" dirty="0" smtClean="0">
+                <a:latin typeface="微软雅黑" panose="020B0503020204020204" pitchFamily="34" charset="-122"/>
+                <a:ea typeface="微软雅黑" panose="020B0503020204020204" pitchFamily="34" charset="-122"/>
+              </a:rPr>
+              <a:t>现售备案</a:t>
+            </a:r>
+            <a:endParaRPr lang="zh-CN" altLang="en-US" sz="1100" dirty="0">
+              <a:latin typeface="微软雅黑" panose="020B0503020204020204" pitchFamily="34" charset="-122"/>
+              <a:ea typeface="微软雅黑" panose="020B0503020204020204" pitchFamily="34" charset="-122"/>
+            </a:endParaRPr>
+          </a:p>
+        </p:txBody>
+      </p:sp>
+      <p:cxnSp>
+        <p:nvCxnSpPr>
+          <p:cNvPr id="96" name="直接箭头连接符 95"/>
+          <p:cNvCxnSpPr>
+            <a:stCxn id="95" idx="0"/>
+            <a:endCxn id="75" idx="2"/>
+          </p:cNvCxnSpPr>
+          <p:nvPr/>
+        </p:nvCxnSpPr>
+        <p:spPr>
+          <a:xfrm flipH="1" flipV="1">
+            <a:off x="6300192" y="2852936"/>
+            <a:ext cx="756084" cy="648072"/>
+          </a:xfrm>
+          <a:prstGeom prst="straightConnector1">
+            <a:avLst/>
+          </a:prstGeom>
+          <a:ln>
+            <a:tailEnd type="arrow"/>
+          </a:ln>
+        </p:spPr>
+        <p:style>
+          <a:lnRef idx="1">
+            <a:schemeClr val="accent1"/>
+          </a:lnRef>
+          <a:fillRef idx="0">
+            <a:schemeClr val="accent1"/>
+          </a:fillRef>
+          <a:effectRef idx="0">
+            <a:schemeClr val="accent1"/>
+          </a:effectRef>
+          <a:fontRef idx="minor">
+            <a:schemeClr val="tx1"/>
+          </a:fontRef>
+        </p:style>
+      </p:cxnSp>
+      <p:sp>
+        <p:nvSpPr>
+          <p:cNvPr id="99" name="圆角矩形 98"/>
+          <p:cNvSpPr/>
+          <p:nvPr/>
+        </p:nvSpPr>
+        <p:spPr>
+          <a:xfrm>
+            <a:off x="7740352" y="3501008"/>
+            <a:ext cx="792088" cy="432048"/>
+          </a:xfrm>
+          <a:prstGeom prst="roundRect">
+            <a:avLst/>
+          </a:prstGeom>
+          <a:solidFill>
+            <a:schemeClr val="accent2">
+              <a:lumMod val="75000"/>
+            </a:schemeClr>
+          </a:solidFill>
+          <a:ln w="3175">
+            <a:noFill/>
+          </a:ln>
+        </p:spPr>
+        <p:style>
+          <a:lnRef idx="2">
+            <a:schemeClr val="accent3">
+              <a:shade val="50000"/>
+            </a:schemeClr>
+          </a:lnRef>
+          <a:fillRef idx="1">
+            <a:schemeClr val="accent3"/>
+          </a:fillRef>
+          <a:effectRef idx="0">
+            <a:schemeClr val="accent3"/>
+          </a:effectRef>
+          <a:fontRef idx="minor">
+            <a:schemeClr val="lt1"/>
+          </a:fontRef>
+        </p:style>
+        <p:txBody>
+          <a:bodyPr rtlCol="0" anchor="ctr"/>
+          <a:lstStyle/>
+          <a:p>
+            <a:pPr algn="ctr"/>
+            <a:r>
+              <a:rPr lang="zh-CN" altLang="en-US" sz="1100" dirty="0" smtClean="0">
+                <a:latin typeface="微软雅黑" panose="020B0503020204020204" pitchFamily="34" charset="-122"/>
+                <a:ea typeface="微软雅黑" panose="020B0503020204020204" pitchFamily="34" charset="-122"/>
+              </a:rPr>
+              <a:t>现售备案</a:t>
+            </a:r>
+            <a:endParaRPr lang="zh-CN" altLang="en-US" sz="1100" dirty="0">
+              <a:latin typeface="微软雅黑" panose="020B0503020204020204" pitchFamily="34" charset="-122"/>
+              <a:ea typeface="微软雅黑" panose="020B0503020204020204" pitchFamily="34" charset="-122"/>
+            </a:endParaRPr>
+          </a:p>
+        </p:txBody>
+      </p:sp>
+      <p:cxnSp>
+        <p:nvCxnSpPr>
+          <p:cNvPr id="100" name="直接箭头连接符 99"/>
+          <p:cNvCxnSpPr>
+            <a:stCxn id="99" idx="0"/>
+            <a:endCxn id="75" idx="2"/>
+          </p:cNvCxnSpPr>
+          <p:nvPr/>
+        </p:nvCxnSpPr>
+        <p:spPr>
+          <a:xfrm flipH="1" flipV="1">
+            <a:off x="6300192" y="2852936"/>
+            <a:ext cx="1836204" cy="648072"/>
+          </a:xfrm>
+          <a:prstGeom prst="straightConnector1">
+            <a:avLst/>
+          </a:prstGeom>
+          <a:ln>
+            <a:tailEnd type="arrow"/>
+          </a:ln>
+        </p:spPr>
+        <p:style>
+          <a:lnRef idx="1">
+            <a:schemeClr val="accent1"/>
+          </a:lnRef>
+          <a:fillRef idx="0">
+            <a:schemeClr val="accent1"/>
+          </a:fillRef>
+          <a:effectRef idx="0">
+            <a:schemeClr val="accent1"/>
+          </a:effectRef>
+          <a:fontRef idx="minor">
+            <a:schemeClr val="tx1"/>
+          </a:fontRef>
+        </p:style>
+      </p:cxnSp>
+      <p:sp>
+        <p:nvSpPr>
+          <p:cNvPr id="158" name="矩形 157"/>
+          <p:cNvSpPr/>
+          <p:nvPr/>
+        </p:nvSpPr>
+        <p:spPr>
+          <a:xfrm>
+            <a:off x="2411760" y="2413531"/>
+            <a:ext cx="343364" cy="369332"/>
+          </a:xfrm>
+          <a:prstGeom prst="rect">
+            <a:avLst/>
+          </a:prstGeom>
+        </p:spPr>
+        <p:txBody>
+          <a:bodyPr wrap="none">
+            <a:spAutoFit/>
+          </a:bodyPr>
+          <a:lstStyle/>
+          <a:p>
+            <a:r>
+              <a:rPr lang="en-US" altLang="zh-CN" dirty="0"/>
+              <a:t>…</a:t>
+            </a:r>
+            <a:endParaRPr lang="zh-CN" altLang="en-US" dirty="0"/>
+          </a:p>
+        </p:txBody>
+      </p:sp>
+      <p:sp>
+        <p:nvSpPr>
+          <p:cNvPr id="159" name="矩形 158"/>
+          <p:cNvSpPr/>
+          <p:nvPr/>
+        </p:nvSpPr>
+        <p:spPr>
+          <a:xfrm>
+            <a:off x="5020724" y="3491716"/>
+            <a:ext cx="343364" cy="369332"/>
+          </a:xfrm>
+          <a:prstGeom prst="rect">
+            <a:avLst/>
+          </a:prstGeom>
+        </p:spPr>
+        <p:txBody>
+          <a:bodyPr wrap="none">
+            <a:spAutoFit/>
+          </a:bodyPr>
+          <a:lstStyle/>
+          <a:p>
+            <a:r>
+              <a:rPr lang="en-US" altLang="zh-CN" dirty="0"/>
+              <a:t>…</a:t>
+            </a:r>
+            <a:endParaRPr lang="zh-CN" altLang="en-US" dirty="0"/>
+          </a:p>
+        </p:txBody>
+      </p:sp>
+      <p:sp>
+        <p:nvSpPr>
+          <p:cNvPr id="160" name="矩形 159"/>
+          <p:cNvSpPr/>
+          <p:nvPr/>
+        </p:nvSpPr>
+        <p:spPr>
+          <a:xfrm>
+            <a:off x="7396988" y="3491716"/>
+            <a:ext cx="343364" cy="369332"/>
+          </a:xfrm>
+          <a:prstGeom prst="rect">
+            <a:avLst/>
+          </a:prstGeom>
+        </p:spPr>
+        <p:txBody>
+          <a:bodyPr wrap="none">
+            <a:spAutoFit/>
+          </a:bodyPr>
+          <a:lstStyle/>
+          <a:p>
+            <a:r>
+              <a:rPr lang="en-US" altLang="zh-CN" dirty="0"/>
+              <a:t>…</a:t>
+            </a:r>
+            <a:endParaRPr lang="zh-CN" altLang="en-US" dirty="0"/>
+          </a:p>
+        </p:txBody>
+      </p:sp>
     </p:spTree>
     <p:extLst>
       <p:ext uri="{BB962C8B-B14F-4D97-AF65-F5344CB8AC3E}">
-        <p14:creationId xmlns:p14="http://schemas.microsoft.com/office/powerpoint/2010/main" val="647678404"/>
+        <p14:creationId xmlns:p14="http://schemas.microsoft.com/office/powerpoint/2010/main" val="3912124240"/>
       </p:ext>
     </p:extLst>
   </p:cSld>
   <p:clrMapOvr>
     <a:masterClrMapping/>
   </p:clrMapOvr>
+  <p:timing>
+    <p:tnLst>
+      <p:par>
+        <p:cTn id="1" dur="indefinite" restart="never" nodeType="tmRoot"/>
+      </p:par>
+    </p:tnLst>
+  </p:timing>
 </p:sld>
 </file>
 

--- a/permit/doc/逻辑关系.pptx
+++ b/permit/doc/逻辑关系.pptx
@@ -289,7 +289,7 @@
           <a:p>
             <a:fld id="{CCCBB0F3-F4A1-4A2B-B02E-B1B55494255D}" type="datetimeFigureOut">
               <a:rPr lang="zh-CN" altLang="en-US" smtClean="0"/>
-              <a:t>2016/5/25</a:t>
+              <a:t>2016/5/26</a:t>
             </a:fld>
             <a:endParaRPr lang="zh-CN" altLang="en-US"/>
           </a:p>
@@ -459,7 +459,7 @@
           <a:p>
             <a:fld id="{CCCBB0F3-F4A1-4A2B-B02E-B1B55494255D}" type="datetimeFigureOut">
               <a:rPr lang="zh-CN" altLang="en-US" smtClean="0"/>
-              <a:t>2016/5/25</a:t>
+              <a:t>2016/5/26</a:t>
             </a:fld>
             <a:endParaRPr lang="zh-CN" altLang="en-US"/>
           </a:p>
@@ -639,7 +639,7 @@
           <a:p>
             <a:fld id="{CCCBB0F3-F4A1-4A2B-B02E-B1B55494255D}" type="datetimeFigureOut">
               <a:rPr lang="zh-CN" altLang="en-US" smtClean="0"/>
-              <a:t>2016/5/25</a:t>
+              <a:t>2016/5/26</a:t>
             </a:fld>
             <a:endParaRPr lang="zh-CN" altLang="en-US"/>
           </a:p>
@@ -809,7 +809,7 @@
           <a:p>
             <a:fld id="{CCCBB0F3-F4A1-4A2B-B02E-B1B55494255D}" type="datetimeFigureOut">
               <a:rPr lang="zh-CN" altLang="en-US" smtClean="0"/>
-              <a:t>2016/5/25</a:t>
+              <a:t>2016/5/26</a:t>
             </a:fld>
             <a:endParaRPr lang="zh-CN" altLang="en-US"/>
           </a:p>
@@ -1055,7 +1055,7 @@
           <a:p>
             <a:fld id="{CCCBB0F3-F4A1-4A2B-B02E-B1B55494255D}" type="datetimeFigureOut">
               <a:rPr lang="zh-CN" altLang="en-US" smtClean="0"/>
-              <a:t>2016/5/25</a:t>
+              <a:t>2016/5/26</a:t>
             </a:fld>
             <a:endParaRPr lang="zh-CN" altLang="en-US"/>
           </a:p>
@@ -1343,7 +1343,7 @@
           <a:p>
             <a:fld id="{CCCBB0F3-F4A1-4A2B-B02E-B1B55494255D}" type="datetimeFigureOut">
               <a:rPr lang="zh-CN" altLang="en-US" smtClean="0"/>
-              <a:t>2016/5/25</a:t>
+              <a:t>2016/5/26</a:t>
             </a:fld>
             <a:endParaRPr lang="zh-CN" altLang="en-US"/>
           </a:p>
@@ -1765,7 +1765,7 @@
           <a:p>
             <a:fld id="{CCCBB0F3-F4A1-4A2B-B02E-B1B55494255D}" type="datetimeFigureOut">
               <a:rPr lang="zh-CN" altLang="en-US" smtClean="0"/>
-              <a:t>2016/5/25</a:t>
+              <a:t>2016/5/26</a:t>
             </a:fld>
             <a:endParaRPr lang="zh-CN" altLang="en-US"/>
           </a:p>
@@ -1883,7 +1883,7 @@
           <a:p>
             <a:fld id="{CCCBB0F3-F4A1-4A2B-B02E-B1B55494255D}" type="datetimeFigureOut">
               <a:rPr lang="zh-CN" altLang="en-US" smtClean="0"/>
-              <a:t>2016/5/25</a:t>
+              <a:t>2016/5/26</a:t>
             </a:fld>
             <a:endParaRPr lang="zh-CN" altLang="en-US"/>
           </a:p>
@@ -1978,7 +1978,7 @@
           <a:p>
             <a:fld id="{CCCBB0F3-F4A1-4A2B-B02E-B1B55494255D}" type="datetimeFigureOut">
               <a:rPr lang="zh-CN" altLang="en-US" smtClean="0"/>
-              <a:t>2016/5/25</a:t>
+              <a:t>2016/5/26</a:t>
             </a:fld>
             <a:endParaRPr lang="zh-CN" altLang="en-US"/>
           </a:p>
@@ -2255,7 +2255,7 @@
           <a:p>
             <a:fld id="{CCCBB0F3-F4A1-4A2B-B02E-B1B55494255D}" type="datetimeFigureOut">
               <a:rPr lang="zh-CN" altLang="en-US" smtClean="0"/>
-              <a:t>2016/5/25</a:t>
+              <a:t>2016/5/26</a:t>
             </a:fld>
             <a:endParaRPr lang="zh-CN" altLang="en-US"/>
           </a:p>
@@ -2508,7 +2508,7 @@
           <a:p>
             <a:fld id="{CCCBB0F3-F4A1-4A2B-B02E-B1B55494255D}" type="datetimeFigureOut">
               <a:rPr lang="zh-CN" altLang="en-US" smtClean="0"/>
-              <a:t>2016/5/25</a:t>
+              <a:t>2016/5/26</a:t>
             </a:fld>
             <a:endParaRPr lang="zh-CN" altLang="en-US"/>
           </a:p>
@@ -2721,7 +2721,7 @@
           <a:p>
             <a:fld id="{CCCBB0F3-F4A1-4A2B-B02E-B1B55494255D}" type="datetimeFigureOut">
               <a:rPr lang="zh-CN" altLang="en-US" smtClean="0"/>
-              <a:t>2016/5/25</a:t>
+              <a:t>2016/5/26</a:t>
             </a:fld>
             <a:endParaRPr lang="zh-CN" altLang="en-US"/>
           </a:p>
@@ -4536,7 +4536,12 @@
           <a:prstGeom prst="straightConnector1">
             <a:avLst/>
           </a:prstGeom>
-          <a:ln>
+          <a:ln w="19050">
+            <a:solidFill>
+              <a:schemeClr val="accent6">
+                <a:lumMod val="75000"/>
+              </a:schemeClr>
+            </a:solidFill>
             <a:tailEnd type="arrow"/>
           </a:ln>
         </p:spPr>
@@ -4563,7 +4568,7 @@
         </p:nvSpPr>
         <p:spPr>
           <a:xfrm>
-            <a:off x="179512" y="2420888"/>
+            <a:off x="323528" y="2420888"/>
             <a:ext cx="936104" cy="432048"/>
           </a:xfrm>
           <a:prstGeom prst="roundRect">
@@ -4743,8 +4748,8 @@
         </p:nvCxnSpPr>
         <p:spPr>
           <a:xfrm flipV="1">
-            <a:off x="647564" y="1838352"/>
-            <a:ext cx="2592288" cy="582536"/>
+            <a:off x="791580" y="1838352"/>
+            <a:ext cx="2448272" cy="582536"/>
           </a:xfrm>
           <a:prstGeom prst="straightConnector1">
             <a:avLst/>
@@ -4848,7 +4853,7 @@
         </p:nvSpPr>
         <p:spPr>
           <a:xfrm>
-            <a:off x="179512" y="3501008"/>
+            <a:off x="323528" y="3501008"/>
             <a:ext cx="936104" cy="432048"/>
           </a:xfrm>
           <a:prstGeom prst="roundRect">
@@ -4898,42 +4903,6 @@
           </a:p>
         </p:txBody>
       </p:sp>
-      <p:cxnSp>
-        <p:nvCxnSpPr>
-          <p:cNvPr id="50" name="直接箭头连接符 49"/>
-          <p:cNvCxnSpPr>
-            <a:stCxn id="49" idx="0"/>
-            <a:endCxn id="33" idx="2"/>
-          </p:cNvCxnSpPr>
-          <p:nvPr/>
-        </p:nvCxnSpPr>
-        <p:spPr>
-          <a:xfrm flipV="1">
-            <a:off x="647564" y="2852936"/>
-            <a:ext cx="0" cy="648072"/>
-          </a:xfrm>
-          <a:prstGeom prst="straightConnector1">
-            <a:avLst/>
-          </a:prstGeom>
-          <a:ln>
-            <a:tailEnd type="arrow"/>
-          </a:ln>
-        </p:spPr>
-        <p:style>
-          <a:lnRef idx="1">
-            <a:schemeClr val="accent1"/>
-          </a:lnRef>
-          <a:fillRef idx="0">
-            <a:schemeClr val="accent1"/>
-          </a:fillRef>
-          <a:effectRef idx="0">
-            <a:schemeClr val="accent1"/>
-          </a:effectRef>
-          <a:fontRef idx="minor">
-            <a:schemeClr val="tx1"/>
-          </a:fontRef>
-        </p:style>
-      </p:cxnSp>
       <p:sp>
         <p:nvSpPr>
           <p:cNvPr id="53" name="圆角矩形 52"/>
@@ -4992,42 +4961,6 @@
           </a:p>
         </p:txBody>
       </p:sp>
-      <p:cxnSp>
-        <p:nvCxnSpPr>
-          <p:cNvPr id="54" name="直接箭头连接符 53"/>
-          <p:cNvCxnSpPr>
-            <a:stCxn id="53" idx="0"/>
-            <a:endCxn id="38" idx="2"/>
-          </p:cNvCxnSpPr>
-          <p:nvPr/>
-        </p:nvCxnSpPr>
-        <p:spPr>
-          <a:xfrm flipV="1">
-            <a:off x="3239852" y="2852936"/>
-            <a:ext cx="0" cy="640209"/>
-          </a:xfrm>
-          <a:prstGeom prst="straightConnector1">
-            <a:avLst/>
-          </a:prstGeom>
-          <a:ln>
-            <a:tailEnd type="arrow"/>
-          </a:ln>
-        </p:spPr>
-        <p:style>
-          <a:lnRef idx="1">
-            <a:schemeClr val="accent1"/>
-          </a:lnRef>
-          <a:fillRef idx="0">
-            <a:schemeClr val="accent1"/>
-          </a:fillRef>
-          <a:effectRef idx="0">
-            <a:schemeClr val="accent1"/>
-          </a:effectRef>
-          <a:fontRef idx="minor">
-            <a:schemeClr val="tx1"/>
-          </a:fontRef>
-        </p:style>
-      </p:cxnSp>
       <p:sp>
         <p:nvSpPr>
           <p:cNvPr id="59" name="圆角矩形 58"/>
@@ -5086,42 +5019,6 @@
           </a:p>
         </p:txBody>
       </p:sp>
-      <p:cxnSp>
-        <p:nvCxnSpPr>
-          <p:cNvPr id="60" name="直接箭头连接符 59"/>
-          <p:cNvCxnSpPr>
-            <a:stCxn id="59" idx="0"/>
-            <a:endCxn id="37" idx="2"/>
-          </p:cNvCxnSpPr>
-          <p:nvPr/>
-        </p:nvCxnSpPr>
-        <p:spPr>
-          <a:xfrm flipV="1">
-            <a:off x="1906633" y="2852936"/>
-            <a:ext cx="0" cy="648072"/>
-          </a:xfrm>
-          <a:prstGeom prst="straightConnector1">
-            <a:avLst/>
-          </a:prstGeom>
-          <a:ln>
-            <a:tailEnd type="arrow"/>
-          </a:ln>
-        </p:spPr>
-        <p:style>
-          <a:lnRef idx="1">
-            <a:schemeClr val="accent1"/>
-          </a:lnRef>
-          <a:fillRef idx="0">
-            <a:schemeClr val="accent1"/>
-          </a:fillRef>
-          <a:effectRef idx="0">
-            <a:schemeClr val="accent1"/>
-          </a:effectRef>
-          <a:fontRef idx="minor">
-            <a:schemeClr val="tx1"/>
-          </a:fontRef>
-        </p:style>
-      </p:cxnSp>
       <p:sp>
         <p:nvSpPr>
           <p:cNvPr id="75" name="圆角矩形 74"/>
@@ -5178,42 +5075,6 @@
           </a:p>
         </p:txBody>
       </p:sp>
-      <p:cxnSp>
-        <p:nvCxnSpPr>
-          <p:cNvPr id="76" name="直接箭头连接符 75"/>
-          <p:cNvCxnSpPr>
-            <a:stCxn id="75" idx="0"/>
-            <a:endCxn id="24" idx="2"/>
-          </p:cNvCxnSpPr>
-          <p:nvPr/>
-        </p:nvCxnSpPr>
-        <p:spPr>
-          <a:xfrm flipH="1" flipV="1">
-            <a:off x="3239852" y="1838352"/>
-            <a:ext cx="3060340" cy="582536"/>
-          </a:xfrm>
-          <a:prstGeom prst="straightConnector1">
-            <a:avLst/>
-          </a:prstGeom>
-          <a:ln>
-            <a:tailEnd type="arrow"/>
-          </a:ln>
-        </p:spPr>
-        <p:style>
-          <a:lnRef idx="1">
-            <a:schemeClr val="accent1"/>
-          </a:lnRef>
-          <a:fillRef idx="0">
-            <a:schemeClr val="accent1"/>
-          </a:fillRef>
-          <a:effectRef idx="0">
-            <a:schemeClr val="accent1"/>
-          </a:effectRef>
-          <a:fontRef idx="minor">
-            <a:schemeClr val="tx1"/>
-          </a:fontRef>
-        </p:style>
-      </p:cxnSp>
       <p:sp>
         <p:nvSpPr>
           <p:cNvPr id="81" name="圆角矩形 80"/>
@@ -5222,7 +5083,7 @@
         </p:nvSpPr>
         <p:spPr>
           <a:xfrm>
-            <a:off x="4139952" y="3501008"/>
+            <a:off x="4211960" y="3501008"/>
             <a:ext cx="936104" cy="432048"/>
           </a:xfrm>
           <a:prstGeom prst="roundRect">
@@ -5283,8 +5144,8 @@
         </p:nvCxnSpPr>
         <p:spPr>
           <a:xfrm flipV="1">
-            <a:off x="4608004" y="2852936"/>
-            <a:ext cx="1692188" cy="648072"/>
+            <a:off x="4680012" y="2852936"/>
+            <a:ext cx="1620180" cy="648072"/>
           </a:xfrm>
           <a:prstGeom prst="straightConnector1">
             <a:avLst/>
@@ -5316,7 +5177,7 @@
         </p:nvSpPr>
         <p:spPr>
           <a:xfrm>
-            <a:off x="5364088" y="3501008"/>
+            <a:off x="5436096" y="3501008"/>
             <a:ext cx="936104" cy="432048"/>
           </a:xfrm>
           <a:prstGeom prst="roundRect">
@@ -5377,8 +5238,8 @@
         </p:nvCxnSpPr>
         <p:spPr>
           <a:xfrm flipV="1">
-            <a:off x="5832140" y="2852936"/>
-            <a:ext cx="468052" cy="648072"/>
+            <a:off x="5904148" y="2852936"/>
+            <a:ext cx="396044" cy="648072"/>
           </a:xfrm>
           <a:prstGeom prst="straightConnector1">
             <a:avLst/>
@@ -5410,7 +5271,7 @@
         </p:nvSpPr>
         <p:spPr>
           <a:xfrm>
-            <a:off x="6660232" y="3501008"/>
+            <a:off x="6691126" y="3501008"/>
             <a:ext cx="792088" cy="432048"/>
           </a:xfrm>
           <a:prstGeom prst="roundRect">
@@ -5472,7 +5333,7 @@
         <p:spPr>
           <a:xfrm flipH="1" flipV="1">
             <a:off x="6300192" y="2852936"/>
-            <a:ext cx="756084" cy="648072"/>
+            <a:ext cx="786978" cy="648072"/>
           </a:xfrm>
           <a:prstGeom prst="straightConnector1">
             <a:avLst/>
@@ -5592,14 +5453,14 @@
       </p:cxnSp>
       <p:sp>
         <p:nvSpPr>
-          <p:cNvPr id="158" name="矩形 157"/>
+          <p:cNvPr id="159" name="矩形 158"/>
           <p:cNvSpPr/>
           <p:nvPr/>
         </p:nvSpPr>
         <p:spPr>
           <a:xfrm>
-            <a:off x="2411760" y="2413531"/>
-            <a:ext cx="343364" cy="369332"/>
+            <a:off x="5076056" y="3431321"/>
+            <a:ext cx="360996" cy="400110"/>
           </a:xfrm>
           <a:prstGeom prst="rect">
             <a:avLst/>
@@ -5612,23 +5473,23 @@
           <a:lstStyle/>
           <a:p>
             <a:r>
-              <a:rPr lang="en-US" altLang="zh-CN" dirty="0"/>
+              <a:rPr lang="en-US" altLang="zh-CN" sz="2000" dirty="0"/>
               <a:t>…</a:t>
             </a:r>
-            <a:endParaRPr lang="zh-CN" altLang="en-US" dirty="0"/>
-          </a:p>
-        </p:txBody>
-      </p:sp>
-      <p:sp>
-        <p:nvSpPr>
-          <p:cNvPr id="159" name="矩形 158"/>
+            <a:endParaRPr lang="zh-CN" altLang="en-US" sz="2000" dirty="0"/>
+          </a:p>
+        </p:txBody>
+      </p:sp>
+      <p:sp>
+        <p:nvSpPr>
+          <p:cNvPr id="42" name="矩形 41"/>
           <p:cNvSpPr/>
           <p:nvPr/>
         </p:nvSpPr>
         <p:spPr>
           <a:xfrm>
-            <a:off x="5020724" y="3491716"/>
-            <a:ext cx="343364" cy="369332"/>
+            <a:off x="7451364" y="3460938"/>
+            <a:ext cx="360996" cy="400110"/>
           </a:xfrm>
           <a:prstGeom prst="rect">
             <a:avLst/>
@@ -5641,23 +5502,23 @@
           <a:lstStyle/>
           <a:p>
             <a:r>
-              <a:rPr lang="en-US" altLang="zh-CN" dirty="0"/>
+              <a:rPr lang="en-US" altLang="zh-CN" sz="2000" dirty="0"/>
               <a:t>…</a:t>
             </a:r>
-            <a:endParaRPr lang="zh-CN" altLang="en-US" dirty="0"/>
-          </a:p>
-        </p:txBody>
-      </p:sp>
-      <p:sp>
-        <p:nvSpPr>
-          <p:cNvPr id="160" name="矩形 159"/>
+            <a:endParaRPr lang="zh-CN" altLang="en-US" sz="2000" dirty="0"/>
+          </a:p>
+        </p:txBody>
+      </p:sp>
+      <p:sp>
+        <p:nvSpPr>
+          <p:cNvPr id="55" name="矩形 54"/>
           <p:cNvSpPr/>
           <p:nvPr/>
         </p:nvSpPr>
         <p:spPr>
           <a:xfrm>
-            <a:off x="7396988" y="3491716"/>
-            <a:ext cx="343364" cy="369332"/>
+            <a:off x="2410804" y="2380818"/>
+            <a:ext cx="360996" cy="400110"/>
           </a:xfrm>
           <a:prstGeom prst="rect">
             <a:avLst/>
@@ -5670,13 +5531,177 @@
           <a:lstStyle/>
           <a:p>
             <a:r>
-              <a:rPr lang="en-US" altLang="zh-CN" dirty="0"/>
+              <a:rPr lang="en-US" altLang="zh-CN" sz="2000" dirty="0"/>
               <a:t>…</a:t>
             </a:r>
-            <a:endParaRPr lang="zh-CN" altLang="en-US" dirty="0"/>
-          </a:p>
-        </p:txBody>
-      </p:sp>
+            <a:endParaRPr lang="zh-CN" altLang="en-US" sz="2000" dirty="0"/>
+          </a:p>
+        </p:txBody>
+      </p:sp>
+      <p:cxnSp>
+        <p:nvCxnSpPr>
+          <p:cNvPr id="56" name="直接箭头连接符 55"/>
+          <p:cNvCxnSpPr>
+            <a:stCxn id="75" idx="0"/>
+            <a:endCxn id="24" idx="2"/>
+          </p:cNvCxnSpPr>
+          <p:nvPr/>
+        </p:nvCxnSpPr>
+        <p:spPr>
+          <a:xfrm flipH="1" flipV="1">
+            <a:off x="3239852" y="1838352"/>
+            <a:ext cx="3060340" cy="582536"/>
+          </a:xfrm>
+          <a:prstGeom prst="straightConnector1">
+            <a:avLst/>
+          </a:prstGeom>
+          <a:ln w="19050">
+            <a:solidFill>
+              <a:schemeClr val="accent6">
+                <a:lumMod val="75000"/>
+              </a:schemeClr>
+            </a:solidFill>
+            <a:tailEnd type="arrow"/>
+          </a:ln>
+        </p:spPr>
+        <p:style>
+          <a:lnRef idx="1">
+            <a:schemeClr val="accent1"/>
+          </a:lnRef>
+          <a:fillRef idx="0">
+            <a:schemeClr val="accent1"/>
+          </a:fillRef>
+          <a:effectRef idx="0">
+            <a:schemeClr val="accent1"/>
+          </a:effectRef>
+          <a:fontRef idx="minor">
+            <a:schemeClr val="tx1"/>
+          </a:fontRef>
+        </p:style>
+      </p:cxnSp>
+      <p:cxnSp>
+        <p:nvCxnSpPr>
+          <p:cNvPr id="57" name="直接箭头连接符 56"/>
+          <p:cNvCxnSpPr>
+            <a:stCxn id="49" idx="0"/>
+            <a:endCxn id="33" idx="2"/>
+          </p:cNvCxnSpPr>
+          <p:nvPr/>
+        </p:nvCxnSpPr>
+        <p:spPr>
+          <a:xfrm flipV="1">
+            <a:off x="791580" y="2852936"/>
+            <a:ext cx="0" cy="648072"/>
+          </a:xfrm>
+          <a:prstGeom prst="straightConnector1">
+            <a:avLst/>
+          </a:prstGeom>
+          <a:ln w="19050">
+            <a:solidFill>
+              <a:schemeClr val="accent6">
+                <a:lumMod val="75000"/>
+              </a:schemeClr>
+            </a:solidFill>
+            <a:tailEnd type="arrow"/>
+          </a:ln>
+        </p:spPr>
+        <p:style>
+          <a:lnRef idx="1">
+            <a:schemeClr val="accent1"/>
+          </a:lnRef>
+          <a:fillRef idx="0">
+            <a:schemeClr val="accent1"/>
+          </a:fillRef>
+          <a:effectRef idx="0">
+            <a:schemeClr val="accent1"/>
+          </a:effectRef>
+          <a:fontRef idx="minor">
+            <a:schemeClr val="tx1"/>
+          </a:fontRef>
+        </p:style>
+      </p:cxnSp>
+      <p:cxnSp>
+        <p:nvCxnSpPr>
+          <p:cNvPr id="61" name="直接箭头连接符 60"/>
+          <p:cNvCxnSpPr>
+            <a:stCxn id="59" idx="0"/>
+            <a:endCxn id="37" idx="2"/>
+          </p:cNvCxnSpPr>
+          <p:nvPr/>
+        </p:nvCxnSpPr>
+        <p:spPr>
+          <a:xfrm flipV="1">
+            <a:off x="1906633" y="2852936"/>
+            <a:ext cx="0" cy="648072"/>
+          </a:xfrm>
+          <a:prstGeom prst="straightConnector1">
+            <a:avLst/>
+          </a:prstGeom>
+          <a:ln w="19050">
+            <a:solidFill>
+              <a:schemeClr val="accent6">
+                <a:lumMod val="75000"/>
+              </a:schemeClr>
+            </a:solidFill>
+            <a:tailEnd type="arrow"/>
+          </a:ln>
+        </p:spPr>
+        <p:style>
+          <a:lnRef idx="1">
+            <a:schemeClr val="accent1"/>
+          </a:lnRef>
+          <a:fillRef idx="0">
+            <a:schemeClr val="accent1"/>
+          </a:fillRef>
+          <a:effectRef idx="0">
+            <a:schemeClr val="accent1"/>
+          </a:effectRef>
+          <a:fontRef idx="minor">
+            <a:schemeClr val="tx1"/>
+          </a:fontRef>
+        </p:style>
+      </p:cxnSp>
+      <p:cxnSp>
+        <p:nvCxnSpPr>
+          <p:cNvPr id="64" name="直接箭头连接符 63"/>
+          <p:cNvCxnSpPr>
+            <a:stCxn id="53" idx="0"/>
+            <a:endCxn id="38" idx="2"/>
+          </p:cNvCxnSpPr>
+          <p:nvPr/>
+        </p:nvCxnSpPr>
+        <p:spPr>
+          <a:xfrm flipV="1">
+            <a:off x="3239852" y="2852936"/>
+            <a:ext cx="0" cy="640209"/>
+          </a:xfrm>
+          <a:prstGeom prst="straightConnector1">
+            <a:avLst/>
+          </a:prstGeom>
+          <a:ln w="19050">
+            <a:solidFill>
+              <a:schemeClr val="accent6">
+                <a:lumMod val="75000"/>
+              </a:schemeClr>
+            </a:solidFill>
+            <a:tailEnd type="arrow"/>
+          </a:ln>
+        </p:spPr>
+        <p:style>
+          <a:lnRef idx="1">
+            <a:schemeClr val="accent1"/>
+          </a:lnRef>
+          <a:fillRef idx="0">
+            <a:schemeClr val="accent1"/>
+          </a:fillRef>
+          <a:effectRef idx="0">
+            <a:schemeClr val="accent1"/>
+          </a:effectRef>
+          <a:fontRef idx="minor">
+            <a:schemeClr val="tx1"/>
+          </a:fontRef>
+        </p:style>
+      </p:cxnSp>
     </p:spTree>
     <p:extLst>
       <p:ext uri="{BB962C8B-B14F-4D97-AF65-F5344CB8AC3E}">

--- a/permit/doc/逻辑关系.pptx
+++ b/permit/doc/逻辑关系.pptx
@@ -289,7 +289,7 @@
           <a:p>
             <a:fld id="{CCCBB0F3-F4A1-4A2B-B02E-B1B55494255D}" type="datetimeFigureOut">
               <a:rPr lang="zh-CN" altLang="en-US" smtClean="0"/>
-              <a:t>2016/5/26</a:t>
+              <a:t>2016/6/14</a:t>
             </a:fld>
             <a:endParaRPr lang="zh-CN" altLang="en-US"/>
           </a:p>
@@ -459,7 +459,7 @@
           <a:p>
             <a:fld id="{CCCBB0F3-F4A1-4A2B-B02E-B1B55494255D}" type="datetimeFigureOut">
               <a:rPr lang="zh-CN" altLang="en-US" smtClean="0"/>
-              <a:t>2016/5/26</a:t>
+              <a:t>2016/6/14</a:t>
             </a:fld>
             <a:endParaRPr lang="zh-CN" altLang="en-US"/>
           </a:p>
@@ -639,7 +639,7 @@
           <a:p>
             <a:fld id="{CCCBB0F3-F4A1-4A2B-B02E-B1B55494255D}" type="datetimeFigureOut">
               <a:rPr lang="zh-CN" altLang="en-US" smtClean="0"/>
-              <a:t>2016/5/26</a:t>
+              <a:t>2016/6/14</a:t>
             </a:fld>
             <a:endParaRPr lang="zh-CN" altLang="en-US"/>
           </a:p>
@@ -809,7 +809,7 @@
           <a:p>
             <a:fld id="{CCCBB0F3-F4A1-4A2B-B02E-B1B55494255D}" type="datetimeFigureOut">
               <a:rPr lang="zh-CN" altLang="en-US" smtClean="0"/>
-              <a:t>2016/5/26</a:t>
+              <a:t>2016/6/14</a:t>
             </a:fld>
             <a:endParaRPr lang="zh-CN" altLang="en-US"/>
           </a:p>
@@ -1055,7 +1055,7 @@
           <a:p>
             <a:fld id="{CCCBB0F3-F4A1-4A2B-B02E-B1B55494255D}" type="datetimeFigureOut">
               <a:rPr lang="zh-CN" altLang="en-US" smtClean="0"/>
-              <a:t>2016/5/26</a:t>
+              <a:t>2016/6/14</a:t>
             </a:fld>
             <a:endParaRPr lang="zh-CN" altLang="en-US"/>
           </a:p>
@@ -1343,7 +1343,7 @@
           <a:p>
             <a:fld id="{CCCBB0F3-F4A1-4A2B-B02E-B1B55494255D}" type="datetimeFigureOut">
               <a:rPr lang="zh-CN" altLang="en-US" smtClean="0"/>
-              <a:t>2016/5/26</a:t>
+              <a:t>2016/6/14</a:t>
             </a:fld>
             <a:endParaRPr lang="zh-CN" altLang="en-US"/>
           </a:p>
@@ -1765,7 +1765,7 @@
           <a:p>
             <a:fld id="{CCCBB0F3-F4A1-4A2B-B02E-B1B55494255D}" type="datetimeFigureOut">
               <a:rPr lang="zh-CN" altLang="en-US" smtClean="0"/>
-              <a:t>2016/5/26</a:t>
+              <a:t>2016/6/14</a:t>
             </a:fld>
             <a:endParaRPr lang="zh-CN" altLang="en-US"/>
           </a:p>
@@ -1883,7 +1883,7 @@
           <a:p>
             <a:fld id="{CCCBB0F3-F4A1-4A2B-B02E-B1B55494255D}" type="datetimeFigureOut">
               <a:rPr lang="zh-CN" altLang="en-US" smtClean="0"/>
-              <a:t>2016/5/26</a:t>
+              <a:t>2016/6/14</a:t>
             </a:fld>
             <a:endParaRPr lang="zh-CN" altLang="en-US"/>
           </a:p>
@@ -1978,7 +1978,7 @@
           <a:p>
             <a:fld id="{CCCBB0F3-F4A1-4A2B-B02E-B1B55494255D}" type="datetimeFigureOut">
               <a:rPr lang="zh-CN" altLang="en-US" smtClean="0"/>
-              <a:t>2016/5/26</a:t>
+              <a:t>2016/6/14</a:t>
             </a:fld>
             <a:endParaRPr lang="zh-CN" altLang="en-US"/>
           </a:p>
@@ -2255,7 +2255,7 @@
           <a:p>
             <a:fld id="{CCCBB0F3-F4A1-4A2B-B02E-B1B55494255D}" type="datetimeFigureOut">
               <a:rPr lang="zh-CN" altLang="en-US" smtClean="0"/>
-              <a:t>2016/5/26</a:t>
+              <a:t>2016/6/14</a:t>
             </a:fld>
             <a:endParaRPr lang="zh-CN" altLang="en-US"/>
           </a:p>
@@ -2508,7 +2508,7 @@
           <a:p>
             <a:fld id="{CCCBB0F3-F4A1-4A2B-B02E-B1B55494255D}" type="datetimeFigureOut">
               <a:rPr lang="zh-CN" altLang="en-US" smtClean="0"/>
-              <a:t>2016/5/26</a:t>
+              <a:t>2016/6/14</a:t>
             </a:fld>
             <a:endParaRPr lang="zh-CN" altLang="en-US"/>
           </a:p>
@@ -2721,7 +2721,7 @@
           <a:p>
             <a:fld id="{CCCBB0F3-F4A1-4A2B-B02E-B1B55494255D}" type="datetimeFigureOut">
               <a:rPr lang="zh-CN" altLang="en-US" smtClean="0"/>
-              <a:t>2016/5/26</a:t>
+              <a:t>2016/6/14</a:t>
             </a:fld>
             <a:endParaRPr lang="zh-CN" altLang="en-US"/>
           </a:p>
@@ -5702,6 +5702,167 @@
           </a:fontRef>
         </p:style>
       </p:cxnSp>
+      <p:sp>
+        <p:nvSpPr>
+          <p:cNvPr id="2" name="矩形 1"/>
+          <p:cNvSpPr/>
+          <p:nvPr/>
+        </p:nvSpPr>
+        <p:spPr>
+          <a:xfrm>
+            <a:off x="6796697" y="476672"/>
+            <a:ext cx="1415772" cy="276999"/>
+          </a:xfrm>
+          <a:prstGeom prst="rect">
+            <a:avLst/>
+          </a:prstGeom>
+        </p:spPr>
+        <p:txBody>
+          <a:bodyPr wrap="none">
+            <a:spAutoFit/>
+          </a:bodyPr>
+          <a:lstStyle/>
+          <a:p>
+            <a:r>
+              <a:rPr lang="zh-CN" altLang="en-US" sz="1200" dirty="0" smtClean="0">
+                <a:solidFill>
+                  <a:schemeClr val="accent6">
+                    <a:lumMod val="75000"/>
+                  </a:schemeClr>
+                </a:solidFill>
+                <a:latin typeface="微软雅黑" panose="020B0503020204020204" pitchFamily="34" charset="-122"/>
+                <a:ea typeface="微软雅黑" panose="020B0503020204020204" pitchFamily="34" charset="-122"/>
+              </a:rPr>
+              <a:t>表示一对一的关系</a:t>
+            </a:r>
+            <a:endParaRPr lang="zh-CN" altLang="en-US" sz="1200" dirty="0">
+              <a:solidFill>
+                <a:schemeClr val="accent6">
+                  <a:lumMod val="75000"/>
+                </a:schemeClr>
+              </a:solidFill>
+              <a:latin typeface="微软雅黑" panose="020B0503020204020204" pitchFamily="34" charset="-122"/>
+              <a:ea typeface="微软雅黑" panose="020B0503020204020204" pitchFamily="34" charset="-122"/>
+            </a:endParaRPr>
+          </a:p>
+        </p:txBody>
+      </p:sp>
+      <p:cxnSp>
+        <p:nvCxnSpPr>
+          <p:cNvPr id="31" name="直接箭头连接符 30"/>
+          <p:cNvCxnSpPr/>
+          <p:nvPr/>
+        </p:nvCxnSpPr>
+        <p:spPr>
+          <a:xfrm flipV="1">
+            <a:off x="6689872" y="404664"/>
+            <a:ext cx="0" cy="320103"/>
+          </a:xfrm>
+          <a:prstGeom prst="straightConnector1">
+            <a:avLst/>
+          </a:prstGeom>
+          <a:ln w="19050">
+            <a:solidFill>
+              <a:schemeClr val="accent6">
+                <a:lumMod val="75000"/>
+              </a:schemeClr>
+            </a:solidFill>
+            <a:tailEnd type="arrow"/>
+          </a:ln>
+        </p:spPr>
+        <p:style>
+          <a:lnRef idx="1">
+            <a:schemeClr val="accent1"/>
+          </a:lnRef>
+          <a:fillRef idx="0">
+            <a:schemeClr val="accent1"/>
+          </a:fillRef>
+          <a:effectRef idx="0">
+            <a:schemeClr val="accent1"/>
+          </a:effectRef>
+          <a:fontRef idx="minor">
+            <a:schemeClr val="tx1"/>
+          </a:fontRef>
+        </p:style>
+      </p:cxnSp>
+      <p:cxnSp>
+        <p:nvCxnSpPr>
+          <p:cNvPr id="34" name="直接箭头连接符 33"/>
+          <p:cNvCxnSpPr/>
+          <p:nvPr/>
+        </p:nvCxnSpPr>
+        <p:spPr>
+          <a:xfrm flipV="1">
+            <a:off x="6679806" y="1046264"/>
+            <a:ext cx="0" cy="366512"/>
+          </a:xfrm>
+          <a:prstGeom prst="straightConnector1">
+            <a:avLst/>
+          </a:prstGeom>
+          <a:ln>
+            <a:tailEnd type="arrow"/>
+          </a:ln>
+        </p:spPr>
+        <p:style>
+          <a:lnRef idx="1">
+            <a:schemeClr val="accent1"/>
+          </a:lnRef>
+          <a:fillRef idx="0">
+            <a:schemeClr val="accent1"/>
+          </a:fillRef>
+          <a:effectRef idx="0">
+            <a:schemeClr val="accent1"/>
+          </a:effectRef>
+          <a:fontRef idx="minor">
+            <a:schemeClr val="tx1"/>
+          </a:fontRef>
+        </p:style>
+      </p:cxnSp>
+      <p:sp>
+        <p:nvSpPr>
+          <p:cNvPr id="41" name="矩形 40"/>
+          <p:cNvSpPr/>
+          <p:nvPr/>
+        </p:nvSpPr>
+        <p:spPr>
+          <a:xfrm>
+            <a:off x="6796697" y="1091021"/>
+            <a:ext cx="1415772" cy="276999"/>
+          </a:xfrm>
+          <a:prstGeom prst="rect">
+            <a:avLst/>
+          </a:prstGeom>
+        </p:spPr>
+        <p:txBody>
+          <a:bodyPr wrap="none">
+            <a:spAutoFit/>
+          </a:bodyPr>
+          <a:lstStyle/>
+          <a:p>
+            <a:r>
+              <a:rPr lang="zh-CN" altLang="en-US" sz="1200" dirty="0" smtClean="0">
+                <a:solidFill>
+                  <a:schemeClr val="accent1">
+                    <a:lumMod val="75000"/>
+                  </a:schemeClr>
+                </a:solidFill>
+                <a:latin typeface="微软雅黑" panose="020B0503020204020204" pitchFamily="34" charset="-122"/>
+                <a:ea typeface="微软雅黑" panose="020B0503020204020204" pitchFamily="34" charset="-122"/>
+              </a:rPr>
+              <a:t>表示多对一的关系</a:t>
+            </a:r>
+            <a:endParaRPr lang="zh-CN" altLang="en-US" sz="1200" dirty="0">
+              <a:solidFill>
+                <a:schemeClr val="accent1">
+                  <a:lumMod val="75000"/>
+                </a:schemeClr>
+              </a:solidFill>
+              <a:latin typeface="微软雅黑" panose="020B0503020204020204" pitchFamily="34" charset="-122"/>
+              <a:ea typeface="微软雅黑" panose="020B0503020204020204" pitchFamily="34" charset="-122"/>
+            </a:endParaRPr>
+          </a:p>
+        </p:txBody>
+      </p:sp>
     </p:spTree>
     <p:extLst>
       <p:ext uri="{BB962C8B-B14F-4D97-AF65-F5344CB8AC3E}">

--- a/permit/doc/逻辑关系.pptx
+++ b/permit/doc/逻辑关系.pptx
@@ -5,8 +5,7 @@
     <p:sldMasterId id="2147483648" r:id="rId1"/>
   </p:sldMasterIdLst>
   <p:sldIdLst>
-    <p:sldId id="258" r:id="rId2"/>
-    <p:sldId id="259" r:id="rId3"/>
+    <p:sldId id="259" r:id="rId2"/>
   </p:sldIdLst>
   <p:sldSz cx="9144000" cy="6858000" type="screen4x3"/>
   <p:notesSz cx="6858000" cy="9144000"/>
@@ -289,7 +288,7 @@
           <a:p>
             <a:fld id="{CCCBB0F3-F4A1-4A2B-B02E-B1B55494255D}" type="datetimeFigureOut">
               <a:rPr lang="zh-CN" altLang="en-US" smtClean="0"/>
-              <a:t>2016/6/14</a:t>
+              <a:t>2016/8/11</a:t>
             </a:fld>
             <a:endParaRPr lang="zh-CN" altLang="en-US"/>
           </a:p>
@@ -459,7 +458,7 @@
           <a:p>
             <a:fld id="{CCCBB0F3-F4A1-4A2B-B02E-B1B55494255D}" type="datetimeFigureOut">
               <a:rPr lang="zh-CN" altLang="en-US" smtClean="0"/>
-              <a:t>2016/6/14</a:t>
+              <a:t>2016/8/11</a:t>
             </a:fld>
             <a:endParaRPr lang="zh-CN" altLang="en-US"/>
           </a:p>
@@ -639,7 +638,7 @@
           <a:p>
             <a:fld id="{CCCBB0F3-F4A1-4A2B-B02E-B1B55494255D}" type="datetimeFigureOut">
               <a:rPr lang="zh-CN" altLang="en-US" smtClean="0"/>
-              <a:t>2016/6/14</a:t>
+              <a:t>2016/8/11</a:t>
             </a:fld>
             <a:endParaRPr lang="zh-CN" altLang="en-US"/>
           </a:p>
@@ -809,7 +808,7 @@
           <a:p>
             <a:fld id="{CCCBB0F3-F4A1-4A2B-B02E-B1B55494255D}" type="datetimeFigureOut">
               <a:rPr lang="zh-CN" altLang="en-US" smtClean="0"/>
-              <a:t>2016/6/14</a:t>
+              <a:t>2016/8/11</a:t>
             </a:fld>
             <a:endParaRPr lang="zh-CN" altLang="en-US"/>
           </a:p>
@@ -1055,7 +1054,7 @@
           <a:p>
             <a:fld id="{CCCBB0F3-F4A1-4A2B-B02E-B1B55494255D}" type="datetimeFigureOut">
               <a:rPr lang="zh-CN" altLang="en-US" smtClean="0"/>
-              <a:t>2016/6/14</a:t>
+              <a:t>2016/8/11</a:t>
             </a:fld>
             <a:endParaRPr lang="zh-CN" altLang="en-US"/>
           </a:p>
@@ -1343,7 +1342,7 @@
           <a:p>
             <a:fld id="{CCCBB0F3-F4A1-4A2B-B02E-B1B55494255D}" type="datetimeFigureOut">
               <a:rPr lang="zh-CN" altLang="en-US" smtClean="0"/>
-              <a:t>2016/6/14</a:t>
+              <a:t>2016/8/11</a:t>
             </a:fld>
             <a:endParaRPr lang="zh-CN" altLang="en-US"/>
           </a:p>
@@ -1765,7 +1764,7 @@
           <a:p>
             <a:fld id="{CCCBB0F3-F4A1-4A2B-B02E-B1B55494255D}" type="datetimeFigureOut">
               <a:rPr lang="zh-CN" altLang="en-US" smtClean="0"/>
-              <a:t>2016/6/14</a:t>
+              <a:t>2016/8/11</a:t>
             </a:fld>
             <a:endParaRPr lang="zh-CN" altLang="en-US"/>
           </a:p>
@@ -1883,7 +1882,7 @@
           <a:p>
             <a:fld id="{CCCBB0F3-F4A1-4A2B-B02E-B1B55494255D}" type="datetimeFigureOut">
               <a:rPr lang="zh-CN" altLang="en-US" smtClean="0"/>
-              <a:t>2016/6/14</a:t>
+              <a:t>2016/8/11</a:t>
             </a:fld>
             <a:endParaRPr lang="zh-CN" altLang="en-US"/>
           </a:p>
@@ -1978,7 +1977,7 @@
           <a:p>
             <a:fld id="{CCCBB0F3-F4A1-4A2B-B02E-B1B55494255D}" type="datetimeFigureOut">
               <a:rPr lang="zh-CN" altLang="en-US" smtClean="0"/>
-              <a:t>2016/6/14</a:t>
+              <a:t>2016/8/11</a:t>
             </a:fld>
             <a:endParaRPr lang="zh-CN" altLang="en-US"/>
           </a:p>
@@ -2255,7 +2254,7 @@
           <a:p>
             <a:fld id="{CCCBB0F3-F4A1-4A2B-B02E-B1B55494255D}" type="datetimeFigureOut">
               <a:rPr lang="zh-CN" altLang="en-US" smtClean="0"/>
-              <a:t>2016/6/14</a:t>
+              <a:t>2016/8/11</a:t>
             </a:fld>
             <a:endParaRPr lang="zh-CN" altLang="en-US"/>
           </a:p>
@@ -2508,7 +2507,7 @@
           <a:p>
             <a:fld id="{CCCBB0F3-F4A1-4A2B-B02E-B1B55494255D}" type="datetimeFigureOut">
               <a:rPr lang="zh-CN" altLang="en-US" smtClean="0"/>
-              <a:t>2016/6/14</a:t>
+              <a:t>2016/8/11</a:t>
             </a:fld>
             <a:endParaRPr lang="zh-CN" altLang="en-US"/>
           </a:p>
@@ -2721,7 +2720,7 @@
           <a:p>
             <a:fld id="{CCCBB0F3-F4A1-4A2B-B02E-B1B55494255D}" type="datetimeFigureOut">
               <a:rPr lang="zh-CN" altLang="en-US" smtClean="0"/>
-              <a:t>2016/6/14</a:t>
+              <a:t>2016/8/11</a:t>
             </a:fld>
             <a:endParaRPr lang="zh-CN" altLang="en-US"/>
           </a:p>
@@ -3104,7 +3103,7 @@
         </p:nvSpPr>
         <p:spPr>
           <a:xfrm>
-            <a:off x="1977571" y="476672"/>
+            <a:off x="2555776" y="425443"/>
             <a:ext cx="1368152" cy="432048"/>
           </a:xfrm>
           <a:prstGeom prst="roundRect">
@@ -3160,7 +3159,7 @@
         </p:nvSpPr>
         <p:spPr>
           <a:xfrm>
-            <a:off x="1977571" y="1406304"/>
+            <a:off x="2555776" y="1406304"/>
             <a:ext cx="1368152" cy="432048"/>
           </a:xfrm>
           <a:prstGeom prst="roundRect">
@@ -3221,13 +3220,18 @@
         </p:nvCxnSpPr>
         <p:spPr>
           <a:xfrm flipV="1">
-            <a:off x="2661647" y="908720"/>
-            <a:ext cx="0" cy="497584"/>
+            <a:off x="3239852" y="857491"/>
+            <a:ext cx="0" cy="548813"/>
           </a:xfrm>
           <a:prstGeom prst="straightConnector1">
             <a:avLst/>
           </a:prstGeom>
-          <a:ln>
+          <a:ln w="19050">
+            <a:solidFill>
+              <a:schemeClr val="accent6">
+                <a:lumMod val="75000"/>
+              </a:schemeClr>
+            </a:solidFill>
             <a:tailEnd type="arrow"/>
           </a:ln>
         </p:spPr>
@@ -3254,8 +3258,8 @@
         </p:nvSpPr>
         <p:spPr>
           <a:xfrm>
-            <a:off x="899592" y="2420888"/>
-            <a:ext cx="1080120" cy="432048"/>
+            <a:off x="323528" y="2420888"/>
+            <a:ext cx="936104" cy="432048"/>
           </a:xfrm>
           <a:prstGeom prst="roundRect">
             <a:avLst/>
@@ -3313,8 +3317,8 @@
         </p:nvSpPr>
         <p:spPr>
           <a:xfrm>
-            <a:off x="2121587" y="2420888"/>
-            <a:ext cx="1080120" cy="432048"/>
+            <a:off x="1401506" y="2420888"/>
+            <a:ext cx="1010253" cy="432048"/>
           </a:xfrm>
           <a:prstGeom prst="roundRect">
             <a:avLst/>
@@ -3372,8 +3376,8 @@
         </p:nvSpPr>
         <p:spPr>
           <a:xfrm>
-            <a:off x="3957791" y="2420888"/>
-            <a:ext cx="1404156" cy="432048"/>
+            <a:off x="2771800" y="2420888"/>
+            <a:ext cx="936104" cy="432048"/>
           </a:xfrm>
           <a:prstGeom prst="roundRect">
             <a:avLst/>
@@ -3434,8 +3438,8 @@
         </p:nvCxnSpPr>
         <p:spPr>
           <a:xfrm flipV="1">
-            <a:off x="1439652" y="1838352"/>
-            <a:ext cx="1221995" cy="582536"/>
+            <a:off x="791580" y="1838352"/>
+            <a:ext cx="2448272" cy="582536"/>
           </a:xfrm>
           <a:prstGeom prst="straightConnector1">
             <a:avLst/>
@@ -3470,8 +3474,8 @@
         </p:nvCxnSpPr>
         <p:spPr>
           <a:xfrm flipV="1">
-            <a:off x="2661647" y="1838352"/>
-            <a:ext cx="0" cy="582536"/>
+            <a:off x="1906633" y="1838352"/>
+            <a:ext cx="1333219" cy="582536"/>
           </a:xfrm>
           <a:prstGeom prst="straightConnector1">
             <a:avLst/>
@@ -3505,9 +3509,9 @@
           <p:nvPr/>
         </p:nvCxnSpPr>
         <p:spPr>
-          <a:xfrm flipH="1" flipV="1">
-            <a:off x="2661647" y="1838352"/>
-            <a:ext cx="1998222" cy="582536"/>
+          <a:xfrm flipV="1">
+            <a:off x="3239852" y="1838352"/>
+            <a:ext cx="0" cy="582536"/>
           </a:xfrm>
           <a:prstGeom prst="straightConnector1">
             <a:avLst/>
@@ -3539,8 +3543,8 @@
         </p:nvSpPr>
         <p:spPr>
           <a:xfrm>
-            <a:off x="899592" y="3501008"/>
-            <a:ext cx="1080120" cy="432048"/>
+            <a:off x="323528" y="3501008"/>
+            <a:ext cx="936104" cy="432048"/>
           </a:xfrm>
           <a:prstGeom prst="roundRect">
             <a:avLst/>
@@ -3589,42 +3593,6 @@
           </a:p>
         </p:txBody>
       </p:sp>
-      <p:cxnSp>
-        <p:nvCxnSpPr>
-          <p:cNvPr id="50" name="直接箭头连接符 49"/>
-          <p:cNvCxnSpPr>
-            <a:stCxn id="49" idx="0"/>
-            <a:endCxn id="33" idx="2"/>
-          </p:cNvCxnSpPr>
-          <p:nvPr/>
-        </p:nvCxnSpPr>
-        <p:spPr>
-          <a:xfrm flipV="1">
-            <a:off x="1439652" y="2852936"/>
-            <a:ext cx="0" cy="648072"/>
-          </a:xfrm>
-          <a:prstGeom prst="straightConnector1">
-            <a:avLst/>
-          </a:prstGeom>
-          <a:ln>
-            <a:tailEnd type="arrow"/>
-          </a:ln>
-        </p:spPr>
-        <p:style>
-          <a:lnRef idx="1">
-            <a:schemeClr val="accent1"/>
-          </a:lnRef>
-          <a:fillRef idx="0">
-            <a:schemeClr val="accent1"/>
-          </a:fillRef>
-          <a:effectRef idx="0">
-            <a:schemeClr val="accent1"/>
-          </a:effectRef>
-          <a:fontRef idx="minor">
-            <a:schemeClr val="tx1"/>
-          </a:fontRef>
-        </p:style>
-      </p:cxnSp>
       <p:sp>
         <p:nvSpPr>
           <p:cNvPr id="53" name="圆角矩形 52"/>
@@ -3633,8 +3601,8 @@
         </p:nvSpPr>
         <p:spPr>
           <a:xfrm>
-            <a:off x="3425892" y="3501008"/>
-            <a:ext cx="1080120" cy="432048"/>
+            <a:off x="2755303" y="3493145"/>
+            <a:ext cx="969098" cy="432048"/>
           </a:xfrm>
           <a:prstGeom prst="roundRect">
             <a:avLst/>
@@ -3683,42 +3651,6 @@
           </a:p>
         </p:txBody>
       </p:sp>
-      <p:cxnSp>
-        <p:nvCxnSpPr>
-          <p:cNvPr id="54" name="直接箭头连接符 53"/>
-          <p:cNvCxnSpPr>
-            <a:stCxn id="53" idx="0"/>
-            <a:endCxn id="38" idx="2"/>
-          </p:cNvCxnSpPr>
-          <p:nvPr/>
-        </p:nvCxnSpPr>
-        <p:spPr>
-          <a:xfrm flipV="1">
-            <a:off x="3965952" y="2852936"/>
-            <a:ext cx="693917" cy="648072"/>
-          </a:xfrm>
-          <a:prstGeom prst="straightConnector1">
-            <a:avLst/>
-          </a:prstGeom>
-          <a:ln>
-            <a:tailEnd type="arrow"/>
-          </a:ln>
-        </p:spPr>
-        <p:style>
-          <a:lnRef idx="1">
-            <a:schemeClr val="accent1"/>
-          </a:lnRef>
-          <a:fillRef idx="0">
-            <a:schemeClr val="accent1"/>
-          </a:fillRef>
-          <a:effectRef idx="0">
-            <a:schemeClr val="accent1"/>
-          </a:effectRef>
-          <a:fontRef idx="minor">
-            <a:schemeClr val="tx1"/>
-          </a:fontRef>
-        </p:style>
-      </p:cxnSp>
       <p:sp>
         <p:nvSpPr>
           <p:cNvPr id="59" name="圆角矩形 58"/>
@@ -3727,8 +3659,8 @@
         </p:nvSpPr>
         <p:spPr>
           <a:xfrm>
-            <a:off x="2121587" y="3501008"/>
-            <a:ext cx="1080120" cy="432048"/>
+            <a:off x="1401507" y="3501008"/>
+            <a:ext cx="1010252" cy="432048"/>
           </a:xfrm>
           <a:prstGeom prst="roundRect">
             <a:avLst/>
@@ -3777,42 +3709,6 @@
           </a:p>
         </p:txBody>
       </p:sp>
-      <p:cxnSp>
-        <p:nvCxnSpPr>
-          <p:cNvPr id="60" name="直接箭头连接符 59"/>
-          <p:cNvCxnSpPr>
-            <a:stCxn id="59" idx="0"/>
-            <a:endCxn id="37" idx="2"/>
-          </p:cNvCxnSpPr>
-          <p:nvPr/>
-        </p:nvCxnSpPr>
-        <p:spPr>
-          <a:xfrm flipV="1">
-            <a:off x="2661647" y="2852936"/>
-            <a:ext cx="0" cy="648072"/>
-          </a:xfrm>
-          <a:prstGeom prst="straightConnector1">
-            <a:avLst/>
-          </a:prstGeom>
-          <a:ln>
-            <a:tailEnd type="arrow"/>
-          </a:ln>
-        </p:spPr>
-        <p:style>
-          <a:lnRef idx="1">
-            <a:schemeClr val="accent1"/>
-          </a:lnRef>
-          <a:fillRef idx="0">
-            <a:schemeClr val="accent1"/>
-          </a:fillRef>
-          <a:effectRef idx="0">
-            <a:schemeClr val="accent1"/>
-          </a:effectRef>
-          <a:fontRef idx="minor">
-            <a:schemeClr val="tx1"/>
-          </a:fontRef>
-        </p:style>
-      </p:cxnSp>
       <p:sp>
         <p:nvSpPr>
           <p:cNvPr id="75" name="圆角矩形 74"/>
@@ -3821,7 +3717,7 @@
         </p:nvSpPr>
         <p:spPr>
           <a:xfrm>
-            <a:off x="5174344" y="3501008"/>
+            <a:off x="5616116" y="2420888"/>
             <a:ext cx="1368152" cy="432048"/>
           </a:xfrm>
           <a:prstGeom prst="roundRect">
@@ -3869,42 +3765,6 @@
           </a:p>
         </p:txBody>
       </p:sp>
-      <p:cxnSp>
-        <p:nvCxnSpPr>
-          <p:cNvPr id="76" name="直接箭头连接符 75"/>
-          <p:cNvCxnSpPr>
-            <a:stCxn id="75" idx="0"/>
-            <a:endCxn id="38" idx="2"/>
-          </p:cNvCxnSpPr>
-          <p:nvPr/>
-        </p:nvCxnSpPr>
-        <p:spPr>
-          <a:xfrm flipH="1" flipV="1">
-            <a:off x="4659869" y="2852936"/>
-            <a:ext cx="1198551" cy="648072"/>
-          </a:xfrm>
-          <a:prstGeom prst="straightConnector1">
-            <a:avLst/>
-          </a:prstGeom>
-          <a:ln>
-            <a:tailEnd type="arrow"/>
-          </a:ln>
-        </p:spPr>
-        <p:style>
-          <a:lnRef idx="1">
-            <a:schemeClr val="accent1"/>
-          </a:lnRef>
-          <a:fillRef idx="0">
-            <a:schemeClr val="accent1"/>
-          </a:fillRef>
-          <a:effectRef idx="0">
-            <a:schemeClr val="accent1"/>
-          </a:effectRef>
-          <a:fontRef idx="minor">
-            <a:schemeClr val="tx1"/>
-          </a:fontRef>
-        </p:style>
-      </p:cxnSp>
       <p:sp>
         <p:nvSpPr>
           <p:cNvPr id="81" name="圆角矩形 80"/>
@@ -3913,8 +3773,8 @@
         </p:nvSpPr>
         <p:spPr>
           <a:xfrm>
-            <a:off x="3148836" y="4581128"/>
-            <a:ext cx="1080120" cy="432048"/>
+            <a:off x="4211960" y="3501008"/>
+            <a:ext cx="936104" cy="432048"/>
           </a:xfrm>
           <a:prstGeom prst="roundRect">
             <a:avLst/>
@@ -3974,8 +3834,8 @@
         </p:nvCxnSpPr>
         <p:spPr>
           <a:xfrm flipV="1">
-            <a:off x="3688896" y="3933056"/>
-            <a:ext cx="2169524" cy="648072"/>
+            <a:off x="4680012" y="2852936"/>
+            <a:ext cx="1620180" cy="648072"/>
           </a:xfrm>
           <a:prstGeom prst="straightConnector1">
             <a:avLst/>
@@ -4007,8 +3867,8 @@
         </p:nvSpPr>
         <p:spPr>
           <a:xfrm>
-            <a:off x="4516988" y="4581128"/>
-            <a:ext cx="1080120" cy="432048"/>
+            <a:off x="5436096" y="3501008"/>
+            <a:ext cx="936104" cy="432048"/>
           </a:xfrm>
           <a:prstGeom prst="roundRect">
             <a:avLst/>
@@ -4068,8 +3928,8 @@
         </p:nvCxnSpPr>
         <p:spPr>
           <a:xfrm flipV="1">
-            <a:off x="5057048" y="3933056"/>
-            <a:ext cx="801372" cy="648072"/>
+            <a:off x="5904148" y="2852936"/>
+            <a:ext cx="396044" cy="648072"/>
           </a:xfrm>
           <a:prstGeom prst="straightConnector1">
             <a:avLst/>
@@ -4101,8 +3961,8 @@
         </p:nvSpPr>
         <p:spPr>
           <a:xfrm>
-            <a:off x="6029156" y="4581128"/>
-            <a:ext cx="1080120" cy="432048"/>
+            <a:off x="6691126" y="3501008"/>
+            <a:ext cx="792088" cy="432048"/>
           </a:xfrm>
           <a:prstGeom prst="roundRect">
             <a:avLst/>
@@ -4162,8 +4022,8 @@
         </p:nvCxnSpPr>
         <p:spPr>
           <a:xfrm flipH="1" flipV="1">
-            <a:off x="5858420" y="3933056"/>
-            <a:ext cx="710796" cy="648072"/>
+            <a:off x="6300192" y="2852936"/>
+            <a:ext cx="786978" cy="648072"/>
           </a:xfrm>
           <a:prstGeom prst="straightConnector1">
             <a:avLst/>
@@ -4195,8 +4055,8 @@
         </p:nvSpPr>
         <p:spPr>
           <a:xfrm>
-            <a:off x="7397308" y="4581128"/>
-            <a:ext cx="1080120" cy="432048"/>
+            <a:off x="7740352" y="3501008"/>
+            <a:ext cx="792088" cy="432048"/>
           </a:xfrm>
           <a:prstGeom prst="roundRect">
             <a:avLst/>
@@ -4256,8 +4116,8 @@
         </p:nvCxnSpPr>
         <p:spPr>
           <a:xfrm flipH="1" flipV="1">
-            <a:off x="5858420" y="3933056"/>
-            <a:ext cx="2078948" cy="648072"/>
+            <a:off x="6300192" y="2852936"/>
+            <a:ext cx="1836204" cy="648072"/>
           </a:xfrm>
           <a:prstGeom prst="straightConnector1">
             <a:avLst/>
@@ -4283,14 +4143,14 @@
       </p:cxnSp>
       <p:sp>
         <p:nvSpPr>
-          <p:cNvPr id="158" name="矩形 157"/>
+          <p:cNvPr id="159" name="矩形 158"/>
           <p:cNvSpPr/>
           <p:nvPr/>
         </p:nvSpPr>
         <p:spPr>
           <a:xfrm>
-            <a:off x="3367959" y="2413531"/>
-            <a:ext cx="343364" cy="369332"/>
+            <a:off x="5110366" y="3488994"/>
+            <a:ext cx="325730" cy="338554"/>
           </a:xfrm>
           <a:prstGeom prst="rect">
             <a:avLst/>
@@ -4303,1238 +4163,10 @@
           <a:lstStyle/>
           <a:p>
             <a:r>
-              <a:rPr lang="en-US" altLang="zh-CN" dirty="0"/>
+              <a:rPr lang="en-US" altLang="zh-CN" sz="1600" dirty="0"/>
               <a:t>…</a:t>
             </a:r>
-            <a:endParaRPr lang="zh-CN" altLang="en-US" dirty="0"/>
-          </a:p>
-        </p:txBody>
-      </p:sp>
-      <p:sp>
-        <p:nvSpPr>
-          <p:cNvPr id="159" name="矩形 158"/>
-          <p:cNvSpPr/>
-          <p:nvPr/>
-        </p:nvSpPr>
-        <p:spPr>
-          <a:xfrm>
-            <a:off x="4196111" y="4571836"/>
-            <a:ext cx="343364" cy="369332"/>
-          </a:xfrm>
-          <a:prstGeom prst="rect">
-            <a:avLst/>
-          </a:prstGeom>
-        </p:spPr>
-        <p:txBody>
-          <a:bodyPr wrap="none">
-            <a:spAutoFit/>
-          </a:bodyPr>
-          <a:lstStyle/>
-          <a:p>
-            <a:r>
-              <a:rPr lang="en-US" altLang="zh-CN" dirty="0"/>
-              <a:t>…</a:t>
-            </a:r>
-            <a:endParaRPr lang="zh-CN" altLang="en-US" dirty="0"/>
-          </a:p>
-        </p:txBody>
-      </p:sp>
-      <p:sp>
-        <p:nvSpPr>
-          <p:cNvPr id="160" name="矩形 159"/>
-          <p:cNvSpPr/>
-          <p:nvPr/>
-        </p:nvSpPr>
-        <p:spPr>
-          <a:xfrm>
-            <a:off x="7053944" y="4571836"/>
-            <a:ext cx="343364" cy="369332"/>
-          </a:xfrm>
-          <a:prstGeom prst="rect">
-            <a:avLst/>
-          </a:prstGeom>
-        </p:spPr>
-        <p:txBody>
-          <a:bodyPr wrap="none">
-            <a:spAutoFit/>
-          </a:bodyPr>
-          <a:lstStyle/>
-          <a:p>
-            <a:r>
-              <a:rPr lang="en-US" altLang="zh-CN" dirty="0"/>
-              <a:t>…</a:t>
-            </a:r>
-            <a:endParaRPr lang="zh-CN" altLang="en-US" dirty="0"/>
-          </a:p>
-        </p:txBody>
-      </p:sp>
-    </p:spTree>
-    <p:extLst>
-      <p:ext uri="{BB962C8B-B14F-4D97-AF65-F5344CB8AC3E}">
-        <p14:creationId xmlns:p14="http://schemas.microsoft.com/office/powerpoint/2010/main" val="401378056"/>
-      </p:ext>
-    </p:extLst>
-  </p:cSld>
-  <p:clrMapOvr>
-    <a:masterClrMapping/>
-  </p:clrMapOvr>
-  <p:timing>
-    <p:tnLst>
-      <p:par>
-        <p:cTn id="1" dur="indefinite" restart="never" nodeType="tmRoot"/>
-      </p:par>
-    </p:tnLst>
-  </p:timing>
-</p:sld>
-</file>
-
-<file path=ppt/slides/slide2.xml><?xml version="1.0" encoding="utf-8"?>
-<p:sld xmlns:a="http://schemas.openxmlformats.org/drawingml/2006/main" xmlns:r="http://schemas.openxmlformats.org/officeDocument/2006/relationships" xmlns:p="http://schemas.openxmlformats.org/presentationml/2006/main">
-  <p:cSld>
-    <p:spTree>
-      <p:nvGrpSpPr>
-        <p:cNvPr id="1" name=""/>
-        <p:cNvGrpSpPr/>
-        <p:nvPr/>
-      </p:nvGrpSpPr>
-      <p:grpSpPr>
-        <a:xfrm>
-          <a:off x="0" y="0"/>
-          <a:ext cx="0" cy="0"/>
-          <a:chOff x="0" y="0"/>
-          <a:chExt cx="0" cy="0"/>
-        </a:xfrm>
-      </p:grpSpPr>
-      <p:sp>
-        <p:nvSpPr>
-          <p:cNvPr id="6" name="圆角矩形 5"/>
-          <p:cNvSpPr/>
-          <p:nvPr/>
-        </p:nvSpPr>
-        <p:spPr>
-          <a:xfrm>
-            <a:off x="2555776" y="425443"/>
-            <a:ext cx="1368152" cy="432048"/>
-          </a:xfrm>
-          <a:prstGeom prst="roundRect">
-            <a:avLst/>
-          </a:prstGeom>
-          <a:solidFill>
-            <a:schemeClr val="accent4"/>
-          </a:solidFill>
-          <a:ln w="3175">
-            <a:noFill/>
-          </a:ln>
-        </p:spPr>
-        <p:style>
-          <a:lnRef idx="2">
-            <a:schemeClr val="accent3">
-              <a:shade val="50000"/>
-            </a:schemeClr>
-          </a:lnRef>
-          <a:fillRef idx="1">
-            <a:schemeClr val="accent3"/>
-          </a:fillRef>
-          <a:effectRef idx="0">
-            <a:schemeClr val="accent3"/>
-          </a:effectRef>
-          <a:fontRef idx="minor">
-            <a:schemeClr val="lt1"/>
-          </a:fontRef>
-        </p:style>
-        <p:txBody>
-          <a:bodyPr rtlCol="0" anchor="ctr"/>
-          <a:lstStyle/>
-          <a:p>
-            <a:pPr algn="ctr"/>
-            <a:r>
-              <a:rPr lang="zh-CN" altLang="en-US" sz="1100" dirty="0" smtClean="0">
-                <a:latin typeface="微软雅黑" panose="020B0503020204020204" pitchFamily="34" charset="-122"/>
-                <a:ea typeface="微软雅黑" panose="020B0503020204020204" pitchFamily="34" charset="-122"/>
-              </a:rPr>
-              <a:t>土地出让记录</a:t>
-            </a:r>
-            <a:endParaRPr lang="zh-CN" altLang="en-US" sz="1100" dirty="0">
-              <a:latin typeface="微软雅黑" panose="020B0503020204020204" pitchFamily="34" charset="-122"/>
-              <a:ea typeface="微软雅黑" panose="020B0503020204020204" pitchFamily="34" charset="-122"/>
-            </a:endParaRPr>
-          </a:p>
-        </p:txBody>
-      </p:sp>
-      <p:sp>
-        <p:nvSpPr>
-          <p:cNvPr id="24" name="圆角矩形 23"/>
-          <p:cNvSpPr/>
-          <p:nvPr/>
-        </p:nvSpPr>
-        <p:spPr>
-          <a:xfrm>
-            <a:off x="2555776" y="1406304"/>
-            <a:ext cx="1368152" cy="432048"/>
-          </a:xfrm>
-          <a:prstGeom prst="roundRect">
-            <a:avLst/>
-          </a:prstGeom>
-          <a:solidFill>
-            <a:schemeClr val="accent1">
-              <a:lumMod val="75000"/>
-            </a:schemeClr>
-          </a:solidFill>
-          <a:ln w="3175">
-            <a:noFill/>
-          </a:ln>
-        </p:spPr>
-        <p:style>
-          <a:lnRef idx="2">
-            <a:schemeClr val="accent3">
-              <a:shade val="50000"/>
-            </a:schemeClr>
-          </a:lnRef>
-          <a:fillRef idx="1">
-            <a:schemeClr val="accent3"/>
-          </a:fillRef>
-          <a:effectRef idx="0">
-            <a:schemeClr val="accent3"/>
-          </a:effectRef>
-          <a:fontRef idx="minor">
-            <a:schemeClr val="lt1"/>
-          </a:fontRef>
-        </p:style>
-        <p:txBody>
-          <a:bodyPr rtlCol="0" anchor="ctr"/>
-          <a:lstStyle/>
-          <a:p>
-            <a:pPr algn="ctr"/>
-            <a:r>
-              <a:rPr lang="zh-CN" altLang="en-US" sz="1100" b="1" dirty="0" smtClean="0">
-                <a:latin typeface="微软雅黑" panose="020B0503020204020204" pitchFamily="34" charset="-122"/>
-                <a:ea typeface="微软雅黑" panose="020B0503020204020204" pitchFamily="34" charset="-122"/>
-              </a:rPr>
-              <a:t>规划记录</a:t>
-            </a:r>
-            <a:endParaRPr lang="zh-CN" altLang="en-US" sz="1100" b="1" dirty="0">
-              <a:latin typeface="微软雅黑" panose="020B0503020204020204" pitchFamily="34" charset="-122"/>
-              <a:ea typeface="微软雅黑" panose="020B0503020204020204" pitchFamily="34" charset="-122"/>
-            </a:endParaRPr>
-          </a:p>
-        </p:txBody>
-      </p:sp>
-      <p:cxnSp>
-        <p:nvCxnSpPr>
-          <p:cNvPr id="9" name="直接箭头连接符 8"/>
-          <p:cNvCxnSpPr>
-            <a:stCxn id="24" idx="0"/>
-            <a:endCxn id="6" idx="2"/>
-          </p:cNvCxnSpPr>
-          <p:nvPr/>
-        </p:nvCxnSpPr>
-        <p:spPr>
-          <a:xfrm flipV="1">
-            <a:off x="3239852" y="857491"/>
-            <a:ext cx="0" cy="548813"/>
-          </a:xfrm>
-          <a:prstGeom prst="straightConnector1">
-            <a:avLst/>
-          </a:prstGeom>
-          <a:ln w="19050">
-            <a:solidFill>
-              <a:schemeClr val="accent6">
-                <a:lumMod val="75000"/>
-              </a:schemeClr>
-            </a:solidFill>
-            <a:tailEnd type="arrow"/>
-          </a:ln>
-        </p:spPr>
-        <p:style>
-          <a:lnRef idx="1">
-            <a:schemeClr val="accent1"/>
-          </a:lnRef>
-          <a:fillRef idx="0">
-            <a:schemeClr val="accent1"/>
-          </a:fillRef>
-          <a:effectRef idx="0">
-            <a:schemeClr val="accent1"/>
-          </a:effectRef>
-          <a:fontRef idx="minor">
-            <a:schemeClr val="tx1"/>
-          </a:fontRef>
-        </p:style>
-      </p:cxnSp>
-      <p:sp>
-        <p:nvSpPr>
-          <p:cNvPr id="33" name="圆角矩形 32"/>
-          <p:cNvSpPr/>
-          <p:nvPr/>
-        </p:nvSpPr>
-        <p:spPr>
-          <a:xfrm>
-            <a:off x="323528" y="2420888"/>
-            <a:ext cx="936104" cy="432048"/>
-          </a:xfrm>
-          <a:prstGeom prst="roundRect">
-            <a:avLst/>
-          </a:prstGeom>
-          <a:solidFill>
-            <a:schemeClr val="tx2">
-              <a:lumMod val="60000"/>
-              <a:lumOff val="40000"/>
-            </a:schemeClr>
-          </a:solidFill>
-          <a:ln w="3175">
-            <a:noFill/>
-          </a:ln>
-        </p:spPr>
-        <p:style>
-          <a:lnRef idx="2">
-            <a:schemeClr val="accent3">
-              <a:shade val="50000"/>
-            </a:schemeClr>
-          </a:lnRef>
-          <a:fillRef idx="1">
-            <a:schemeClr val="accent3"/>
-          </a:fillRef>
-          <a:effectRef idx="0">
-            <a:schemeClr val="accent3"/>
-          </a:effectRef>
-          <a:fontRef idx="minor">
-            <a:schemeClr val="lt1"/>
-          </a:fontRef>
-        </p:style>
-        <p:txBody>
-          <a:bodyPr rtlCol="0" anchor="ctr"/>
-          <a:lstStyle/>
-          <a:p>
-            <a:pPr algn="ctr"/>
-            <a:r>
-              <a:rPr lang="zh-CN" altLang="en-US" sz="1100" dirty="0" smtClean="0">
-                <a:latin typeface="微软雅黑" panose="020B0503020204020204" pitchFamily="34" charset="-122"/>
-                <a:ea typeface="微软雅黑" panose="020B0503020204020204" pitchFamily="34" charset="-122"/>
-              </a:rPr>
-              <a:t>规划许可证</a:t>
-            </a:r>
-            <a:endParaRPr lang="zh-CN" altLang="en-US" sz="1100" dirty="0">
-              <a:latin typeface="微软雅黑" panose="020B0503020204020204" pitchFamily="34" charset="-122"/>
-              <a:ea typeface="微软雅黑" panose="020B0503020204020204" pitchFamily="34" charset="-122"/>
-            </a:endParaRPr>
-          </a:p>
-        </p:txBody>
-      </p:sp>
-      <p:sp>
-        <p:nvSpPr>
-          <p:cNvPr id="37" name="圆角矩形 36"/>
-          <p:cNvSpPr/>
-          <p:nvPr/>
-        </p:nvSpPr>
-        <p:spPr>
-          <a:xfrm>
-            <a:off x="1401506" y="2420888"/>
-            <a:ext cx="1010253" cy="432048"/>
-          </a:xfrm>
-          <a:prstGeom prst="roundRect">
-            <a:avLst/>
-          </a:prstGeom>
-          <a:solidFill>
-            <a:schemeClr val="tx2">
-              <a:lumMod val="60000"/>
-              <a:lumOff val="40000"/>
-            </a:schemeClr>
-          </a:solidFill>
-          <a:ln w="3175">
-            <a:noFill/>
-          </a:ln>
-        </p:spPr>
-        <p:style>
-          <a:lnRef idx="2">
-            <a:schemeClr val="accent3">
-              <a:shade val="50000"/>
-            </a:schemeClr>
-          </a:lnRef>
-          <a:fillRef idx="1">
-            <a:schemeClr val="accent3"/>
-          </a:fillRef>
-          <a:effectRef idx="0">
-            <a:schemeClr val="accent3"/>
-          </a:effectRef>
-          <a:fontRef idx="minor">
-            <a:schemeClr val="lt1"/>
-          </a:fontRef>
-        </p:style>
-        <p:txBody>
-          <a:bodyPr rtlCol="0" anchor="ctr"/>
-          <a:lstStyle/>
-          <a:p>
-            <a:pPr algn="ctr"/>
-            <a:r>
-              <a:rPr lang="zh-CN" altLang="en-US" sz="1100" dirty="0" smtClean="0">
-                <a:latin typeface="微软雅黑" panose="020B0503020204020204" pitchFamily="34" charset="-122"/>
-                <a:ea typeface="微软雅黑" panose="020B0503020204020204" pitchFamily="34" charset="-122"/>
-              </a:rPr>
-              <a:t>规划许可证</a:t>
-            </a:r>
-            <a:endParaRPr lang="zh-CN" altLang="en-US" sz="1100" dirty="0">
-              <a:latin typeface="微软雅黑" panose="020B0503020204020204" pitchFamily="34" charset="-122"/>
-              <a:ea typeface="微软雅黑" panose="020B0503020204020204" pitchFamily="34" charset="-122"/>
-            </a:endParaRPr>
-          </a:p>
-        </p:txBody>
-      </p:sp>
-      <p:sp>
-        <p:nvSpPr>
-          <p:cNvPr id="38" name="圆角矩形 37"/>
-          <p:cNvSpPr/>
-          <p:nvPr/>
-        </p:nvSpPr>
-        <p:spPr>
-          <a:xfrm>
-            <a:off x="2771800" y="2420888"/>
-            <a:ext cx="936104" cy="432048"/>
-          </a:xfrm>
-          <a:prstGeom prst="roundRect">
-            <a:avLst/>
-          </a:prstGeom>
-          <a:solidFill>
-            <a:schemeClr val="tx2">
-              <a:lumMod val="60000"/>
-              <a:lumOff val="40000"/>
-            </a:schemeClr>
-          </a:solidFill>
-          <a:ln w="3175">
-            <a:noFill/>
-          </a:ln>
-        </p:spPr>
-        <p:style>
-          <a:lnRef idx="2">
-            <a:schemeClr val="accent3">
-              <a:shade val="50000"/>
-            </a:schemeClr>
-          </a:lnRef>
-          <a:fillRef idx="1">
-            <a:schemeClr val="accent3"/>
-          </a:fillRef>
-          <a:effectRef idx="0">
-            <a:schemeClr val="accent3"/>
-          </a:effectRef>
-          <a:fontRef idx="minor">
-            <a:schemeClr val="lt1"/>
-          </a:fontRef>
-        </p:style>
-        <p:txBody>
-          <a:bodyPr rtlCol="0" anchor="ctr"/>
-          <a:lstStyle/>
-          <a:p>
-            <a:pPr algn="ctr"/>
-            <a:r>
-              <a:rPr lang="zh-CN" altLang="en-US" sz="1100" dirty="0" smtClean="0">
-                <a:latin typeface="微软雅黑" panose="020B0503020204020204" pitchFamily="34" charset="-122"/>
-                <a:ea typeface="微软雅黑" panose="020B0503020204020204" pitchFamily="34" charset="-122"/>
-              </a:rPr>
-              <a:t>规划许可证</a:t>
-            </a:r>
-            <a:endParaRPr lang="zh-CN" altLang="en-US" sz="1100" dirty="0">
-              <a:latin typeface="微软雅黑" panose="020B0503020204020204" pitchFamily="34" charset="-122"/>
-              <a:ea typeface="微软雅黑" panose="020B0503020204020204" pitchFamily="34" charset="-122"/>
-            </a:endParaRPr>
-          </a:p>
-        </p:txBody>
-      </p:sp>
-      <p:cxnSp>
-        <p:nvCxnSpPr>
-          <p:cNvPr id="39" name="直接箭头连接符 38"/>
-          <p:cNvCxnSpPr>
-            <a:stCxn id="33" idx="0"/>
-            <a:endCxn id="24" idx="2"/>
-          </p:cNvCxnSpPr>
-          <p:nvPr/>
-        </p:nvCxnSpPr>
-        <p:spPr>
-          <a:xfrm flipV="1">
-            <a:off x="791580" y="1838352"/>
-            <a:ext cx="2448272" cy="582536"/>
-          </a:xfrm>
-          <a:prstGeom prst="straightConnector1">
-            <a:avLst/>
-          </a:prstGeom>
-          <a:ln>
-            <a:tailEnd type="arrow"/>
-          </a:ln>
-        </p:spPr>
-        <p:style>
-          <a:lnRef idx="1">
-            <a:schemeClr val="accent1"/>
-          </a:lnRef>
-          <a:fillRef idx="0">
-            <a:schemeClr val="accent1"/>
-          </a:fillRef>
-          <a:effectRef idx="0">
-            <a:schemeClr val="accent1"/>
-          </a:effectRef>
-          <a:fontRef idx="minor">
-            <a:schemeClr val="tx1"/>
-          </a:fontRef>
-        </p:style>
-      </p:cxnSp>
-      <p:cxnSp>
-        <p:nvCxnSpPr>
-          <p:cNvPr id="40" name="直接箭头连接符 39"/>
-          <p:cNvCxnSpPr>
-            <a:stCxn id="37" idx="0"/>
-            <a:endCxn id="24" idx="2"/>
-          </p:cNvCxnSpPr>
-          <p:nvPr/>
-        </p:nvCxnSpPr>
-        <p:spPr>
-          <a:xfrm flipV="1">
-            <a:off x="1906633" y="1838352"/>
-            <a:ext cx="1333219" cy="582536"/>
-          </a:xfrm>
-          <a:prstGeom prst="straightConnector1">
-            <a:avLst/>
-          </a:prstGeom>
-          <a:ln>
-            <a:tailEnd type="arrow"/>
-          </a:ln>
-        </p:spPr>
-        <p:style>
-          <a:lnRef idx="1">
-            <a:schemeClr val="accent1"/>
-          </a:lnRef>
-          <a:fillRef idx="0">
-            <a:schemeClr val="accent1"/>
-          </a:fillRef>
-          <a:effectRef idx="0">
-            <a:schemeClr val="accent1"/>
-          </a:effectRef>
-          <a:fontRef idx="minor">
-            <a:schemeClr val="tx1"/>
-          </a:fontRef>
-        </p:style>
-      </p:cxnSp>
-      <p:cxnSp>
-        <p:nvCxnSpPr>
-          <p:cNvPr id="46" name="直接箭头连接符 45"/>
-          <p:cNvCxnSpPr>
-            <a:stCxn id="38" idx="0"/>
-            <a:endCxn id="24" idx="2"/>
-          </p:cNvCxnSpPr>
-          <p:nvPr/>
-        </p:nvCxnSpPr>
-        <p:spPr>
-          <a:xfrm flipV="1">
-            <a:off x="3239852" y="1838352"/>
-            <a:ext cx="0" cy="582536"/>
-          </a:xfrm>
-          <a:prstGeom prst="straightConnector1">
-            <a:avLst/>
-          </a:prstGeom>
-          <a:ln>
-            <a:tailEnd type="arrow"/>
-          </a:ln>
-        </p:spPr>
-        <p:style>
-          <a:lnRef idx="1">
-            <a:schemeClr val="accent1"/>
-          </a:lnRef>
-          <a:fillRef idx="0">
-            <a:schemeClr val="accent1"/>
-          </a:fillRef>
-          <a:effectRef idx="0">
-            <a:schemeClr val="accent1"/>
-          </a:effectRef>
-          <a:fontRef idx="minor">
-            <a:schemeClr val="tx1"/>
-          </a:fontRef>
-        </p:style>
-      </p:cxnSp>
-      <p:sp>
-        <p:nvSpPr>
-          <p:cNvPr id="49" name="圆角矩形 48"/>
-          <p:cNvSpPr/>
-          <p:nvPr/>
-        </p:nvSpPr>
-        <p:spPr>
-          <a:xfrm>
-            <a:off x="323528" y="3501008"/>
-            <a:ext cx="936104" cy="432048"/>
-          </a:xfrm>
-          <a:prstGeom prst="roundRect">
-            <a:avLst/>
-          </a:prstGeom>
-          <a:solidFill>
-            <a:schemeClr val="accent6">
-              <a:lumMod val="75000"/>
-            </a:schemeClr>
-          </a:solidFill>
-          <a:ln w="3175">
-            <a:noFill/>
-          </a:ln>
-        </p:spPr>
-        <p:style>
-          <a:lnRef idx="2">
-            <a:schemeClr val="accent3">
-              <a:shade val="50000"/>
-            </a:schemeClr>
-          </a:lnRef>
-          <a:fillRef idx="1">
-            <a:schemeClr val="accent3"/>
-          </a:fillRef>
-          <a:effectRef idx="0">
-            <a:schemeClr val="accent3"/>
-          </a:effectRef>
-          <a:fontRef idx="minor">
-            <a:schemeClr val="lt1"/>
-          </a:fontRef>
-        </p:style>
-        <p:txBody>
-          <a:bodyPr rtlCol="0" anchor="ctr"/>
-          <a:lstStyle/>
-          <a:p>
-            <a:pPr algn="ctr"/>
-            <a:r>
-              <a:rPr lang="zh-CN" altLang="en-US" sz="1100" dirty="0" smtClean="0">
-                <a:latin typeface="微软雅黑" panose="020B0503020204020204" pitchFamily="34" charset="-122"/>
-                <a:ea typeface="微软雅黑" panose="020B0503020204020204" pitchFamily="34" charset="-122"/>
-              </a:rPr>
-              <a:t>施工许可证</a:t>
-            </a:r>
-            <a:endParaRPr lang="zh-CN" altLang="en-US" sz="1100" dirty="0">
-              <a:latin typeface="微软雅黑" panose="020B0503020204020204" pitchFamily="34" charset="-122"/>
-              <a:ea typeface="微软雅黑" panose="020B0503020204020204" pitchFamily="34" charset="-122"/>
-            </a:endParaRPr>
-          </a:p>
-        </p:txBody>
-      </p:sp>
-      <p:sp>
-        <p:nvSpPr>
-          <p:cNvPr id="53" name="圆角矩形 52"/>
-          <p:cNvSpPr/>
-          <p:nvPr/>
-        </p:nvSpPr>
-        <p:spPr>
-          <a:xfrm>
-            <a:off x="2755303" y="3493145"/>
-            <a:ext cx="969098" cy="432048"/>
-          </a:xfrm>
-          <a:prstGeom prst="roundRect">
-            <a:avLst/>
-          </a:prstGeom>
-          <a:solidFill>
-            <a:schemeClr val="accent6">
-              <a:lumMod val="75000"/>
-            </a:schemeClr>
-          </a:solidFill>
-          <a:ln w="3175">
-            <a:noFill/>
-          </a:ln>
-        </p:spPr>
-        <p:style>
-          <a:lnRef idx="2">
-            <a:schemeClr val="accent3">
-              <a:shade val="50000"/>
-            </a:schemeClr>
-          </a:lnRef>
-          <a:fillRef idx="1">
-            <a:schemeClr val="accent3"/>
-          </a:fillRef>
-          <a:effectRef idx="0">
-            <a:schemeClr val="accent3"/>
-          </a:effectRef>
-          <a:fontRef idx="minor">
-            <a:schemeClr val="lt1"/>
-          </a:fontRef>
-        </p:style>
-        <p:txBody>
-          <a:bodyPr rtlCol="0" anchor="ctr"/>
-          <a:lstStyle/>
-          <a:p>
-            <a:pPr algn="ctr"/>
-            <a:r>
-              <a:rPr lang="zh-CN" altLang="en-US" sz="1100" dirty="0" smtClean="0">
-                <a:latin typeface="微软雅黑" panose="020B0503020204020204" pitchFamily="34" charset="-122"/>
-                <a:ea typeface="微软雅黑" panose="020B0503020204020204" pitchFamily="34" charset="-122"/>
-              </a:rPr>
-              <a:t>施工许可证</a:t>
-            </a:r>
-            <a:endParaRPr lang="zh-CN" altLang="en-US" sz="1100" dirty="0">
-              <a:latin typeface="微软雅黑" panose="020B0503020204020204" pitchFamily="34" charset="-122"/>
-              <a:ea typeface="微软雅黑" panose="020B0503020204020204" pitchFamily="34" charset="-122"/>
-            </a:endParaRPr>
-          </a:p>
-        </p:txBody>
-      </p:sp>
-      <p:sp>
-        <p:nvSpPr>
-          <p:cNvPr id="59" name="圆角矩形 58"/>
-          <p:cNvSpPr/>
-          <p:nvPr/>
-        </p:nvSpPr>
-        <p:spPr>
-          <a:xfrm>
-            <a:off x="1401507" y="3501008"/>
-            <a:ext cx="1010252" cy="432048"/>
-          </a:xfrm>
-          <a:prstGeom prst="roundRect">
-            <a:avLst/>
-          </a:prstGeom>
-          <a:solidFill>
-            <a:schemeClr val="accent6">
-              <a:lumMod val="75000"/>
-            </a:schemeClr>
-          </a:solidFill>
-          <a:ln w="3175">
-            <a:noFill/>
-          </a:ln>
-        </p:spPr>
-        <p:style>
-          <a:lnRef idx="2">
-            <a:schemeClr val="accent3">
-              <a:shade val="50000"/>
-            </a:schemeClr>
-          </a:lnRef>
-          <a:fillRef idx="1">
-            <a:schemeClr val="accent3"/>
-          </a:fillRef>
-          <a:effectRef idx="0">
-            <a:schemeClr val="accent3"/>
-          </a:effectRef>
-          <a:fontRef idx="minor">
-            <a:schemeClr val="lt1"/>
-          </a:fontRef>
-        </p:style>
-        <p:txBody>
-          <a:bodyPr rtlCol="0" anchor="ctr"/>
-          <a:lstStyle/>
-          <a:p>
-            <a:pPr algn="ctr"/>
-            <a:r>
-              <a:rPr lang="zh-CN" altLang="en-US" sz="1100" dirty="0" smtClean="0">
-                <a:latin typeface="微软雅黑" panose="020B0503020204020204" pitchFamily="34" charset="-122"/>
-                <a:ea typeface="微软雅黑" panose="020B0503020204020204" pitchFamily="34" charset="-122"/>
-              </a:rPr>
-              <a:t>施工许可证</a:t>
-            </a:r>
-            <a:endParaRPr lang="zh-CN" altLang="en-US" sz="1100" dirty="0">
-              <a:latin typeface="微软雅黑" panose="020B0503020204020204" pitchFamily="34" charset="-122"/>
-              <a:ea typeface="微软雅黑" panose="020B0503020204020204" pitchFamily="34" charset="-122"/>
-            </a:endParaRPr>
-          </a:p>
-        </p:txBody>
-      </p:sp>
-      <p:sp>
-        <p:nvSpPr>
-          <p:cNvPr id="75" name="圆角矩形 74"/>
-          <p:cNvSpPr/>
-          <p:nvPr/>
-        </p:nvSpPr>
-        <p:spPr>
-          <a:xfrm>
-            <a:off x="5616116" y="2420888"/>
-            <a:ext cx="1368152" cy="432048"/>
-          </a:xfrm>
-          <a:prstGeom prst="roundRect">
-            <a:avLst/>
-          </a:prstGeom>
-          <a:solidFill>
-            <a:srgbClr val="00B050"/>
-          </a:solidFill>
-          <a:ln w="3175">
-            <a:noFill/>
-          </a:ln>
-        </p:spPr>
-        <p:style>
-          <a:lnRef idx="2">
-            <a:schemeClr val="accent3">
-              <a:shade val="50000"/>
-            </a:schemeClr>
-          </a:lnRef>
-          <a:fillRef idx="1">
-            <a:schemeClr val="accent3"/>
-          </a:fillRef>
-          <a:effectRef idx="0">
-            <a:schemeClr val="accent3"/>
-          </a:effectRef>
-          <a:fontRef idx="minor">
-            <a:schemeClr val="lt1"/>
-          </a:fontRef>
-        </p:style>
-        <p:txBody>
-          <a:bodyPr rtlCol="0" anchor="ctr"/>
-          <a:lstStyle/>
-          <a:p>
-            <a:pPr algn="ctr"/>
-            <a:r>
-              <a:rPr lang="zh-CN" altLang="en-US" sz="1100" b="1" dirty="0" smtClean="0">
-                <a:latin typeface="微软雅黑" panose="020B0503020204020204" pitchFamily="34" charset="-122"/>
-                <a:ea typeface="微软雅黑" panose="020B0503020204020204" pitchFamily="34" charset="-122"/>
-              </a:rPr>
-              <a:t>销售记录</a:t>
-            </a:r>
-            <a:endParaRPr lang="zh-CN" altLang="en-US" sz="1100" b="1" dirty="0">
-              <a:latin typeface="微软雅黑" panose="020B0503020204020204" pitchFamily="34" charset="-122"/>
-              <a:ea typeface="微软雅黑" panose="020B0503020204020204" pitchFamily="34" charset="-122"/>
-            </a:endParaRPr>
-          </a:p>
-        </p:txBody>
-      </p:sp>
-      <p:sp>
-        <p:nvSpPr>
-          <p:cNvPr id="81" name="圆角矩形 80"/>
-          <p:cNvSpPr/>
-          <p:nvPr/>
-        </p:nvSpPr>
-        <p:spPr>
-          <a:xfrm>
-            <a:off x="4211960" y="3501008"/>
-            <a:ext cx="936104" cy="432048"/>
-          </a:xfrm>
-          <a:prstGeom prst="roundRect">
-            <a:avLst/>
-          </a:prstGeom>
-          <a:solidFill>
-            <a:schemeClr val="accent3">
-              <a:lumMod val="75000"/>
-            </a:schemeClr>
-          </a:solidFill>
-          <a:ln w="3175">
-            <a:noFill/>
-          </a:ln>
-        </p:spPr>
-        <p:style>
-          <a:lnRef idx="2">
-            <a:schemeClr val="accent3">
-              <a:shade val="50000"/>
-            </a:schemeClr>
-          </a:lnRef>
-          <a:fillRef idx="1">
-            <a:schemeClr val="accent3"/>
-          </a:fillRef>
-          <a:effectRef idx="0">
-            <a:schemeClr val="accent3"/>
-          </a:effectRef>
-          <a:fontRef idx="minor">
-            <a:schemeClr val="lt1"/>
-          </a:fontRef>
-        </p:style>
-        <p:txBody>
-          <a:bodyPr rtlCol="0" anchor="ctr"/>
-          <a:lstStyle/>
-          <a:p>
-            <a:pPr algn="ctr"/>
-            <a:r>
-              <a:rPr lang="zh-CN" altLang="en-US" sz="1100" dirty="0" smtClean="0">
-                <a:latin typeface="微软雅黑" panose="020B0503020204020204" pitchFamily="34" charset="-122"/>
-                <a:ea typeface="微软雅黑" panose="020B0503020204020204" pitchFamily="34" charset="-122"/>
-              </a:rPr>
-              <a:t>预售许可证</a:t>
-            </a:r>
-            <a:endParaRPr lang="zh-CN" altLang="en-US" sz="1100" dirty="0">
-              <a:latin typeface="微软雅黑" panose="020B0503020204020204" pitchFamily="34" charset="-122"/>
-              <a:ea typeface="微软雅黑" panose="020B0503020204020204" pitchFamily="34" charset="-122"/>
-            </a:endParaRPr>
-          </a:p>
-        </p:txBody>
-      </p:sp>
-      <p:cxnSp>
-        <p:nvCxnSpPr>
-          <p:cNvPr id="86" name="直接箭头连接符 85"/>
-          <p:cNvCxnSpPr>
-            <a:stCxn id="81" idx="0"/>
-            <a:endCxn id="75" idx="2"/>
-          </p:cNvCxnSpPr>
-          <p:nvPr/>
-        </p:nvCxnSpPr>
-        <p:spPr>
-          <a:xfrm flipV="1">
-            <a:off x="4680012" y="2852936"/>
-            <a:ext cx="1620180" cy="648072"/>
-          </a:xfrm>
-          <a:prstGeom prst="straightConnector1">
-            <a:avLst/>
-          </a:prstGeom>
-          <a:ln>
-            <a:tailEnd type="arrow"/>
-          </a:ln>
-        </p:spPr>
-        <p:style>
-          <a:lnRef idx="1">
-            <a:schemeClr val="accent1"/>
-          </a:lnRef>
-          <a:fillRef idx="0">
-            <a:schemeClr val="accent1"/>
-          </a:fillRef>
-          <a:effectRef idx="0">
-            <a:schemeClr val="accent1"/>
-          </a:effectRef>
-          <a:fontRef idx="minor">
-            <a:schemeClr val="tx1"/>
-          </a:fontRef>
-        </p:style>
-      </p:cxnSp>
-      <p:sp>
-        <p:nvSpPr>
-          <p:cNvPr id="91" name="圆角矩形 90"/>
-          <p:cNvSpPr/>
-          <p:nvPr/>
-        </p:nvSpPr>
-        <p:spPr>
-          <a:xfrm>
-            <a:off x="5436096" y="3501008"/>
-            <a:ext cx="936104" cy="432048"/>
-          </a:xfrm>
-          <a:prstGeom prst="roundRect">
-            <a:avLst/>
-          </a:prstGeom>
-          <a:solidFill>
-            <a:schemeClr val="accent3">
-              <a:lumMod val="75000"/>
-            </a:schemeClr>
-          </a:solidFill>
-          <a:ln w="3175">
-            <a:noFill/>
-          </a:ln>
-        </p:spPr>
-        <p:style>
-          <a:lnRef idx="2">
-            <a:schemeClr val="accent3">
-              <a:shade val="50000"/>
-            </a:schemeClr>
-          </a:lnRef>
-          <a:fillRef idx="1">
-            <a:schemeClr val="accent3"/>
-          </a:fillRef>
-          <a:effectRef idx="0">
-            <a:schemeClr val="accent3"/>
-          </a:effectRef>
-          <a:fontRef idx="minor">
-            <a:schemeClr val="lt1"/>
-          </a:fontRef>
-        </p:style>
-        <p:txBody>
-          <a:bodyPr rtlCol="0" anchor="ctr"/>
-          <a:lstStyle/>
-          <a:p>
-            <a:pPr algn="ctr"/>
-            <a:r>
-              <a:rPr lang="zh-CN" altLang="en-US" sz="1100" dirty="0" smtClean="0">
-                <a:latin typeface="微软雅黑" panose="020B0503020204020204" pitchFamily="34" charset="-122"/>
-                <a:ea typeface="微软雅黑" panose="020B0503020204020204" pitchFamily="34" charset="-122"/>
-              </a:rPr>
-              <a:t>预售许可证</a:t>
-            </a:r>
-            <a:endParaRPr lang="zh-CN" altLang="en-US" sz="1100" dirty="0">
-              <a:latin typeface="微软雅黑" panose="020B0503020204020204" pitchFamily="34" charset="-122"/>
-              <a:ea typeface="微软雅黑" panose="020B0503020204020204" pitchFamily="34" charset="-122"/>
-            </a:endParaRPr>
-          </a:p>
-        </p:txBody>
-      </p:sp>
-      <p:cxnSp>
-        <p:nvCxnSpPr>
-          <p:cNvPr id="92" name="直接箭头连接符 91"/>
-          <p:cNvCxnSpPr>
-            <a:stCxn id="91" idx="0"/>
-            <a:endCxn id="75" idx="2"/>
-          </p:cNvCxnSpPr>
-          <p:nvPr/>
-        </p:nvCxnSpPr>
-        <p:spPr>
-          <a:xfrm flipV="1">
-            <a:off x="5904148" y="2852936"/>
-            <a:ext cx="396044" cy="648072"/>
-          </a:xfrm>
-          <a:prstGeom prst="straightConnector1">
-            <a:avLst/>
-          </a:prstGeom>
-          <a:ln>
-            <a:tailEnd type="arrow"/>
-          </a:ln>
-        </p:spPr>
-        <p:style>
-          <a:lnRef idx="1">
-            <a:schemeClr val="accent1"/>
-          </a:lnRef>
-          <a:fillRef idx="0">
-            <a:schemeClr val="accent1"/>
-          </a:fillRef>
-          <a:effectRef idx="0">
-            <a:schemeClr val="accent1"/>
-          </a:effectRef>
-          <a:fontRef idx="minor">
-            <a:schemeClr val="tx1"/>
-          </a:fontRef>
-        </p:style>
-      </p:cxnSp>
-      <p:sp>
-        <p:nvSpPr>
-          <p:cNvPr id="95" name="圆角矩形 94"/>
-          <p:cNvSpPr/>
-          <p:nvPr/>
-        </p:nvSpPr>
-        <p:spPr>
-          <a:xfrm>
-            <a:off x="6691126" y="3501008"/>
-            <a:ext cx="792088" cy="432048"/>
-          </a:xfrm>
-          <a:prstGeom prst="roundRect">
-            <a:avLst/>
-          </a:prstGeom>
-          <a:solidFill>
-            <a:schemeClr val="accent2">
-              <a:lumMod val="75000"/>
-            </a:schemeClr>
-          </a:solidFill>
-          <a:ln w="3175">
-            <a:noFill/>
-          </a:ln>
-        </p:spPr>
-        <p:style>
-          <a:lnRef idx="2">
-            <a:schemeClr val="accent3">
-              <a:shade val="50000"/>
-            </a:schemeClr>
-          </a:lnRef>
-          <a:fillRef idx="1">
-            <a:schemeClr val="accent3"/>
-          </a:fillRef>
-          <a:effectRef idx="0">
-            <a:schemeClr val="accent3"/>
-          </a:effectRef>
-          <a:fontRef idx="minor">
-            <a:schemeClr val="lt1"/>
-          </a:fontRef>
-        </p:style>
-        <p:txBody>
-          <a:bodyPr rtlCol="0" anchor="ctr"/>
-          <a:lstStyle/>
-          <a:p>
-            <a:pPr algn="ctr"/>
-            <a:r>
-              <a:rPr lang="zh-CN" altLang="en-US" sz="1100" dirty="0" smtClean="0">
-                <a:latin typeface="微软雅黑" panose="020B0503020204020204" pitchFamily="34" charset="-122"/>
-                <a:ea typeface="微软雅黑" panose="020B0503020204020204" pitchFamily="34" charset="-122"/>
-              </a:rPr>
-              <a:t>现售备案</a:t>
-            </a:r>
-            <a:endParaRPr lang="zh-CN" altLang="en-US" sz="1100" dirty="0">
-              <a:latin typeface="微软雅黑" panose="020B0503020204020204" pitchFamily="34" charset="-122"/>
-              <a:ea typeface="微软雅黑" panose="020B0503020204020204" pitchFamily="34" charset="-122"/>
-            </a:endParaRPr>
-          </a:p>
-        </p:txBody>
-      </p:sp>
-      <p:cxnSp>
-        <p:nvCxnSpPr>
-          <p:cNvPr id="96" name="直接箭头连接符 95"/>
-          <p:cNvCxnSpPr>
-            <a:stCxn id="95" idx="0"/>
-            <a:endCxn id="75" idx="2"/>
-          </p:cNvCxnSpPr>
-          <p:nvPr/>
-        </p:nvCxnSpPr>
-        <p:spPr>
-          <a:xfrm flipH="1" flipV="1">
-            <a:off x="6300192" y="2852936"/>
-            <a:ext cx="786978" cy="648072"/>
-          </a:xfrm>
-          <a:prstGeom prst="straightConnector1">
-            <a:avLst/>
-          </a:prstGeom>
-          <a:ln>
-            <a:tailEnd type="arrow"/>
-          </a:ln>
-        </p:spPr>
-        <p:style>
-          <a:lnRef idx="1">
-            <a:schemeClr val="accent1"/>
-          </a:lnRef>
-          <a:fillRef idx="0">
-            <a:schemeClr val="accent1"/>
-          </a:fillRef>
-          <a:effectRef idx="0">
-            <a:schemeClr val="accent1"/>
-          </a:effectRef>
-          <a:fontRef idx="minor">
-            <a:schemeClr val="tx1"/>
-          </a:fontRef>
-        </p:style>
-      </p:cxnSp>
-      <p:sp>
-        <p:nvSpPr>
-          <p:cNvPr id="99" name="圆角矩形 98"/>
-          <p:cNvSpPr/>
-          <p:nvPr/>
-        </p:nvSpPr>
-        <p:spPr>
-          <a:xfrm>
-            <a:off x="7740352" y="3501008"/>
-            <a:ext cx="792088" cy="432048"/>
-          </a:xfrm>
-          <a:prstGeom prst="roundRect">
-            <a:avLst/>
-          </a:prstGeom>
-          <a:solidFill>
-            <a:schemeClr val="accent2">
-              <a:lumMod val="75000"/>
-            </a:schemeClr>
-          </a:solidFill>
-          <a:ln w="3175">
-            <a:noFill/>
-          </a:ln>
-        </p:spPr>
-        <p:style>
-          <a:lnRef idx="2">
-            <a:schemeClr val="accent3">
-              <a:shade val="50000"/>
-            </a:schemeClr>
-          </a:lnRef>
-          <a:fillRef idx="1">
-            <a:schemeClr val="accent3"/>
-          </a:fillRef>
-          <a:effectRef idx="0">
-            <a:schemeClr val="accent3"/>
-          </a:effectRef>
-          <a:fontRef idx="minor">
-            <a:schemeClr val="lt1"/>
-          </a:fontRef>
-        </p:style>
-        <p:txBody>
-          <a:bodyPr rtlCol="0" anchor="ctr"/>
-          <a:lstStyle/>
-          <a:p>
-            <a:pPr algn="ctr"/>
-            <a:r>
-              <a:rPr lang="zh-CN" altLang="en-US" sz="1100" dirty="0" smtClean="0">
-                <a:latin typeface="微软雅黑" panose="020B0503020204020204" pitchFamily="34" charset="-122"/>
-                <a:ea typeface="微软雅黑" panose="020B0503020204020204" pitchFamily="34" charset="-122"/>
-              </a:rPr>
-              <a:t>现售备案</a:t>
-            </a:r>
-            <a:endParaRPr lang="zh-CN" altLang="en-US" sz="1100" dirty="0">
-              <a:latin typeface="微软雅黑" panose="020B0503020204020204" pitchFamily="34" charset="-122"/>
-              <a:ea typeface="微软雅黑" panose="020B0503020204020204" pitchFamily="34" charset="-122"/>
-            </a:endParaRPr>
-          </a:p>
-        </p:txBody>
-      </p:sp>
-      <p:cxnSp>
-        <p:nvCxnSpPr>
-          <p:cNvPr id="100" name="直接箭头连接符 99"/>
-          <p:cNvCxnSpPr>
-            <a:stCxn id="99" idx="0"/>
-            <a:endCxn id="75" idx="2"/>
-          </p:cNvCxnSpPr>
-          <p:nvPr/>
-        </p:nvCxnSpPr>
-        <p:spPr>
-          <a:xfrm flipH="1" flipV="1">
-            <a:off x="6300192" y="2852936"/>
-            <a:ext cx="1836204" cy="648072"/>
-          </a:xfrm>
-          <a:prstGeom prst="straightConnector1">
-            <a:avLst/>
-          </a:prstGeom>
-          <a:ln>
-            <a:tailEnd type="arrow"/>
-          </a:ln>
-        </p:spPr>
-        <p:style>
-          <a:lnRef idx="1">
-            <a:schemeClr val="accent1"/>
-          </a:lnRef>
-          <a:fillRef idx="0">
-            <a:schemeClr val="accent1"/>
-          </a:fillRef>
-          <a:effectRef idx="0">
-            <a:schemeClr val="accent1"/>
-          </a:effectRef>
-          <a:fontRef idx="minor">
-            <a:schemeClr val="tx1"/>
-          </a:fontRef>
-        </p:style>
-      </p:cxnSp>
-      <p:sp>
-        <p:nvSpPr>
-          <p:cNvPr id="159" name="矩形 158"/>
-          <p:cNvSpPr/>
-          <p:nvPr/>
-        </p:nvSpPr>
-        <p:spPr>
-          <a:xfrm>
-            <a:off x="5076056" y="3431321"/>
-            <a:ext cx="360996" cy="400110"/>
-          </a:xfrm>
-          <a:prstGeom prst="rect">
-            <a:avLst/>
-          </a:prstGeom>
-        </p:spPr>
-        <p:txBody>
-          <a:bodyPr wrap="none">
-            <a:spAutoFit/>
-          </a:bodyPr>
-          <a:lstStyle/>
-          <a:p>
-            <a:r>
-              <a:rPr lang="en-US" altLang="zh-CN" sz="2000" dirty="0"/>
-              <a:t>…</a:t>
-            </a:r>
-            <a:endParaRPr lang="zh-CN" altLang="en-US" sz="2000" dirty="0"/>
-          </a:p>
-        </p:txBody>
-      </p:sp>
-      <p:sp>
-        <p:nvSpPr>
-          <p:cNvPr id="42" name="矩形 41"/>
-          <p:cNvSpPr/>
-          <p:nvPr/>
-        </p:nvSpPr>
-        <p:spPr>
-          <a:xfrm>
-            <a:off x="7451364" y="3460938"/>
-            <a:ext cx="360996" cy="400110"/>
-          </a:xfrm>
-          <a:prstGeom prst="rect">
-            <a:avLst/>
-          </a:prstGeom>
-        </p:spPr>
-        <p:txBody>
-          <a:bodyPr wrap="none">
-            <a:spAutoFit/>
-          </a:bodyPr>
-          <a:lstStyle/>
-          <a:p>
-            <a:r>
-              <a:rPr lang="en-US" altLang="zh-CN" sz="2000" dirty="0"/>
-              <a:t>…</a:t>
-            </a:r>
-            <a:endParaRPr lang="zh-CN" altLang="en-US" sz="2000" dirty="0"/>
-          </a:p>
-        </p:txBody>
-      </p:sp>
-      <p:sp>
-        <p:nvSpPr>
-          <p:cNvPr id="55" name="矩形 54"/>
-          <p:cNvSpPr/>
-          <p:nvPr/>
-        </p:nvSpPr>
-        <p:spPr>
-          <a:xfrm>
-            <a:off x="2410804" y="2380818"/>
-            <a:ext cx="360996" cy="400110"/>
-          </a:xfrm>
-          <a:prstGeom prst="rect">
-            <a:avLst/>
-          </a:prstGeom>
-        </p:spPr>
-        <p:txBody>
-          <a:bodyPr wrap="none">
-            <a:spAutoFit/>
-          </a:bodyPr>
-          <a:lstStyle/>
-          <a:p>
-            <a:r>
-              <a:rPr lang="en-US" altLang="zh-CN" sz="2000" dirty="0"/>
-              <a:t>…</a:t>
-            </a:r>
-            <a:endParaRPr lang="zh-CN" altLang="en-US" sz="2000" dirty="0"/>
+            <a:endParaRPr lang="zh-CN" altLang="en-US" sz="1600" dirty="0"/>
           </a:p>
         </p:txBody>
       </p:sp>
@@ -5793,8 +4425,8 @@
         </p:nvCxnSpPr>
         <p:spPr>
           <a:xfrm flipV="1">
-            <a:off x="6679806" y="1046264"/>
-            <a:ext cx="0" cy="366512"/>
+            <a:off x="6679806" y="1163028"/>
+            <a:ext cx="0" cy="321756"/>
           </a:xfrm>
           <a:prstGeom prst="straightConnector1">
             <a:avLst/>
@@ -5826,7 +4458,7 @@
         </p:nvSpPr>
         <p:spPr>
           <a:xfrm>
-            <a:off x="6796697" y="1091021"/>
+            <a:off x="6796697" y="1169501"/>
             <a:ext cx="1415772" cy="276999"/>
           </a:xfrm>
           <a:prstGeom prst="rect">
@@ -5863,6 +4495,518 @@
           </a:p>
         </p:txBody>
       </p:sp>
+      <p:sp>
+        <p:nvSpPr>
+          <p:cNvPr id="35" name="圆角矩形 34"/>
+          <p:cNvSpPr/>
+          <p:nvPr/>
+        </p:nvSpPr>
+        <p:spPr>
+          <a:xfrm>
+            <a:off x="4788024" y="4437112"/>
+            <a:ext cx="936104" cy="432048"/>
+          </a:xfrm>
+          <a:prstGeom prst="roundRect">
+            <a:avLst/>
+          </a:prstGeom>
+          <a:solidFill>
+            <a:srgbClr val="00B0F0"/>
+          </a:solidFill>
+          <a:ln w="3175">
+            <a:noFill/>
+          </a:ln>
+        </p:spPr>
+        <p:style>
+          <a:lnRef idx="2">
+            <a:schemeClr val="accent3">
+              <a:shade val="50000"/>
+            </a:schemeClr>
+          </a:lnRef>
+          <a:fillRef idx="1">
+            <a:schemeClr val="accent3"/>
+          </a:fillRef>
+          <a:effectRef idx="0">
+            <a:schemeClr val="accent3"/>
+          </a:effectRef>
+          <a:fontRef idx="minor">
+            <a:schemeClr val="lt1"/>
+          </a:fontRef>
+        </p:style>
+        <p:txBody>
+          <a:bodyPr rtlCol="0" anchor="ctr"/>
+          <a:lstStyle/>
+          <a:p>
+            <a:pPr algn="ctr"/>
+            <a:r>
+              <a:rPr lang="zh-CN" altLang="en-US" sz="1100" dirty="0" smtClean="0">
+                <a:latin typeface="微软雅黑" panose="020B0503020204020204" pitchFamily="34" charset="-122"/>
+                <a:ea typeface="微软雅黑" panose="020B0503020204020204" pitchFamily="34" charset="-122"/>
+              </a:rPr>
+              <a:t>已售</a:t>
+            </a:r>
+            <a:r>
+              <a:rPr lang="zh-CN" altLang="en-US" sz="1100" dirty="0">
+                <a:latin typeface="微软雅黑" panose="020B0503020204020204" pitchFamily="34" charset="-122"/>
+                <a:ea typeface="微软雅黑" panose="020B0503020204020204" pitchFamily="34" charset="-122"/>
+              </a:rPr>
+              <a:t>记录</a:t>
+            </a:r>
+            <a:endParaRPr lang="zh-CN" altLang="en-US" sz="1100" dirty="0">
+              <a:latin typeface="微软雅黑" panose="020B0503020204020204" pitchFamily="34" charset="-122"/>
+              <a:ea typeface="微软雅黑" panose="020B0503020204020204" pitchFamily="34" charset="-122"/>
+            </a:endParaRPr>
+          </a:p>
+        </p:txBody>
+      </p:sp>
+      <p:sp>
+        <p:nvSpPr>
+          <p:cNvPr id="36" name="圆角矩形 35"/>
+          <p:cNvSpPr/>
+          <p:nvPr/>
+        </p:nvSpPr>
+        <p:spPr>
+          <a:xfrm>
+            <a:off x="3491880" y="4437112"/>
+            <a:ext cx="936104" cy="432048"/>
+          </a:xfrm>
+          <a:prstGeom prst="roundRect">
+            <a:avLst/>
+          </a:prstGeom>
+          <a:solidFill>
+            <a:srgbClr val="00B0F0"/>
+          </a:solidFill>
+          <a:ln w="3175">
+            <a:noFill/>
+          </a:ln>
+        </p:spPr>
+        <p:style>
+          <a:lnRef idx="2">
+            <a:schemeClr val="accent3">
+              <a:shade val="50000"/>
+            </a:schemeClr>
+          </a:lnRef>
+          <a:fillRef idx="1">
+            <a:schemeClr val="accent3"/>
+          </a:fillRef>
+          <a:effectRef idx="0">
+            <a:schemeClr val="accent3"/>
+          </a:effectRef>
+          <a:fontRef idx="minor">
+            <a:schemeClr val="lt1"/>
+          </a:fontRef>
+        </p:style>
+        <p:txBody>
+          <a:bodyPr rtlCol="0" anchor="ctr"/>
+          <a:lstStyle/>
+          <a:p>
+            <a:pPr algn="ctr"/>
+            <a:r>
+              <a:rPr lang="zh-CN" altLang="en-US" sz="1100" dirty="0" smtClean="0">
+                <a:latin typeface="微软雅黑" panose="020B0503020204020204" pitchFamily="34" charset="-122"/>
+                <a:ea typeface="微软雅黑" panose="020B0503020204020204" pitchFamily="34" charset="-122"/>
+              </a:rPr>
+              <a:t>已售</a:t>
+            </a:r>
+            <a:r>
+              <a:rPr lang="zh-CN" altLang="en-US" sz="1100" dirty="0">
+                <a:latin typeface="微软雅黑" panose="020B0503020204020204" pitchFamily="34" charset="-122"/>
+                <a:ea typeface="微软雅黑" panose="020B0503020204020204" pitchFamily="34" charset="-122"/>
+              </a:rPr>
+              <a:t>记录</a:t>
+            </a:r>
+            <a:endParaRPr lang="zh-CN" altLang="en-US" sz="1100" dirty="0">
+              <a:latin typeface="微软雅黑" panose="020B0503020204020204" pitchFamily="34" charset="-122"/>
+              <a:ea typeface="微软雅黑" panose="020B0503020204020204" pitchFamily="34" charset="-122"/>
+            </a:endParaRPr>
+          </a:p>
+        </p:txBody>
+      </p:sp>
+      <p:sp>
+        <p:nvSpPr>
+          <p:cNvPr id="43" name="圆角矩形 42"/>
+          <p:cNvSpPr/>
+          <p:nvPr/>
+        </p:nvSpPr>
+        <p:spPr>
+          <a:xfrm>
+            <a:off x="7452320" y="4437112"/>
+            <a:ext cx="936104" cy="432048"/>
+          </a:xfrm>
+          <a:prstGeom prst="roundRect">
+            <a:avLst/>
+          </a:prstGeom>
+          <a:solidFill>
+            <a:srgbClr val="00B0F0"/>
+          </a:solidFill>
+          <a:ln w="3175">
+            <a:noFill/>
+          </a:ln>
+        </p:spPr>
+        <p:style>
+          <a:lnRef idx="2">
+            <a:schemeClr val="accent3">
+              <a:shade val="50000"/>
+            </a:schemeClr>
+          </a:lnRef>
+          <a:fillRef idx="1">
+            <a:schemeClr val="accent3"/>
+          </a:fillRef>
+          <a:effectRef idx="0">
+            <a:schemeClr val="accent3"/>
+          </a:effectRef>
+          <a:fontRef idx="minor">
+            <a:schemeClr val="lt1"/>
+          </a:fontRef>
+        </p:style>
+        <p:txBody>
+          <a:bodyPr rtlCol="0" anchor="ctr"/>
+          <a:lstStyle/>
+          <a:p>
+            <a:pPr algn="ctr"/>
+            <a:r>
+              <a:rPr lang="zh-CN" altLang="en-US" sz="1100" dirty="0" smtClean="0">
+                <a:latin typeface="微软雅黑" panose="020B0503020204020204" pitchFamily="34" charset="-122"/>
+                <a:ea typeface="微软雅黑" panose="020B0503020204020204" pitchFamily="34" charset="-122"/>
+              </a:rPr>
+              <a:t>已售</a:t>
+            </a:r>
+            <a:r>
+              <a:rPr lang="zh-CN" altLang="en-US" sz="1100" dirty="0">
+                <a:latin typeface="微软雅黑" panose="020B0503020204020204" pitchFamily="34" charset="-122"/>
+                <a:ea typeface="微软雅黑" panose="020B0503020204020204" pitchFamily="34" charset="-122"/>
+              </a:rPr>
+              <a:t>记录</a:t>
+            </a:r>
+            <a:endParaRPr lang="zh-CN" altLang="en-US" sz="1100" dirty="0">
+              <a:latin typeface="微软雅黑" panose="020B0503020204020204" pitchFamily="34" charset="-122"/>
+              <a:ea typeface="微软雅黑" panose="020B0503020204020204" pitchFamily="34" charset="-122"/>
+            </a:endParaRPr>
+          </a:p>
+        </p:txBody>
+      </p:sp>
+      <p:sp>
+        <p:nvSpPr>
+          <p:cNvPr id="44" name="圆角矩形 43"/>
+          <p:cNvSpPr/>
+          <p:nvPr/>
+        </p:nvSpPr>
+        <p:spPr>
+          <a:xfrm>
+            <a:off x="6156176" y="4437112"/>
+            <a:ext cx="936104" cy="432048"/>
+          </a:xfrm>
+          <a:prstGeom prst="roundRect">
+            <a:avLst/>
+          </a:prstGeom>
+          <a:solidFill>
+            <a:srgbClr val="00B0F0"/>
+          </a:solidFill>
+          <a:ln w="3175">
+            <a:noFill/>
+          </a:ln>
+        </p:spPr>
+        <p:style>
+          <a:lnRef idx="2">
+            <a:schemeClr val="accent3">
+              <a:shade val="50000"/>
+            </a:schemeClr>
+          </a:lnRef>
+          <a:fillRef idx="1">
+            <a:schemeClr val="accent3"/>
+          </a:fillRef>
+          <a:effectRef idx="0">
+            <a:schemeClr val="accent3"/>
+          </a:effectRef>
+          <a:fontRef idx="minor">
+            <a:schemeClr val="lt1"/>
+          </a:fontRef>
+        </p:style>
+        <p:txBody>
+          <a:bodyPr rtlCol="0" anchor="ctr"/>
+          <a:lstStyle/>
+          <a:p>
+            <a:pPr algn="ctr"/>
+            <a:r>
+              <a:rPr lang="zh-CN" altLang="en-US" sz="1100" dirty="0" smtClean="0">
+                <a:latin typeface="微软雅黑" panose="020B0503020204020204" pitchFamily="34" charset="-122"/>
+                <a:ea typeface="微软雅黑" panose="020B0503020204020204" pitchFamily="34" charset="-122"/>
+              </a:rPr>
+              <a:t>已售</a:t>
+            </a:r>
+            <a:r>
+              <a:rPr lang="zh-CN" altLang="en-US" sz="1100" dirty="0">
+                <a:latin typeface="微软雅黑" panose="020B0503020204020204" pitchFamily="34" charset="-122"/>
+                <a:ea typeface="微软雅黑" panose="020B0503020204020204" pitchFamily="34" charset="-122"/>
+              </a:rPr>
+              <a:t>记录</a:t>
+            </a:r>
+            <a:endParaRPr lang="zh-CN" altLang="en-US" sz="1100" dirty="0">
+              <a:latin typeface="微软雅黑" panose="020B0503020204020204" pitchFamily="34" charset="-122"/>
+              <a:ea typeface="微软雅黑" panose="020B0503020204020204" pitchFamily="34" charset="-122"/>
+            </a:endParaRPr>
+          </a:p>
+        </p:txBody>
+      </p:sp>
+      <p:sp>
+        <p:nvSpPr>
+          <p:cNvPr id="45" name="矩形 44"/>
+          <p:cNvSpPr/>
+          <p:nvPr/>
+        </p:nvSpPr>
+        <p:spPr>
+          <a:xfrm>
+            <a:off x="4427984" y="4437112"/>
+            <a:ext cx="325730" cy="338554"/>
+          </a:xfrm>
+          <a:prstGeom prst="rect">
+            <a:avLst/>
+          </a:prstGeom>
+        </p:spPr>
+        <p:txBody>
+          <a:bodyPr wrap="none">
+            <a:spAutoFit/>
+          </a:bodyPr>
+          <a:lstStyle/>
+          <a:p>
+            <a:r>
+              <a:rPr lang="en-US" altLang="zh-CN" sz="1600" dirty="0"/>
+              <a:t>…</a:t>
+            </a:r>
+            <a:endParaRPr lang="zh-CN" altLang="en-US" sz="1600" dirty="0"/>
+          </a:p>
+        </p:txBody>
+      </p:sp>
+      <p:sp>
+        <p:nvSpPr>
+          <p:cNvPr id="47" name="矩形 46"/>
+          <p:cNvSpPr/>
+          <p:nvPr/>
+        </p:nvSpPr>
+        <p:spPr>
+          <a:xfrm>
+            <a:off x="7092280" y="4437112"/>
+            <a:ext cx="325730" cy="338554"/>
+          </a:xfrm>
+          <a:prstGeom prst="rect">
+            <a:avLst/>
+          </a:prstGeom>
+        </p:spPr>
+        <p:txBody>
+          <a:bodyPr wrap="none">
+            <a:spAutoFit/>
+          </a:bodyPr>
+          <a:lstStyle/>
+          <a:p>
+            <a:r>
+              <a:rPr lang="en-US" altLang="zh-CN" sz="1600" dirty="0"/>
+              <a:t>…</a:t>
+            </a:r>
+            <a:endParaRPr lang="zh-CN" altLang="en-US" sz="1600" dirty="0"/>
+          </a:p>
+        </p:txBody>
+      </p:sp>
+      <p:sp>
+        <p:nvSpPr>
+          <p:cNvPr id="48" name="矩形 47"/>
+          <p:cNvSpPr/>
+          <p:nvPr/>
+        </p:nvSpPr>
+        <p:spPr>
+          <a:xfrm>
+            <a:off x="7452320" y="3501008"/>
+            <a:ext cx="325730" cy="338554"/>
+          </a:xfrm>
+          <a:prstGeom prst="rect">
+            <a:avLst/>
+          </a:prstGeom>
+        </p:spPr>
+        <p:txBody>
+          <a:bodyPr wrap="none">
+            <a:spAutoFit/>
+          </a:bodyPr>
+          <a:lstStyle/>
+          <a:p>
+            <a:r>
+              <a:rPr lang="en-US" altLang="zh-CN" sz="1600" dirty="0"/>
+              <a:t>…</a:t>
+            </a:r>
+            <a:endParaRPr lang="zh-CN" altLang="en-US" sz="1600" dirty="0"/>
+          </a:p>
+        </p:txBody>
+      </p:sp>
+      <p:sp>
+        <p:nvSpPr>
+          <p:cNvPr id="50" name="矩形 49"/>
+          <p:cNvSpPr/>
+          <p:nvPr/>
+        </p:nvSpPr>
+        <p:spPr>
+          <a:xfrm>
+            <a:off x="2411760" y="2420888"/>
+            <a:ext cx="325730" cy="338554"/>
+          </a:xfrm>
+          <a:prstGeom prst="rect">
+            <a:avLst/>
+          </a:prstGeom>
+        </p:spPr>
+        <p:txBody>
+          <a:bodyPr wrap="none">
+            <a:spAutoFit/>
+          </a:bodyPr>
+          <a:lstStyle/>
+          <a:p>
+            <a:r>
+              <a:rPr lang="en-US" altLang="zh-CN" sz="1600" dirty="0"/>
+              <a:t>…</a:t>
+            </a:r>
+            <a:endParaRPr lang="zh-CN" altLang="en-US" sz="1600" dirty="0"/>
+          </a:p>
+        </p:txBody>
+      </p:sp>
+      <p:cxnSp>
+        <p:nvCxnSpPr>
+          <p:cNvPr id="51" name="直接箭头连接符 50"/>
+          <p:cNvCxnSpPr>
+            <a:stCxn id="36" idx="0"/>
+            <a:endCxn id="81" idx="2"/>
+          </p:cNvCxnSpPr>
+          <p:nvPr/>
+        </p:nvCxnSpPr>
+        <p:spPr>
+          <a:xfrm flipV="1">
+            <a:off x="3959932" y="3933056"/>
+            <a:ext cx="720080" cy="504056"/>
+          </a:xfrm>
+          <a:prstGeom prst="straightConnector1">
+            <a:avLst/>
+          </a:prstGeom>
+          <a:ln>
+            <a:tailEnd type="arrow"/>
+          </a:ln>
+        </p:spPr>
+        <p:style>
+          <a:lnRef idx="1">
+            <a:schemeClr val="accent1"/>
+          </a:lnRef>
+          <a:fillRef idx="0">
+            <a:schemeClr val="accent1"/>
+          </a:fillRef>
+          <a:effectRef idx="0">
+            <a:schemeClr val="accent1"/>
+          </a:effectRef>
+          <a:fontRef idx="minor">
+            <a:schemeClr val="tx1"/>
+          </a:fontRef>
+        </p:style>
+      </p:cxnSp>
+      <p:cxnSp>
+        <p:nvCxnSpPr>
+          <p:cNvPr id="52" name="直接箭头连接符 51"/>
+          <p:cNvCxnSpPr>
+            <a:stCxn id="35" idx="0"/>
+            <a:endCxn id="81" idx="2"/>
+          </p:cNvCxnSpPr>
+          <p:nvPr/>
+        </p:nvCxnSpPr>
+        <p:spPr>
+          <a:xfrm flipH="1" flipV="1">
+            <a:off x="4680012" y="3933056"/>
+            <a:ext cx="576064" cy="504056"/>
+          </a:xfrm>
+          <a:prstGeom prst="straightConnector1">
+            <a:avLst/>
+          </a:prstGeom>
+          <a:ln>
+            <a:tailEnd type="arrow"/>
+          </a:ln>
+        </p:spPr>
+        <p:style>
+          <a:lnRef idx="1">
+            <a:schemeClr val="accent1"/>
+          </a:lnRef>
+          <a:fillRef idx="0">
+            <a:schemeClr val="accent1"/>
+          </a:fillRef>
+          <a:effectRef idx="0">
+            <a:schemeClr val="accent1"/>
+          </a:effectRef>
+          <a:fontRef idx="minor">
+            <a:schemeClr val="tx1"/>
+          </a:fontRef>
+        </p:style>
+      </p:cxnSp>
+      <p:cxnSp>
+        <p:nvCxnSpPr>
+          <p:cNvPr id="54" name="直接箭头连接符 53"/>
+          <p:cNvCxnSpPr>
+            <a:stCxn id="44" idx="0"/>
+            <a:endCxn id="95" idx="2"/>
+          </p:cNvCxnSpPr>
+          <p:nvPr/>
+        </p:nvCxnSpPr>
+        <p:spPr>
+          <a:xfrm flipV="1">
+            <a:off x="6624228" y="3933056"/>
+            <a:ext cx="462942" cy="504056"/>
+          </a:xfrm>
+          <a:prstGeom prst="straightConnector1">
+            <a:avLst/>
+          </a:prstGeom>
+          <a:ln>
+            <a:tailEnd type="arrow"/>
+          </a:ln>
+        </p:spPr>
+        <p:style>
+          <a:lnRef idx="1">
+            <a:schemeClr val="accent1"/>
+          </a:lnRef>
+          <a:fillRef idx="0">
+            <a:schemeClr val="accent1"/>
+          </a:fillRef>
+          <a:effectRef idx="0">
+            <a:schemeClr val="accent1"/>
+          </a:effectRef>
+          <a:fontRef idx="minor">
+            <a:schemeClr val="tx1"/>
+          </a:fontRef>
+        </p:style>
+      </p:cxnSp>
+      <p:cxnSp>
+        <p:nvCxnSpPr>
+          <p:cNvPr id="58" name="直接箭头连接符 57"/>
+          <p:cNvCxnSpPr>
+            <a:stCxn id="43" idx="0"/>
+            <a:endCxn id="95" idx="2"/>
+          </p:cNvCxnSpPr>
+          <p:nvPr/>
+        </p:nvCxnSpPr>
+        <p:spPr>
+          <a:xfrm flipH="1" flipV="1">
+            <a:off x="7087170" y="3933056"/>
+            <a:ext cx="833202" cy="504056"/>
+          </a:xfrm>
+          <a:prstGeom prst="straightConnector1">
+            <a:avLst/>
+          </a:prstGeom>
+          <a:ln>
+            <a:tailEnd type="arrow"/>
+          </a:ln>
+        </p:spPr>
+        <p:style>
+          <a:lnRef idx="1">
+            <a:schemeClr val="accent1"/>
+          </a:lnRef>
+          <a:fillRef idx="0">
+            <a:schemeClr val="accent1"/>
+          </a:fillRef>
+          <a:effectRef idx="0">
+            <a:schemeClr val="accent1"/>
+          </a:effectRef>
+          <a:fontRef idx="minor">
+            <a:schemeClr val="tx1"/>
+          </a:fontRef>
+        </p:style>
+      </p:cxnSp>
     </p:spTree>
     <p:extLst>
       <p:ext uri="{BB962C8B-B14F-4D97-AF65-F5344CB8AC3E}">
